--- a/docs/FallDetection.pptx
+++ b/docs/FallDetection.pptx
@@ -5,7 +5,7 @@
     <p:sldMasterId id="2147483648" r:id="rId1"/>
   </p:sldMasterIdLst>
   <p:notesMasterIdLst>
-    <p:notesMasterId r:id="rId10"/>
+    <p:notesMasterId r:id="rId9"/>
   </p:notesMasterIdLst>
   <p:sldIdLst>
     <p:sldId id="256" r:id="rId2"/>
@@ -14,8 +14,7 @@
     <p:sldId id="260" r:id="rId5"/>
     <p:sldId id="262" r:id="rId6"/>
     <p:sldId id="264" r:id="rId7"/>
-    <p:sldId id="263" r:id="rId8"/>
-    <p:sldId id="261" r:id="rId9"/>
+    <p:sldId id="261" r:id="rId8"/>
   </p:sldIdLst>
   <p:sldSz cx="12192000" cy="6858000"/>
   <p:notesSz cx="6858000" cy="9144000"/>
@@ -204,7 +203,7 @@
           <a:p>
             <a:fld id="{126F6D23-B8E2-2443-96D3-084056B946C0}" type="datetimeFigureOut">
               <a:rPr lang="en-US" smtClean="0"/>
-              <a:t>3/1/18</a:t>
+              <a:t>3/2/18</a:t>
             </a:fld>
             <a:endParaRPr lang="en-US"/>
           </a:p>
@@ -723,90 +722,6 @@
 </p:notes>
 </file>
 
-<file path=ppt/notesSlides/notesSlide4.xml><?xml version="1.0" encoding="utf-8"?>
-<p:notes xmlns:a="http://schemas.openxmlformats.org/drawingml/2006/main" xmlns:r="http://schemas.openxmlformats.org/officeDocument/2006/relationships" xmlns:p="http://schemas.openxmlformats.org/presentationml/2006/main">
-  <p:cSld>
-    <p:spTree>
-      <p:nvGrpSpPr>
-        <p:cNvPr id="1" name=""/>
-        <p:cNvGrpSpPr/>
-        <p:nvPr/>
-      </p:nvGrpSpPr>
-      <p:grpSpPr>
-        <a:xfrm>
-          <a:off x="0" y="0"/>
-          <a:ext cx="0" cy="0"/>
-          <a:chOff x="0" y="0"/>
-          <a:chExt cx="0" cy="0"/>
-        </a:xfrm>
-      </p:grpSpPr>
-      <p:sp>
-        <p:nvSpPr>
-          <p:cNvPr id="2" name="Slide Image Placeholder 1"/>
-          <p:cNvSpPr>
-            <a:spLocks noGrp="1" noRot="1" noChangeAspect="1"/>
-          </p:cNvSpPr>
-          <p:nvPr>
-            <p:ph type="sldImg"/>
-          </p:nvPr>
-        </p:nvSpPr>
-        <p:spPr/>
-      </p:sp>
-      <p:sp>
-        <p:nvSpPr>
-          <p:cNvPr id="3" name="Notes Placeholder 2"/>
-          <p:cNvSpPr>
-            <a:spLocks noGrp="1"/>
-          </p:cNvSpPr>
-          <p:nvPr>
-            <p:ph type="body" idx="1"/>
-          </p:nvPr>
-        </p:nvSpPr>
-        <p:spPr/>
-        <p:txBody>
-          <a:bodyPr/>
-          <a:lstStyle/>
-          <a:p>
-            <a:endParaRPr lang="en-US" dirty="0"/>
-          </a:p>
-        </p:txBody>
-      </p:sp>
-      <p:sp>
-        <p:nvSpPr>
-          <p:cNvPr id="4" name="Slide Number Placeholder 3"/>
-          <p:cNvSpPr>
-            <a:spLocks noGrp="1"/>
-          </p:cNvSpPr>
-          <p:nvPr>
-            <p:ph type="sldNum" sz="quarter" idx="10"/>
-          </p:nvPr>
-        </p:nvSpPr>
-        <p:spPr/>
-        <p:txBody>
-          <a:bodyPr/>
-          <a:lstStyle/>
-          <a:p>
-            <a:fld id="{F466AC0D-1CAD-0D44-B869-4755A8D37EE1}" type="slidenum">
-              <a:rPr lang="en-US" smtClean="0"/>
-              <a:t>7</a:t>
-            </a:fld>
-            <a:endParaRPr lang="en-US"/>
-          </a:p>
-        </p:txBody>
-      </p:sp>
-    </p:spTree>
-    <p:extLst>
-      <p:ext uri="{BB962C8B-B14F-4D97-AF65-F5344CB8AC3E}">
-        <p14:creationId xmlns:p14="http://schemas.microsoft.com/office/powerpoint/2010/main" val="1386806356"/>
-      </p:ext>
-    </p:extLst>
-  </p:cSld>
-  <p:clrMapOvr>
-    <a:masterClrMapping/>
-  </p:clrMapOvr>
-</p:notes>
-</file>
-
 <file path=ppt/slideLayouts/slideLayout1.xml><?xml version="1.0" encoding="utf-8"?>
 <p:sldLayout xmlns:a="http://schemas.openxmlformats.org/drawingml/2006/main" xmlns:r="http://schemas.openxmlformats.org/officeDocument/2006/relationships" xmlns:p="http://schemas.openxmlformats.org/presentationml/2006/main" type="title" preserve="1">
   <p:cSld name="Title Slide">
@@ -936,7 +851,7 @@
           <a:p>
             <a:fld id="{C40EB393-315D-9D45-8062-11EFD1068A92}" type="datetimeFigureOut">
               <a:rPr lang="en-US" smtClean="0"/>
-              <a:t>3/1/18</a:t>
+              <a:t>3/2/18</a:t>
             </a:fld>
             <a:endParaRPr lang="en-US"/>
           </a:p>
@@ -1104,7 +1019,7 @@
           <a:p>
             <a:fld id="{C40EB393-315D-9D45-8062-11EFD1068A92}" type="datetimeFigureOut">
               <a:rPr lang="en-US" smtClean="0"/>
-              <a:t>3/1/18</a:t>
+              <a:t>3/2/18</a:t>
             </a:fld>
             <a:endParaRPr lang="en-US"/>
           </a:p>
@@ -1282,7 +1197,7 @@
           <a:p>
             <a:fld id="{C40EB393-315D-9D45-8062-11EFD1068A92}" type="datetimeFigureOut">
               <a:rPr lang="en-US" smtClean="0"/>
-              <a:t>3/1/18</a:t>
+              <a:t>3/2/18</a:t>
             </a:fld>
             <a:endParaRPr lang="en-US"/>
           </a:p>
@@ -1450,7 +1365,7 @@
           <a:p>
             <a:fld id="{C40EB393-315D-9D45-8062-11EFD1068A92}" type="datetimeFigureOut">
               <a:rPr lang="en-US" smtClean="0"/>
-              <a:t>3/1/18</a:t>
+              <a:t>3/2/18</a:t>
             </a:fld>
             <a:endParaRPr lang="en-US"/>
           </a:p>
@@ -1695,7 +1610,7 @@
           <a:p>
             <a:fld id="{C40EB393-315D-9D45-8062-11EFD1068A92}" type="datetimeFigureOut">
               <a:rPr lang="en-US" smtClean="0"/>
-              <a:t>3/1/18</a:t>
+              <a:t>3/2/18</a:t>
             </a:fld>
             <a:endParaRPr lang="en-US"/>
           </a:p>
@@ -1924,7 +1839,7 @@
           <a:p>
             <a:fld id="{C40EB393-315D-9D45-8062-11EFD1068A92}" type="datetimeFigureOut">
               <a:rPr lang="en-US" smtClean="0"/>
-              <a:t>3/1/18</a:t>
+              <a:t>3/2/18</a:t>
             </a:fld>
             <a:endParaRPr lang="en-US"/>
           </a:p>
@@ -2288,7 +2203,7 @@
           <a:p>
             <a:fld id="{C40EB393-315D-9D45-8062-11EFD1068A92}" type="datetimeFigureOut">
               <a:rPr lang="en-US" smtClean="0"/>
-              <a:t>3/1/18</a:t>
+              <a:t>3/2/18</a:t>
             </a:fld>
             <a:endParaRPr lang="en-US"/>
           </a:p>
@@ -2405,7 +2320,7 @@
           <a:p>
             <a:fld id="{C40EB393-315D-9D45-8062-11EFD1068A92}" type="datetimeFigureOut">
               <a:rPr lang="en-US" smtClean="0"/>
-              <a:t>3/1/18</a:t>
+              <a:t>3/2/18</a:t>
             </a:fld>
             <a:endParaRPr lang="en-US"/>
           </a:p>
@@ -2500,7 +2415,7 @@
           <a:p>
             <a:fld id="{C40EB393-315D-9D45-8062-11EFD1068A92}" type="datetimeFigureOut">
               <a:rPr lang="en-US" smtClean="0"/>
-              <a:t>3/1/18</a:t>
+              <a:t>3/2/18</a:t>
             </a:fld>
             <a:endParaRPr lang="en-US"/>
           </a:p>
@@ -2775,7 +2690,7 @@
           <a:p>
             <a:fld id="{C40EB393-315D-9D45-8062-11EFD1068A92}" type="datetimeFigureOut">
               <a:rPr lang="en-US" smtClean="0"/>
-              <a:t>3/1/18</a:t>
+              <a:t>3/2/18</a:t>
             </a:fld>
             <a:endParaRPr lang="en-US"/>
           </a:p>
@@ -3027,7 +2942,7 @@
           <a:p>
             <a:fld id="{C40EB393-315D-9D45-8062-11EFD1068A92}" type="datetimeFigureOut">
               <a:rPr lang="en-US" smtClean="0"/>
-              <a:t>3/1/18</a:t>
+              <a:t>3/2/18</a:t>
             </a:fld>
             <a:endParaRPr lang="en-US"/>
           </a:p>
@@ -3238,7 +3153,7 @@
           <a:p>
             <a:fld id="{C40EB393-315D-9D45-8062-11EFD1068A92}" type="datetimeFigureOut">
               <a:rPr lang="en-US" smtClean="0"/>
-              <a:t>3/1/18</a:t>
+              <a:t>3/2/18</a:t>
             </a:fld>
             <a:endParaRPr lang="en-US"/>
           </a:p>
@@ -4477,9 +4392,6 @@
           </a:bodyPr>
           <a:lstStyle/>
           <a:p>
-            <a:endParaRPr lang="en-US" dirty="0"/>
-          </a:p>
-          <a:p>
             <a:pPr marL="0" indent="0">
               <a:buNone/>
             </a:pPr>
@@ -4499,6 +4411,51 @@
               <a:rPr lang="en-US" dirty="0"/>
               <a:t>Use different Machine Learning algorithms</a:t>
             </a:r>
+          </a:p>
+          <a:p>
+            <a:pPr marL="0" indent="0">
+              <a:buNone/>
+            </a:pPr>
+            <a:r>
+              <a:rPr lang="en-US" b="1" dirty="0"/>
+              <a:t>Fall Prediction</a:t>
+            </a:r>
+          </a:p>
+          <a:p>
+            <a:r>
+              <a:rPr lang="en-US" dirty="0"/>
+              <a:t>Identify a fall before it happens</a:t>
+            </a:r>
+          </a:p>
+          <a:p>
+            <a:r>
+              <a:rPr lang="en-US" dirty="0"/>
+              <a:t>Use data from other sensors</a:t>
+            </a:r>
+          </a:p>
+          <a:p>
+            <a:pPr marL="0" indent="0">
+              <a:buNone/>
+            </a:pPr>
+            <a:r>
+              <a:rPr lang="en-US" b="1" dirty="0"/>
+              <a:t>Collect and Analyze sensor data in real time</a:t>
+            </a:r>
+          </a:p>
+          <a:p>
+            <a:r>
+              <a:rPr lang="en-US" dirty="0"/>
+              <a:t>Streaming techniques</a:t>
+            </a:r>
+          </a:p>
+          <a:p>
+            <a:endParaRPr lang="en-US" dirty="0"/>
+          </a:p>
+          <a:p>
+            <a:pPr marL="0" indent="0">
+              <a:buNone/>
+            </a:pPr>
+            <a:endParaRPr lang="en-US" dirty="0"/>
           </a:p>
         </p:txBody>
       </p:sp>
@@ -4553,7 +4510,7 @@
                   <a:srgbClr val="004D97"/>
                 </a:solidFill>
               </a:rPr>
-              <a:t>Goals</a:t>
+              <a:t>Current Situation</a:t>
             </a:r>
           </a:p>
         </p:txBody>
@@ -4575,27 +4532,27 @@
           </a:bodyPr>
           <a:lstStyle/>
           <a:p>
-            <a:endParaRPr lang="en-US" dirty="0"/>
-          </a:p>
-          <a:p>
-            <a:pPr marL="0" indent="0">
-              <a:buNone/>
-            </a:pPr>
-            <a:r>
-              <a:rPr lang="en-US" b="1" dirty="0"/>
-              <a:t>Fall Prediction</a:t>
-            </a:r>
-          </a:p>
-          <a:p>
             <a:r>
               <a:rPr lang="en-US" dirty="0"/>
-              <a:t>Identify a fall before it happens</a:t>
+              <a:t>Exploratory Data Analysis</a:t>
             </a:r>
           </a:p>
           <a:p>
             <a:r>
               <a:rPr lang="en-US" dirty="0"/>
-              <a:t>Use data from other sensors</a:t>
+              <a:t>Preprocessing</a:t>
+            </a:r>
+          </a:p>
+          <a:p>
+            <a:r>
+              <a:rPr lang="en-US" dirty="0"/>
+              <a:t>Model</a:t>
+            </a:r>
+          </a:p>
+          <a:p>
+            <a:r>
+              <a:rPr lang="en-US" dirty="0"/>
+              <a:t>Streaming</a:t>
             </a:r>
           </a:p>
         </p:txBody>
@@ -4614,98 +4571,6 @@
 </file>
 
 <file path=ppt/slides/slide7.xml><?xml version="1.0" encoding="utf-8"?>
-<p:sld xmlns:a="http://schemas.openxmlformats.org/drawingml/2006/main" xmlns:r="http://schemas.openxmlformats.org/officeDocument/2006/relationships" xmlns:p="http://schemas.openxmlformats.org/presentationml/2006/main">
-  <p:cSld>
-    <p:spTree>
-      <p:nvGrpSpPr>
-        <p:cNvPr id="1" name=""/>
-        <p:cNvGrpSpPr/>
-        <p:nvPr/>
-      </p:nvGrpSpPr>
-      <p:grpSpPr>
-        <a:xfrm>
-          <a:off x="0" y="0"/>
-          <a:ext cx="0" cy="0"/>
-          <a:chOff x="0" y="0"/>
-          <a:chExt cx="0" cy="0"/>
-        </a:xfrm>
-      </p:grpSpPr>
-      <p:sp>
-        <p:nvSpPr>
-          <p:cNvPr id="2" name="Title 1"/>
-          <p:cNvSpPr>
-            <a:spLocks noGrp="1"/>
-          </p:cNvSpPr>
-          <p:nvPr>
-            <p:ph type="title"/>
-          </p:nvPr>
-        </p:nvSpPr>
-        <p:spPr/>
-        <p:txBody>
-          <a:bodyPr/>
-          <a:lstStyle/>
-          <a:p>
-            <a:r>
-              <a:rPr lang="en-US" b="1" dirty="0">
-                <a:solidFill>
-                  <a:srgbClr val="004D97"/>
-                </a:solidFill>
-              </a:rPr>
-              <a:t>Goals</a:t>
-            </a:r>
-          </a:p>
-        </p:txBody>
-      </p:sp>
-      <p:sp>
-        <p:nvSpPr>
-          <p:cNvPr id="3" name="Content Placeholder 2"/>
-          <p:cNvSpPr>
-            <a:spLocks noGrp="1"/>
-          </p:cNvSpPr>
-          <p:nvPr>
-            <p:ph idx="1"/>
-          </p:nvPr>
-        </p:nvSpPr>
-        <p:spPr/>
-        <p:txBody>
-          <a:bodyPr>
-            <a:normAutofit/>
-          </a:bodyPr>
-          <a:lstStyle/>
-          <a:p>
-            <a:endParaRPr lang="en-US" dirty="0"/>
-          </a:p>
-          <a:p>
-            <a:pPr marL="0" indent="0">
-              <a:buNone/>
-            </a:pPr>
-            <a:r>
-              <a:rPr lang="en-US" b="1" dirty="0"/>
-              <a:t>Collect and Analyze sensor data in real time</a:t>
-            </a:r>
-          </a:p>
-          <a:p>
-            <a:r>
-              <a:rPr lang="en-US" dirty="0"/>
-              <a:t>Streaming techniques</a:t>
-            </a:r>
-          </a:p>
-        </p:txBody>
-      </p:sp>
-    </p:spTree>
-    <p:extLst>
-      <p:ext uri="{BB962C8B-B14F-4D97-AF65-F5344CB8AC3E}">
-        <p14:creationId xmlns:p14="http://schemas.microsoft.com/office/powerpoint/2010/main" val="3261064151"/>
-      </p:ext>
-    </p:extLst>
-  </p:cSld>
-  <p:clrMapOvr>
-    <a:masterClrMapping/>
-  </p:clrMapOvr>
-</p:sld>
-</file>
-
-<file path=ppt/slides/slide8.xml><?xml version="1.0" encoding="utf-8"?>
 <p:sld xmlns:a="http://schemas.openxmlformats.org/drawingml/2006/main" xmlns:r="http://schemas.openxmlformats.org/officeDocument/2006/relationships" xmlns:p="http://schemas.openxmlformats.org/presentationml/2006/main">
   <p:cSld>
     <p:spTree>

--- a/docs/FallDetection.pptx
+++ b/docs/FallDetection.pptx
@@ -5,16 +5,15 @@
     <p:sldMasterId id="2147483648" r:id="rId1"/>
   </p:sldMasterIdLst>
   <p:notesMasterIdLst>
-    <p:notesMasterId r:id="rId9"/>
+    <p:notesMasterId r:id="rId8"/>
   </p:notesMasterIdLst>
   <p:sldIdLst>
     <p:sldId id="256" r:id="rId2"/>
     <p:sldId id="258" r:id="rId3"/>
     <p:sldId id="265" r:id="rId4"/>
     <p:sldId id="260" r:id="rId5"/>
-    <p:sldId id="262" r:id="rId6"/>
-    <p:sldId id="264" r:id="rId7"/>
-    <p:sldId id="261" r:id="rId8"/>
+    <p:sldId id="266" r:id="rId6"/>
+    <p:sldId id="261" r:id="rId7"/>
   </p:sldIdLst>
   <p:sldSz cx="12192000" cy="6858000"/>
   <p:notesSz cx="6858000" cy="9144000"/>
@@ -119,6 +118,4675 @@
     </p:ext>
   </p:extLst>
 </p:presentation>
+</file>
+
+<file path=ppt/diagrams/colors1.xml><?xml version="1.0" encoding="utf-8"?>
+<dgm:colorsDef xmlns:dgm="http://schemas.openxmlformats.org/drawingml/2006/diagram" xmlns:a="http://schemas.openxmlformats.org/drawingml/2006/main" uniqueId="urn:microsoft.com/office/officeart/2005/8/colors/accent1_2">
+  <dgm:title val=""/>
+  <dgm:desc val=""/>
+  <dgm:catLst>
+    <dgm:cat type="accent1" pri="11200"/>
+  </dgm:catLst>
+  <dgm:styleLbl name="node0">
+    <dgm:fillClrLst meth="repeat">
+      <a:schemeClr val="accent1"/>
+    </dgm:fillClrLst>
+    <dgm:linClrLst meth="repeat">
+      <a:schemeClr val="lt1"/>
+    </dgm:linClrLst>
+    <dgm:effectClrLst/>
+    <dgm:txLinClrLst/>
+    <dgm:txFillClrLst/>
+    <dgm:txEffectClrLst/>
+  </dgm:styleLbl>
+  <dgm:styleLbl name="alignNode1">
+    <dgm:fillClrLst meth="repeat">
+      <a:schemeClr val="accent1"/>
+    </dgm:fillClrLst>
+    <dgm:linClrLst meth="repeat">
+      <a:schemeClr val="accent1"/>
+    </dgm:linClrLst>
+    <dgm:effectClrLst/>
+    <dgm:txLinClrLst/>
+    <dgm:txFillClrLst/>
+    <dgm:txEffectClrLst/>
+  </dgm:styleLbl>
+  <dgm:styleLbl name="node1">
+    <dgm:fillClrLst meth="repeat">
+      <a:schemeClr val="accent1"/>
+    </dgm:fillClrLst>
+    <dgm:linClrLst meth="repeat">
+      <a:schemeClr val="lt1"/>
+    </dgm:linClrLst>
+    <dgm:effectClrLst/>
+    <dgm:txLinClrLst/>
+    <dgm:txFillClrLst/>
+    <dgm:txEffectClrLst/>
+  </dgm:styleLbl>
+  <dgm:styleLbl name="lnNode1">
+    <dgm:fillClrLst meth="repeat">
+      <a:schemeClr val="accent1"/>
+    </dgm:fillClrLst>
+    <dgm:linClrLst meth="repeat">
+      <a:schemeClr val="lt1"/>
+    </dgm:linClrLst>
+    <dgm:effectClrLst/>
+    <dgm:txLinClrLst/>
+    <dgm:txFillClrLst/>
+    <dgm:txEffectClrLst/>
+  </dgm:styleLbl>
+  <dgm:styleLbl name="vennNode1">
+    <dgm:fillClrLst meth="repeat">
+      <a:schemeClr val="accent1">
+        <a:alpha val="50000"/>
+      </a:schemeClr>
+    </dgm:fillClrLst>
+    <dgm:linClrLst meth="repeat">
+      <a:schemeClr val="lt1"/>
+    </dgm:linClrLst>
+    <dgm:effectClrLst/>
+    <dgm:txLinClrLst/>
+    <dgm:txFillClrLst/>
+    <dgm:txEffectClrLst/>
+  </dgm:styleLbl>
+  <dgm:styleLbl name="node2">
+    <dgm:fillClrLst meth="repeat">
+      <a:schemeClr val="accent1"/>
+    </dgm:fillClrLst>
+    <dgm:linClrLst meth="repeat">
+      <a:schemeClr val="lt1"/>
+    </dgm:linClrLst>
+    <dgm:effectClrLst/>
+    <dgm:txLinClrLst/>
+    <dgm:txFillClrLst/>
+    <dgm:txEffectClrLst/>
+  </dgm:styleLbl>
+  <dgm:styleLbl name="node3">
+    <dgm:fillClrLst meth="repeat">
+      <a:schemeClr val="accent1"/>
+    </dgm:fillClrLst>
+    <dgm:linClrLst meth="repeat">
+      <a:schemeClr val="lt1"/>
+    </dgm:linClrLst>
+    <dgm:effectClrLst/>
+    <dgm:txLinClrLst/>
+    <dgm:txFillClrLst/>
+    <dgm:txEffectClrLst/>
+  </dgm:styleLbl>
+  <dgm:styleLbl name="node4">
+    <dgm:fillClrLst meth="repeat">
+      <a:schemeClr val="accent1"/>
+    </dgm:fillClrLst>
+    <dgm:linClrLst meth="repeat">
+      <a:schemeClr val="lt1"/>
+    </dgm:linClrLst>
+    <dgm:effectClrLst/>
+    <dgm:txLinClrLst/>
+    <dgm:txFillClrLst/>
+    <dgm:txEffectClrLst/>
+  </dgm:styleLbl>
+  <dgm:styleLbl name="fgImgPlace1">
+    <dgm:fillClrLst meth="repeat">
+      <a:schemeClr val="accent1">
+        <a:tint val="50000"/>
+      </a:schemeClr>
+    </dgm:fillClrLst>
+    <dgm:linClrLst meth="repeat">
+      <a:schemeClr val="lt1"/>
+    </dgm:linClrLst>
+    <dgm:effectClrLst/>
+    <dgm:txLinClrLst/>
+    <dgm:txFillClrLst meth="repeat">
+      <a:schemeClr val="lt1"/>
+    </dgm:txFillClrLst>
+    <dgm:txEffectClrLst/>
+  </dgm:styleLbl>
+  <dgm:styleLbl name="alignImgPlace1">
+    <dgm:fillClrLst meth="repeat">
+      <a:schemeClr val="accent1">
+        <a:tint val="50000"/>
+      </a:schemeClr>
+    </dgm:fillClrLst>
+    <dgm:linClrLst meth="repeat">
+      <a:schemeClr val="lt1"/>
+    </dgm:linClrLst>
+    <dgm:effectClrLst/>
+    <dgm:txLinClrLst/>
+    <dgm:txFillClrLst meth="repeat">
+      <a:schemeClr val="lt1"/>
+    </dgm:txFillClrLst>
+    <dgm:txEffectClrLst/>
+  </dgm:styleLbl>
+  <dgm:styleLbl name="bgImgPlace1">
+    <dgm:fillClrLst meth="repeat">
+      <a:schemeClr val="accent1">
+        <a:tint val="50000"/>
+      </a:schemeClr>
+    </dgm:fillClrLst>
+    <dgm:linClrLst meth="repeat">
+      <a:schemeClr val="lt1"/>
+    </dgm:linClrLst>
+    <dgm:effectClrLst/>
+    <dgm:txLinClrLst/>
+    <dgm:txFillClrLst meth="repeat">
+      <a:schemeClr val="lt1"/>
+    </dgm:txFillClrLst>
+    <dgm:txEffectClrLst/>
+  </dgm:styleLbl>
+  <dgm:styleLbl name="sibTrans2D1">
+    <dgm:fillClrLst meth="repeat">
+      <a:schemeClr val="accent1">
+        <a:tint val="60000"/>
+      </a:schemeClr>
+    </dgm:fillClrLst>
+    <dgm:linClrLst meth="repeat">
+      <a:schemeClr val="accent1">
+        <a:tint val="60000"/>
+      </a:schemeClr>
+    </dgm:linClrLst>
+    <dgm:effectClrLst/>
+    <dgm:txLinClrLst/>
+    <dgm:txFillClrLst/>
+    <dgm:txEffectClrLst/>
+  </dgm:styleLbl>
+  <dgm:styleLbl name="fgSibTrans2D1">
+    <dgm:fillClrLst meth="repeat">
+      <a:schemeClr val="accent1">
+        <a:tint val="60000"/>
+      </a:schemeClr>
+    </dgm:fillClrLst>
+    <dgm:linClrLst meth="repeat">
+      <a:schemeClr val="accent1">
+        <a:tint val="60000"/>
+      </a:schemeClr>
+    </dgm:linClrLst>
+    <dgm:effectClrLst/>
+    <dgm:txLinClrLst/>
+    <dgm:txFillClrLst/>
+    <dgm:txEffectClrLst/>
+  </dgm:styleLbl>
+  <dgm:styleLbl name="bgSibTrans2D1">
+    <dgm:fillClrLst meth="repeat">
+      <a:schemeClr val="accent1">
+        <a:tint val="60000"/>
+      </a:schemeClr>
+    </dgm:fillClrLst>
+    <dgm:linClrLst meth="repeat">
+      <a:schemeClr val="accent1">
+        <a:tint val="60000"/>
+      </a:schemeClr>
+    </dgm:linClrLst>
+    <dgm:effectClrLst/>
+    <dgm:txLinClrLst/>
+    <dgm:txFillClrLst/>
+    <dgm:txEffectClrLst/>
+  </dgm:styleLbl>
+  <dgm:styleLbl name="sibTrans1D1">
+    <dgm:fillClrLst meth="repeat">
+      <a:schemeClr val="accent1"/>
+    </dgm:fillClrLst>
+    <dgm:linClrLst meth="repeat">
+      <a:schemeClr val="accent1"/>
+    </dgm:linClrLst>
+    <dgm:effectClrLst/>
+    <dgm:txLinClrLst/>
+    <dgm:txFillClrLst meth="repeat">
+      <a:schemeClr val="tx1"/>
+    </dgm:txFillClrLst>
+    <dgm:txEffectClrLst/>
+  </dgm:styleLbl>
+  <dgm:styleLbl name="callout">
+    <dgm:fillClrLst meth="repeat">
+      <a:schemeClr val="accent1"/>
+    </dgm:fillClrLst>
+    <dgm:linClrLst meth="repeat">
+      <a:schemeClr val="accent1">
+        <a:tint val="50000"/>
+      </a:schemeClr>
+    </dgm:linClrLst>
+    <dgm:effectClrLst/>
+    <dgm:txLinClrLst/>
+    <dgm:txFillClrLst meth="repeat">
+      <a:schemeClr val="tx1"/>
+    </dgm:txFillClrLst>
+    <dgm:txEffectClrLst/>
+  </dgm:styleLbl>
+  <dgm:styleLbl name="asst0">
+    <dgm:fillClrLst meth="repeat">
+      <a:schemeClr val="accent1"/>
+    </dgm:fillClrLst>
+    <dgm:linClrLst meth="repeat">
+      <a:schemeClr val="lt1"/>
+    </dgm:linClrLst>
+    <dgm:effectClrLst/>
+    <dgm:txLinClrLst/>
+    <dgm:txFillClrLst/>
+    <dgm:txEffectClrLst/>
+  </dgm:styleLbl>
+  <dgm:styleLbl name="asst1">
+    <dgm:fillClrLst meth="repeat">
+      <a:schemeClr val="accent1"/>
+    </dgm:fillClrLst>
+    <dgm:linClrLst meth="repeat">
+      <a:schemeClr val="lt1"/>
+    </dgm:linClrLst>
+    <dgm:effectClrLst/>
+    <dgm:txLinClrLst/>
+    <dgm:txFillClrLst/>
+    <dgm:txEffectClrLst/>
+  </dgm:styleLbl>
+  <dgm:styleLbl name="asst2">
+    <dgm:fillClrLst meth="repeat">
+      <a:schemeClr val="accent1"/>
+    </dgm:fillClrLst>
+    <dgm:linClrLst meth="repeat">
+      <a:schemeClr val="lt1"/>
+    </dgm:linClrLst>
+    <dgm:effectClrLst/>
+    <dgm:txLinClrLst/>
+    <dgm:txFillClrLst/>
+    <dgm:txEffectClrLst/>
+  </dgm:styleLbl>
+  <dgm:styleLbl name="asst3">
+    <dgm:fillClrLst meth="repeat">
+      <a:schemeClr val="accent1"/>
+    </dgm:fillClrLst>
+    <dgm:linClrLst meth="repeat">
+      <a:schemeClr val="lt1"/>
+    </dgm:linClrLst>
+    <dgm:effectClrLst/>
+    <dgm:txLinClrLst/>
+    <dgm:txFillClrLst/>
+    <dgm:txEffectClrLst/>
+  </dgm:styleLbl>
+  <dgm:styleLbl name="asst4">
+    <dgm:fillClrLst meth="repeat">
+      <a:schemeClr val="accent1"/>
+    </dgm:fillClrLst>
+    <dgm:linClrLst meth="repeat">
+      <a:schemeClr val="lt1"/>
+    </dgm:linClrLst>
+    <dgm:effectClrLst/>
+    <dgm:txLinClrLst/>
+    <dgm:txFillClrLst/>
+    <dgm:txEffectClrLst/>
+  </dgm:styleLbl>
+  <dgm:styleLbl name="parChTrans2D1">
+    <dgm:fillClrLst meth="repeat">
+      <a:schemeClr val="accent1">
+        <a:tint val="60000"/>
+      </a:schemeClr>
+    </dgm:fillClrLst>
+    <dgm:linClrLst meth="repeat">
+      <a:schemeClr val="accent1">
+        <a:tint val="60000"/>
+      </a:schemeClr>
+    </dgm:linClrLst>
+    <dgm:effectClrLst/>
+    <dgm:txLinClrLst/>
+    <dgm:txFillClrLst meth="repeat">
+      <a:schemeClr val="lt1"/>
+    </dgm:txFillClrLst>
+    <dgm:txEffectClrLst/>
+  </dgm:styleLbl>
+  <dgm:styleLbl name="parChTrans2D2">
+    <dgm:fillClrLst meth="repeat">
+      <a:schemeClr val="accent1"/>
+    </dgm:fillClrLst>
+    <dgm:linClrLst meth="repeat">
+      <a:schemeClr val="accent1"/>
+    </dgm:linClrLst>
+    <dgm:effectClrLst/>
+    <dgm:txLinClrLst/>
+    <dgm:txFillClrLst meth="repeat">
+      <a:schemeClr val="lt1"/>
+    </dgm:txFillClrLst>
+    <dgm:txEffectClrLst/>
+  </dgm:styleLbl>
+  <dgm:styleLbl name="parChTrans2D3">
+    <dgm:fillClrLst meth="repeat">
+      <a:schemeClr val="accent1"/>
+    </dgm:fillClrLst>
+    <dgm:linClrLst meth="repeat">
+      <a:schemeClr val="accent1"/>
+    </dgm:linClrLst>
+    <dgm:effectClrLst/>
+    <dgm:txLinClrLst/>
+    <dgm:txFillClrLst meth="repeat">
+      <a:schemeClr val="lt1"/>
+    </dgm:txFillClrLst>
+    <dgm:txEffectClrLst/>
+  </dgm:styleLbl>
+  <dgm:styleLbl name="parChTrans2D4">
+    <dgm:fillClrLst meth="repeat">
+      <a:schemeClr val="accent1"/>
+    </dgm:fillClrLst>
+    <dgm:linClrLst meth="repeat">
+      <a:schemeClr val="accent1"/>
+    </dgm:linClrLst>
+    <dgm:effectClrLst/>
+    <dgm:txLinClrLst/>
+    <dgm:txFillClrLst meth="repeat">
+      <a:schemeClr val="lt1"/>
+    </dgm:txFillClrLst>
+    <dgm:txEffectClrLst/>
+  </dgm:styleLbl>
+  <dgm:styleLbl name="parChTrans1D1">
+    <dgm:fillClrLst meth="repeat">
+      <a:schemeClr val="accent1"/>
+    </dgm:fillClrLst>
+    <dgm:linClrLst meth="repeat">
+      <a:schemeClr val="accent1">
+        <a:shade val="60000"/>
+      </a:schemeClr>
+    </dgm:linClrLst>
+    <dgm:effectClrLst/>
+    <dgm:txLinClrLst/>
+    <dgm:txFillClrLst meth="repeat">
+      <a:schemeClr val="tx1"/>
+    </dgm:txFillClrLst>
+    <dgm:txEffectClrLst/>
+  </dgm:styleLbl>
+  <dgm:styleLbl name="parChTrans1D2">
+    <dgm:fillClrLst meth="repeat">
+      <a:schemeClr val="accent1"/>
+    </dgm:fillClrLst>
+    <dgm:linClrLst meth="repeat">
+      <a:schemeClr val="accent1">
+        <a:shade val="60000"/>
+      </a:schemeClr>
+    </dgm:linClrLst>
+    <dgm:effectClrLst/>
+    <dgm:txLinClrLst/>
+    <dgm:txFillClrLst meth="repeat">
+      <a:schemeClr val="tx1"/>
+    </dgm:txFillClrLst>
+    <dgm:txEffectClrLst/>
+  </dgm:styleLbl>
+  <dgm:styleLbl name="parChTrans1D3">
+    <dgm:fillClrLst meth="repeat">
+      <a:schemeClr val="accent1"/>
+    </dgm:fillClrLst>
+    <dgm:linClrLst meth="repeat">
+      <a:schemeClr val="accent1">
+        <a:shade val="80000"/>
+      </a:schemeClr>
+    </dgm:linClrLst>
+    <dgm:effectClrLst/>
+    <dgm:txLinClrLst/>
+    <dgm:txFillClrLst meth="repeat">
+      <a:schemeClr val="tx1"/>
+    </dgm:txFillClrLst>
+    <dgm:txEffectClrLst/>
+  </dgm:styleLbl>
+  <dgm:styleLbl name="parChTrans1D4">
+    <dgm:fillClrLst meth="repeat">
+      <a:schemeClr val="accent1"/>
+    </dgm:fillClrLst>
+    <dgm:linClrLst meth="repeat">
+      <a:schemeClr val="accent1">
+        <a:shade val="80000"/>
+      </a:schemeClr>
+    </dgm:linClrLst>
+    <dgm:effectClrLst/>
+    <dgm:txLinClrLst/>
+    <dgm:txFillClrLst meth="repeat">
+      <a:schemeClr val="tx1"/>
+    </dgm:txFillClrLst>
+    <dgm:txEffectClrLst/>
+  </dgm:styleLbl>
+  <dgm:styleLbl name="fgAcc1">
+    <dgm:fillClrLst meth="repeat">
+      <a:schemeClr val="lt1">
+        <a:alpha val="90000"/>
+      </a:schemeClr>
+    </dgm:fillClrLst>
+    <dgm:linClrLst meth="repeat">
+      <a:schemeClr val="accent1"/>
+    </dgm:linClrLst>
+    <dgm:effectClrLst/>
+    <dgm:txLinClrLst/>
+    <dgm:txFillClrLst meth="repeat">
+      <a:schemeClr val="dk1"/>
+    </dgm:txFillClrLst>
+    <dgm:txEffectClrLst/>
+  </dgm:styleLbl>
+  <dgm:styleLbl name="conFgAcc1">
+    <dgm:fillClrLst meth="repeat">
+      <a:schemeClr val="lt1">
+        <a:alpha val="90000"/>
+      </a:schemeClr>
+    </dgm:fillClrLst>
+    <dgm:linClrLst meth="repeat">
+      <a:schemeClr val="accent1"/>
+    </dgm:linClrLst>
+    <dgm:effectClrLst/>
+    <dgm:txLinClrLst/>
+    <dgm:txFillClrLst meth="repeat">
+      <a:schemeClr val="dk1"/>
+    </dgm:txFillClrLst>
+    <dgm:txEffectClrLst/>
+  </dgm:styleLbl>
+  <dgm:styleLbl name="alignAcc1">
+    <dgm:fillClrLst meth="repeat">
+      <a:schemeClr val="lt1">
+        <a:alpha val="90000"/>
+      </a:schemeClr>
+    </dgm:fillClrLst>
+    <dgm:linClrLst meth="repeat">
+      <a:schemeClr val="accent1"/>
+    </dgm:linClrLst>
+    <dgm:effectClrLst/>
+    <dgm:txLinClrLst/>
+    <dgm:txFillClrLst meth="repeat">
+      <a:schemeClr val="dk1"/>
+    </dgm:txFillClrLst>
+    <dgm:txEffectClrLst/>
+  </dgm:styleLbl>
+  <dgm:styleLbl name="trAlignAcc1">
+    <dgm:fillClrLst meth="repeat">
+      <a:schemeClr val="lt1">
+        <a:alpha val="40000"/>
+      </a:schemeClr>
+    </dgm:fillClrLst>
+    <dgm:linClrLst meth="repeat">
+      <a:schemeClr val="accent1"/>
+    </dgm:linClrLst>
+    <dgm:effectClrLst/>
+    <dgm:txLinClrLst/>
+    <dgm:txFillClrLst meth="repeat">
+      <a:schemeClr val="dk1"/>
+    </dgm:txFillClrLst>
+    <dgm:txEffectClrLst/>
+  </dgm:styleLbl>
+  <dgm:styleLbl name="bgAcc1">
+    <dgm:fillClrLst meth="repeat">
+      <a:schemeClr val="lt1">
+        <a:alpha val="90000"/>
+      </a:schemeClr>
+    </dgm:fillClrLst>
+    <dgm:linClrLst meth="repeat">
+      <a:schemeClr val="accent1"/>
+    </dgm:linClrLst>
+    <dgm:effectClrLst/>
+    <dgm:txLinClrLst/>
+    <dgm:txFillClrLst meth="repeat">
+      <a:schemeClr val="dk1"/>
+    </dgm:txFillClrLst>
+    <dgm:txEffectClrLst/>
+  </dgm:styleLbl>
+  <dgm:styleLbl name="solidFgAcc1">
+    <dgm:fillClrLst meth="repeat">
+      <a:schemeClr val="lt1"/>
+    </dgm:fillClrLst>
+    <dgm:linClrLst meth="repeat">
+      <a:schemeClr val="accent1"/>
+    </dgm:linClrLst>
+    <dgm:effectClrLst/>
+    <dgm:txLinClrLst/>
+    <dgm:txFillClrLst meth="repeat">
+      <a:schemeClr val="dk1"/>
+    </dgm:txFillClrLst>
+    <dgm:txEffectClrLst/>
+  </dgm:styleLbl>
+  <dgm:styleLbl name="solidAlignAcc1">
+    <dgm:fillClrLst meth="repeat">
+      <a:schemeClr val="lt1"/>
+    </dgm:fillClrLst>
+    <dgm:linClrLst meth="repeat">
+      <a:schemeClr val="accent1"/>
+    </dgm:linClrLst>
+    <dgm:effectClrLst/>
+    <dgm:txLinClrLst/>
+    <dgm:txFillClrLst meth="repeat">
+      <a:schemeClr val="dk1"/>
+    </dgm:txFillClrLst>
+    <dgm:txEffectClrLst/>
+  </dgm:styleLbl>
+  <dgm:styleLbl name="solidBgAcc1">
+    <dgm:fillClrLst meth="repeat">
+      <a:schemeClr val="lt1"/>
+    </dgm:fillClrLst>
+    <dgm:linClrLst meth="repeat">
+      <a:schemeClr val="accent1"/>
+    </dgm:linClrLst>
+    <dgm:effectClrLst/>
+    <dgm:txLinClrLst/>
+    <dgm:txFillClrLst meth="repeat">
+      <a:schemeClr val="dk1"/>
+    </dgm:txFillClrLst>
+    <dgm:txEffectClrLst/>
+  </dgm:styleLbl>
+  <dgm:styleLbl name="fgAccFollowNode1">
+    <dgm:fillClrLst meth="repeat">
+      <a:schemeClr val="accent1">
+        <a:alpha val="90000"/>
+        <a:tint val="40000"/>
+      </a:schemeClr>
+    </dgm:fillClrLst>
+    <dgm:linClrLst meth="repeat">
+      <a:schemeClr val="accent1">
+        <a:alpha val="90000"/>
+        <a:tint val="40000"/>
+      </a:schemeClr>
+    </dgm:linClrLst>
+    <dgm:effectClrLst/>
+    <dgm:txLinClrLst/>
+    <dgm:txFillClrLst meth="repeat">
+      <a:schemeClr val="dk1"/>
+    </dgm:txFillClrLst>
+    <dgm:txEffectClrLst/>
+  </dgm:styleLbl>
+  <dgm:styleLbl name="alignAccFollowNode1">
+    <dgm:fillClrLst meth="repeat">
+      <a:schemeClr val="accent1">
+        <a:alpha val="90000"/>
+        <a:tint val="40000"/>
+      </a:schemeClr>
+    </dgm:fillClrLst>
+    <dgm:linClrLst meth="repeat">
+      <a:schemeClr val="accent1">
+        <a:alpha val="90000"/>
+        <a:tint val="40000"/>
+      </a:schemeClr>
+    </dgm:linClrLst>
+    <dgm:effectClrLst/>
+    <dgm:txLinClrLst/>
+    <dgm:txFillClrLst meth="repeat">
+      <a:schemeClr val="dk1"/>
+    </dgm:txFillClrLst>
+    <dgm:txEffectClrLst/>
+  </dgm:styleLbl>
+  <dgm:styleLbl name="bgAccFollowNode1">
+    <dgm:fillClrLst meth="repeat">
+      <a:schemeClr val="accent1">
+        <a:alpha val="90000"/>
+        <a:tint val="40000"/>
+      </a:schemeClr>
+    </dgm:fillClrLst>
+    <dgm:linClrLst meth="repeat">
+      <a:schemeClr val="accent1">
+        <a:alpha val="90000"/>
+        <a:tint val="40000"/>
+      </a:schemeClr>
+    </dgm:linClrLst>
+    <dgm:effectClrLst/>
+    <dgm:txLinClrLst/>
+    <dgm:txFillClrLst meth="repeat">
+      <a:schemeClr val="dk1"/>
+    </dgm:txFillClrLst>
+    <dgm:txEffectClrLst/>
+  </dgm:styleLbl>
+  <dgm:styleLbl name="fgAcc0">
+    <dgm:fillClrLst meth="repeat">
+      <a:schemeClr val="lt1">
+        <a:alpha val="90000"/>
+      </a:schemeClr>
+    </dgm:fillClrLst>
+    <dgm:linClrLst meth="repeat">
+      <a:schemeClr val="accent1"/>
+    </dgm:linClrLst>
+    <dgm:effectClrLst/>
+    <dgm:txLinClrLst/>
+    <dgm:txFillClrLst meth="repeat">
+      <a:schemeClr val="dk1"/>
+    </dgm:txFillClrLst>
+    <dgm:txEffectClrLst/>
+  </dgm:styleLbl>
+  <dgm:styleLbl name="fgAcc2">
+    <dgm:fillClrLst meth="repeat">
+      <a:schemeClr val="lt1">
+        <a:alpha val="90000"/>
+      </a:schemeClr>
+    </dgm:fillClrLst>
+    <dgm:linClrLst meth="repeat">
+      <a:schemeClr val="accent1"/>
+    </dgm:linClrLst>
+    <dgm:effectClrLst/>
+    <dgm:txLinClrLst/>
+    <dgm:txFillClrLst meth="repeat">
+      <a:schemeClr val="dk1"/>
+    </dgm:txFillClrLst>
+    <dgm:txEffectClrLst/>
+  </dgm:styleLbl>
+  <dgm:styleLbl name="fgAcc3">
+    <dgm:fillClrLst meth="repeat">
+      <a:schemeClr val="lt1">
+        <a:alpha val="90000"/>
+      </a:schemeClr>
+    </dgm:fillClrLst>
+    <dgm:linClrLst meth="repeat">
+      <a:schemeClr val="accent1"/>
+    </dgm:linClrLst>
+    <dgm:effectClrLst/>
+    <dgm:txLinClrLst/>
+    <dgm:txFillClrLst meth="repeat">
+      <a:schemeClr val="dk1"/>
+    </dgm:txFillClrLst>
+    <dgm:txEffectClrLst/>
+  </dgm:styleLbl>
+  <dgm:styleLbl name="fgAcc4">
+    <dgm:fillClrLst meth="repeat">
+      <a:schemeClr val="lt1">
+        <a:alpha val="90000"/>
+      </a:schemeClr>
+    </dgm:fillClrLst>
+    <dgm:linClrLst meth="repeat">
+      <a:schemeClr val="accent1"/>
+    </dgm:linClrLst>
+    <dgm:effectClrLst/>
+    <dgm:txLinClrLst/>
+    <dgm:txFillClrLst meth="repeat">
+      <a:schemeClr val="dk1"/>
+    </dgm:txFillClrLst>
+    <dgm:txEffectClrLst/>
+  </dgm:styleLbl>
+  <dgm:styleLbl name="bgShp">
+    <dgm:fillClrLst meth="repeat">
+      <a:schemeClr val="accent1">
+        <a:tint val="40000"/>
+      </a:schemeClr>
+    </dgm:fillClrLst>
+    <dgm:linClrLst meth="repeat">
+      <a:schemeClr val="accent1"/>
+    </dgm:linClrLst>
+    <dgm:effectClrLst/>
+    <dgm:txLinClrLst/>
+    <dgm:txFillClrLst meth="repeat">
+      <a:schemeClr val="dk1"/>
+    </dgm:txFillClrLst>
+    <dgm:txEffectClrLst/>
+  </dgm:styleLbl>
+  <dgm:styleLbl name="dkBgShp">
+    <dgm:fillClrLst meth="repeat">
+      <a:schemeClr val="accent1">
+        <a:shade val="80000"/>
+      </a:schemeClr>
+    </dgm:fillClrLst>
+    <dgm:linClrLst meth="repeat">
+      <a:schemeClr val="accent1"/>
+    </dgm:linClrLst>
+    <dgm:effectClrLst/>
+    <dgm:txLinClrLst/>
+    <dgm:txFillClrLst meth="repeat">
+      <a:schemeClr val="lt1"/>
+    </dgm:txFillClrLst>
+    <dgm:txEffectClrLst/>
+  </dgm:styleLbl>
+  <dgm:styleLbl name="trBgShp">
+    <dgm:fillClrLst meth="repeat">
+      <a:schemeClr val="accent1">
+        <a:tint val="50000"/>
+        <a:alpha val="40000"/>
+      </a:schemeClr>
+    </dgm:fillClrLst>
+    <dgm:linClrLst meth="repeat">
+      <a:schemeClr val="accent1"/>
+    </dgm:linClrLst>
+    <dgm:effectClrLst/>
+    <dgm:txLinClrLst/>
+    <dgm:txFillClrLst meth="repeat">
+      <a:schemeClr val="lt1"/>
+    </dgm:txFillClrLst>
+    <dgm:txEffectClrLst/>
+  </dgm:styleLbl>
+  <dgm:styleLbl name="fgShp">
+    <dgm:fillClrLst meth="repeat">
+      <a:schemeClr val="accent1">
+        <a:tint val="60000"/>
+      </a:schemeClr>
+    </dgm:fillClrLst>
+    <dgm:linClrLst meth="repeat">
+      <a:schemeClr val="lt1"/>
+    </dgm:linClrLst>
+    <dgm:effectClrLst/>
+    <dgm:txLinClrLst/>
+    <dgm:txFillClrLst meth="repeat">
+      <a:schemeClr val="dk1"/>
+    </dgm:txFillClrLst>
+    <dgm:txEffectClrLst/>
+  </dgm:styleLbl>
+  <dgm:styleLbl name="revTx">
+    <dgm:fillClrLst meth="repeat">
+      <a:schemeClr val="lt1">
+        <a:alpha val="0"/>
+      </a:schemeClr>
+    </dgm:fillClrLst>
+    <dgm:linClrLst meth="repeat">
+      <a:schemeClr val="dk1">
+        <a:alpha val="0"/>
+      </a:schemeClr>
+    </dgm:linClrLst>
+    <dgm:effectClrLst/>
+    <dgm:txLinClrLst/>
+    <dgm:txFillClrLst meth="repeat">
+      <a:schemeClr val="tx1"/>
+    </dgm:txFillClrLst>
+    <dgm:txEffectClrLst/>
+  </dgm:styleLbl>
+</dgm:colorsDef>
+</file>
+
+<file path=ppt/diagrams/data1.xml><?xml version="1.0" encoding="utf-8"?>
+<dgm:dataModel xmlns:dgm="http://schemas.openxmlformats.org/drawingml/2006/diagram" xmlns:a="http://schemas.openxmlformats.org/drawingml/2006/main">
+  <dgm:ptLst>
+    <dgm:pt modelId="{0B62EB6C-54FF-374D-AB7F-7BEB330B1BE9}" type="doc">
+      <dgm:prSet loTypeId="urn:microsoft.com/office/officeart/2005/8/layout/hProcess4" loCatId="" qsTypeId="urn:microsoft.com/office/officeart/2005/8/quickstyle/simple1" qsCatId="simple" csTypeId="urn:microsoft.com/office/officeart/2005/8/colors/accent1_2" csCatId="accent1" phldr="1"/>
+      <dgm:spPr/>
+      <dgm:t>
+        <a:bodyPr/>
+        <a:lstStyle/>
+        <a:p>
+          <a:endParaRPr lang="en-US"/>
+        </a:p>
+      </dgm:t>
+    </dgm:pt>
+    <dgm:pt modelId="{1EAD9032-326D-754A-B211-C2EA4BB2560E}">
+      <dgm:prSet phldrT="[Text]"/>
+      <dgm:spPr/>
+      <dgm:t>
+        <a:bodyPr/>
+        <a:lstStyle/>
+        <a:p>
+          <a:r>
+            <a:rPr lang="en-US" b="1" dirty="0"/>
+            <a:t>Understand the problem</a:t>
+          </a:r>
+        </a:p>
+      </dgm:t>
+    </dgm:pt>
+    <dgm:pt modelId="{4CE4084E-548D-D445-ACF5-1B05FC0D8D2C}" type="parTrans" cxnId="{F4C95C58-404A-9F41-B322-8AE42DFCDD52}">
+      <dgm:prSet/>
+      <dgm:spPr/>
+      <dgm:t>
+        <a:bodyPr/>
+        <a:lstStyle/>
+        <a:p>
+          <a:endParaRPr lang="en-US"/>
+        </a:p>
+      </dgm:t>
+    </dgm:pt>
+    <dgm:pt modelId="{0EC0FDFF-2E8A-164A-8EE2-0B68774A8A76}" type="sibTrans" cxnId="{F4C95C58-404A-9F41-B322-8AE42DFCDD52}">
+      <dgm:prSet/>
+      <dgm:spPr/>
+      <dgm:t>
+        <a:bodyPr/>
+        <a:lstStyle/>
+        <a:p>
+          <a:endParaRPr lang="en-US"/>
+        </a:p>
+      </dgm:t>
+    </dgm:pt>
+    <dgm:pt modelId="{CED36AD2-A972-2847-AD1C-711EC23FE5F6}">
+      <dgm:prSet phldrT="[Text]"/>
+      <dgm:spPr/>
+      <dgm:t>
+        <a:bodyPr/>
+        <a:lstStyle/>
+        <a:p>
+          <a:r>
+            <a:rPr lang="en-US" dirty="0"/>
+            <a:t>SFU Research</a:t>
+          </a:r>
+        </a:p>
+      </dgm:t>
+    </dgm:pt>
+    <dgm:pt modelId="{24AA352E-7135-0549-ABB1-58368A285238}" type="parTrans" cxnId="{401D98FA-DCD7-484D-A923-E15AD6217F41}">
+      <dgm:prSet/>
+      <dgm:spPr/>
+      <dgm:t>
+        <a:bodyPr/>
+        <a:lstStyle/>
+        <a:p>
+          <a:endParaRPr lang="en-US"/>
+        </a:p>
+      </dgm:t>
+    </dgm:pt>
+    <dgm:pt modelId="{F96F0134-3051-A541-A2AF-2605381F1F21}" type="sibTrans" cxnId="{401D98FA-DCD7-484D-A923-E15AD6217F41}">
+      <dgm:prSet/>
+      <dgm:spPr/>
+      <dgm:t>
+        <a:bodyPr/>
+        <a:lstStyle/>
+        <a:p>
+          <a:endParaRPr lang="en-US"/>
+        </a:p>
+      </dgm:t>
+    </dgm:pt>
+    <dgm:pt modelId="{3E6AF46F-5627-5C46-A116-A0D0C714EC0A}">
+      <dgm:prSet phldrT="[Text]"/>
+      <dgm:spPr/>
+      <dgm:t>
+        <a:bodyPr/>
+        <a:lstStyle/>
+        <a:p>
+          <a:r>
+            <a:rPr lang="en-US" b="1" dirty="0"/>
+            <a:t>Exploratory Data Analysis</a:t>
+          </a:r>
+        </a:p>
+      </dgm:t>
+    </dgm:pt>
+    <dgm:pt modelId="{4ED40431-D84F-FC4C-A23E-B32E94D4A916}" type="parTrans" cxnId="{F5FF777B-47D6-E849-A225-795BB54F7DB4}">
+      <dgm:prSet/>
+      <dgm:spPr/>
+      <dgm:t>
+        <a:bodyPr/>
+        <a:lstStyle/>
+        <a:p>
+          <a:endParaRPr lang="en-US"/>
+        </a:p>
+      </dgm:t>
+    </dgm:pt>
+    <dgm:pt modelId="{09C790D7-A826-E14F-8C65-4FB978F33989}" type="sibTrans" cxnId="{F5FF777B-47D6-E849-A225-795BB54F7DB4}">
+      <dgm:prSet/>
+      <dgm:spPr/>
+      <dgm:t>
+        <a:bodyPr/>
+        <a:lstStyle/>
+        <a:p>
+          <a:endParaRPr lang="en-US"/>
+        </a:p>
+      </dgm:t>
+    </dgm:pt>
+    <dgm:pt modelId="{999EE839-0A79-CF48-AC03-6393BCBE7FFD}">
+      <dgm:prSet phldrT="[Text]"/>
+      <dgm:spPr/>
+      <dgm:t>
+        <a:bodyPr/>
+        <a:lstStyle/>
+        <a:p>
+          <a:r>
+            <a:rPr lang="en-US" dirty="0"/>
+            <a:t>Other Sensors</a:t>
+          </a:r>
+        </a:p>
+      </dgm:t>
+    </dgm:pt>
+    <dgm:pt modelId="{85E8C787-A054-1D44-8732-EDEF0649603C}" type="parTrans" cxnId="{5746A6C6-F495-8E41-B985-7107E7CEC3C3}">
+      <dgm:prSet/>
+      <dgm:spPr/>
+      <dgm:t>
+        <a:bodyPr/>
+        <a:lstStyle/>
+        <a:p>
+          <a:endParaRPr lang="en-US"/>
+        </a:p>
+      </dgm:t>
+    </dgm:pt>
+    <dgm:pt modelId="{8352CFD5-F2A5-DB48-82F7-2D7447ADDC1E}" type="sibTrans" cxnId="{5746A6C6-F495-8E41-B985-7107E7CEC3C3}">
+      <dgm:prSet/>
+      <dgm:spPr/>
+      <dgm:t>
+        <a:bodyPr/>
+        <a:lstStyle/>
+        <a:p>
+          <a:endParaRPr lang="en-US"/>
+        </a:p>
+      </dgm:t>
+    </dgm:pt>
+    <dgm:pt modelId="{73CB681A-61F0-1C4C-9284-57E717BA40E0}">
+      <dgm:prSet phldrT="[Text]"/>
+      <dgm:spPr/>
+      <dgm:t>
+        <a:bodyPr/>
+        <a:lstStyle/>
+        <a:p>
+          <a:r>
+            <a:rPr lang="en-US" b="1" dirty="0"/>
+            <a:t>Preprocessing</a:t>
+          </a:r>
+        </a:p>
+      </dgm:t>
+    </dgm:pt>
+    <dgm:pt modelId="{BDE1D690-0801-EB48-94A8-7438681C2CA3}" type="parTrans" cxnId="{997B6B83-3050-3B4C-94D1-A19584D5706B}">
+      <dgm:prSet/>
+      <dgm:spPr/>
+      <dgm:t>
+        <a:bodyPr/>
+        <a:lstStyle/>
+        <a:p>
+          <a:endParaRPr lang="en-US"/>
+        </a:p>
+      </dgm:t>
+    </dgm:pt>
+    <dgm:pt modelId="{A8542BEC-974F-4643-8F24-E09AEC3844B8}" type="sibTrans" cxnId="{997B6B83-3050-3B4C-94D1-A19584D5706B}">
+      <dgm:prSet/>
+      <dgm:spPr/>
+      <dgm:t>
+        <a:bodyPr/>
+        <a:lstStyle/>
+        <a:p>
+          <a:endParaRPr lang="en-US"/>
+        </a:p>
+      </dgm:t>
+    </dgm:pt>
+    <dgm:pt modelId="{2C7589AF-319F-D848-88C3-85D21133EE8B}">
+      <dgm:prSet phldrT="[Text]"/>
+      <dgm:spPr/>
+      <dgm:t>
+        <a:bodyPr/>
+        <a:lstStyle/>
+        <a:p>
+          <a:r>
+            <a:rPr lang="en-US" dirty="0"/>
+            <a:t>Mean and Variance</a:t>
+          </a:r>
+        </a:p>
+      </dgm:t>
+    </dgm:pt>
+    <dgm:pt modelId="{52BAD636-7F60-D14A-92D3-A04C90268A31}" type="parTrans" cxnId="{AE530BF1-4B63-AB44-AF01-CEA179149718}">
+      <dgm:prSet/>
+      <dgm:spPr/>
+      <dgm:t>
+        <a:bodyPr/>
+        <a:lstStyle/>
+        <a:p>
+          <a:endParaRPr lang="en-US"/>
+        </a:p>
+      </dgm:t>
+    </dgm:pt>
+    <dgm:pt modelId="{0222E831-CF29-5F47-AB35-0AFD43C7CDDA}" type="sibTrans" cxnId="{AE530BF1-4B63-AB44-AF01-CEA179149718}">
+      <dgm:prSet/>
+      <dgm:spPr/>
+      <dgm:t>
+        <a:bodyPr/>
+        <a:lstStyle/>
+        <a:p>
+          <a:endParaRPr lang="en-US"/>
+        </a:p>
+      </dgm:t>
+    </dgm:pt>
+    <dgm:pt modelId="{FF7C1FDB-F91E-9647-B24B-0657E9EF8E0B}">
+      <dgm:prSet phldrT="[Text]"/>
+      <dgm:spPr/>
+      <dgm:t>
+        <a:bodyPr/>
+        <a:lstStyle/>
+        <a:p>
+          <a:r>
+            <a:rPr lang="en-US" dirty="0"/>
+            <a:t>2.5s groups</a:t>
+          </a:r>
+        </a:p>
+      </dgm:t>
+    </dgm:pt>
+    <dgm:pt modelId="{5BD73DFD-61C1-064E-ACEE-C0ACF3638BA7}" type="parTrans" cxnId="{15B5EB3D-FE75-D946-B1A5-54D58B3FAB15}">
+      <dgm:prSet/>
+      <dgm:spPr/>
+      <dgm:t>
+        <a:bodyPr/>
+        <a:lstStyle/>
+        <a:p>
+          <a:endParaRPr lang="en-US"/>
+        </a:p>
+      </dgm:t>
+    </dgm:pt>
+    <dgm:pt modelId="{6C80D6CE-6FC1-F048-81B1-A2CF4BD12275}" type="sibTrans" cxnId="{15B5EB3D-FE75-D946-B1A5-54D58B3FAB15}">
+      <dgm:prSet/>
+      <dgm:spPr/>
+      <dgm:t>
+        <a:bodyPr/>
+        <a:lstStyle/>
+        <a:p>
+          <a:endParaRPr lang="en-US"/>
+        </a:p>
+      </dgm:t>
+    </dgm:pt>
+    <dgm:pt modelId="{909A40AF-CCEB-B948-9301-D292640A04EB}">
+      <dgm:prSet/>
+      <dgm:spPr/>
+      <dgm:t>
+        <a:bodyPr/>
+        <a:lstStyle/>
+        <a:p>
+          <a:r>
+            <a:rPr lang="en-US" b="1" dirty="0"/>
+            <a:t>Model</a:t>
+          </a:r>
+        </a:p>
+      </dgm:t>
+    </dgm:pt>
+    <dgm:pt modelId="{F7DA669F-42CB-0C4B-9F77-4950E1F72BA6}" type="parTrans" cxnId="{B812435D-17BD-3749-857A-2E0F0A80477B}">
+      <dgm:prSet/>
+      <dgm:spPr/>
+      <dgm:t>
+        <a:bodyPr/>
+        <a:lstStyle/>
+        <a:p>
+          <a:endParaRPr lang="en-US"/>
+        </a:p>
+      </dgm:t>
+    </dgm:pt>
+    <dgm:pt modelId="{0E4E6E7C-1A84-D04C-B824-8638EC10F995}" type="sibTrans" cxnId="{B812435D-17BD-3749-857A-2E0F0A80477B}">
+      <dgm:prSet/>
+      <dgm:spPr/>
+      <dgm:t>
+        <a:bodyPr/>
+        <a:lstStyle/>
+        <a:p>
+          <a:endParaRPr lang="en-US"/>
+        </a:p>
+      </dgm:t>
+    </dgm:pt>
+    <dgm:pt modelId="{FE1AB45A-3162-9447-BB07-197724914D94}">
+      <dgm:prSet/>
+      <dgm:spPr/>
+      <dgm:t>
+        <a:bodyPr/>
+        <a:lstStyle/>
+        <a:p>
+          <a:r>
+            <a:rPr lang="en-US" b="1" dirty="0"/>
+            <a:t>Primary Goal</a:t>
+          </a:r>
+        </a:p>
+      </dgm:t>
+    </dgm:pt>
+    <dgm:pt modelId="{B5B6D969-361C-A943-A375-98DE0D5FCF08}" type="parTrans" cxnId="{12B96D6A-4245-B44C-972E-FC4DA9083670}">
+      <dgm:prSet/>
+      <dgm:spPr/>
+      <dgm:t>
+        <a:bodyPr/>
+        <a:lstStyle/>
+        <a:p>
+          <a:endParaRPr lang="en-US"/>
+        </a:p>
+      </dgm:t>
+    </dgm:pt>
+    <dgm:pt modelId="{4DF2DDCD-84D6-CF41-B78A-A4B8CF76947E}" type="sibTrans" cxnId="{12B96D6A-4245-B44C-972E-FC4DA9083670}">
+      <dgm:prSet/>
+      <dgm:spPr/>
+      <dgm:t>
+        <a:bodyPr/>
+        <a:lstStyle/>
+        <a:p>
+          <a:endParaRPr lang="en-US"/>
+        </a:p>
+      </dgm:t>
+    </dgm:pt>
+    <dgm:pt modelId="{ADE002A1-B52E-D54C-9867-263666CD5CCE}">
+      <dgm:prSet/>
+      <dgm:spPr/>
+      <dgm:t>
+        <a:bodyPr/>
+        <a:lstStyle/>
+        <a:p>
+          <a:r>
+            <a:rPr lang="en-US" b="1" dirty="0"/>
+            <a:t>Secondary Goals</a:t>
+          </a:r>
+        </a:p>
+      </dgm:t>
+    </dgm:pt>
+    <dgm:pt modelId="{5670AEDD-2433-AD4D-83C0-E383C76EB305}" type="parTrans" cxnId="{16BAAFC0-2317-A54F-95A6-E27C93B85E58}">
+      <dgm:prSet/>
+      <dgm:spPr/>
+      <dgm:t>
+        <a:bodyPr/>
+        <a:lstStyle/>
+        <a:p>
+          <a:endParaRPr lang="en-US"/>
+        </a:p>
+      </dgm:t>
+    </dgm:pt>
+    <dgm:pt modelId="{DB69F3AD-A019-0243-AB74-FB10F766AAA1}" type="sibTrans" cxnId="{16BAAFC0-2317-A54F-95A6-E27C93B85E58}">
+      <dgm:prSet/>
+      <dgm:spPr/>
+      <dgm:t>
+        <a:bodyPr/>
+        <a:lstStyle/>
+        <a:p>
+          <a:endParaRPr lang="en-US"/>
+        </a:p>
+      </dgm:t>
+    </dgm:pt>
+    <dgm:pt modelId="{41E72236-A962-FA4A-B895-65B14FAE023D}">
+      <dgm:prSet/>
+      <dgm:spPr/>
+      <dgm:t>
+        <a:bodyPr/>
+        <a:lstStyle/>
+        <a:p>
+          <a:r>
+            <a:rPr lang="en-US" b="0" dirty="0"/>
+            <a:t>Replicate Research (best Model)</a:t>
+          </a:r>
+        </a:p>
+      </dgm:t>
+    </dgm:pt>
+    <dgm:pt modelId="{2964C976-681E-4C49-9798-65CD1B03AAAE}" type="parTrans" cxnId="{37C2A34F-8016-9E40-BD77-57895A05F37A}">
+      <dgm:prSet/>
+      <dgm:spPr/>
+      <dgm:t>
+        <a:bodyPr/>
+        <a:lstStyle/>
+        <a:p>
+          <a:endParaRPr lang="en-US"/>
+        </a:p>
+      </dgm:t>
+    </dgm:pt>
+    <dgm:pt modelId="{356E69A0-7B0A-B745-A3E1-2603FE1ED586}" type="sibTrans" cxnId="{37C2A34F-8016-9E40-BD77-57895A05F37A}">
+      <dgm:prSet/>
+      <dgm:spPr/>
+      <dgm:t>
+        <a:bodyPr/>
+        <a:lstStyle/>
+        <a:p>
+          <a:endParaRPr lang="en-US"/>
+        </a:p>
+      </dgm:t>
+    </dgm:pt>
+    <dgm:pt modelId="{96777CE4-E116-7C45-BB26-6E1BE683C09D}">
+      <dgm:prSet custT="1"/>
+      <dgm:spPr/>
+      <dgm:t>
+        <a:bodyPr/>
+        <a:lstStyle/>
+        <a:p>
+          <a:r>
+            <a:rPr lang="en-US" sz="1600" dirty="0"/>
+            <a:t>Fall Detection</a:t>
+          </a:r>
+          <a:r>
+            <a:rPr lang="en-US" sz="1500" dirty="0"/>
+            <a:t> </a:t>
+          </a:r>
+          <a:r>
+            <a:rPr lang="en-US" sz="1200" dirty="0"/>
+            <a:t>(80% accuracy </a:t>
+          </a:r>
+          <a:r>
+            <a:rPr lang="en-US" sz="1200" dirty="0" err="1"/>
+            <a:t>atm</a:t>
+          </a:r>
+          <a:r>
+            <a:rPr lang="en-US" sz="1200" dirty="0"/>
+            <a:t>)</a:t>
+          </a:r>
+        </a:p>
+      </dgm:t>
+    </dgm:pt>
+    <dgm:pt modelId="{8C8F485C-0C22-1D4B-831F-2D54E7B8E1AC}" type="parTrans" cxnId="{E8234AC5-361F-D84D-8491-55A71F8C744C}">
+      <dgm:prSet/>
+      <dgm:spPr/>
+      <dgm:t>
+        <a:bodyPr/>
+        <a:lstStyle/>
+        <a:p>
+          <a:endParaRPr lang="en-US"/>
+        </a:p>
+      </dgm:t>
+    </dgm:pt>
+    <dgm:pt modelId="{D19313BB-D8E2-0542-A131-686B78EBC114}" type="sibTrans" cxnId="{E8234AC5-361F-D84D-8491-55A71F8C744C}">
+      <dgm:prSet/>
+      <dgm:spPr/>
+      <dgm:t>
+        <a:bodyPr/>
+        <a:lstStyle/>
+        <a:p>
+          <a:endParaRPr lang="en-US"/>
+        </a:p>
+      </dgm:t>
+    </dgm:pt>
+    <dgm:pt modelId="{A1DB4AB0-F40A-2545-A84A-1091662E370F}">
+      <dgm:prSet custT="1"/>
+      <dgm:spPr/>
+      <dgm:t>
+        <a:bodyPr/>
+        <a:lstStyle/>
+        <a:p>
+          <a:r>
+            <a:rPr lang="en-US" sz="1600" dirty="0"/>
+            <a:t>Fall Prediction </a:t>
+          </a:r>
+          <a:r>
+            <a:rPr lang="en-US" sz="1200" dirty="0"/>
+            <a:t>(60% accuracy </a:t>
+          </a:r>
+          <a:r>
+            <a:rPr lang="en-US" sz="1200" dirty="0" err="1"/>
+            <a:t>atm</a:t>
+          </a:r>
+          <a:r>
+            <a:rPr lang="en-US" sz="1200" dirty="0"/>
+            <a:t>)</a:t>
+          </a:r>
+        </a:p>
+      </dgm:t>
+    </dgm:pt>
+    <dgm:pt modelId="{DC4EDF74-E03E-C547-A4BA-44E11122B1A9}" type="parTrans" cxnId="{5F0FF218-5893-5E4B-9DF3-85605988F375}">
+      <dgm:prSet/>
+      <dgm:spPr/>
+      <dgm:t>
+        <a:bodyPr/>
+        <a:lstStyle/>
+        <a:p>
+          <a:endParaRPr lang="en-US"/>
+        </a:p>
+      </dgm:t>
+    </dgm:pt>
+    <dgm:pt modelId="{2E644A2E-24E1-DB4D-AFE8-F1341858E7CF}" type="sibTrans" cxnId="{5F0FF218-5893-5E4B-9DF3-85605988F375}">
+      <dgm:prSet/>
+      <dgm:spPr/>
+      <dgm:t>
+        <a:bodyPr/>
+        <a:lstStyle/>
+        <a:p>
+          <a:endParaRPr lang="en-US"/>
+        </a:p>
+      </dgm:t>
+    </dgm:pt>
+    <dgm:pt modelId="{67376583-BBC6-894B-9D93-94AD14F2B924}">
+      <dgm:prSet/>
+      <dgm:spPr/>
+      <dgm:t>
+        <a:bodyPr/>
+        <a:lstStyle/>
+        <a:p>
+          <a:r>
+            <a:rPr lang="en-US" sz="1600" dirty="0"/>
+            <a:t>Real time data</a:t>
+          </a:r>
+        </a:p>
+      </dgm:t>
+    </dgm:pt>
+    <dgm:pt modelId="{9CC2F362-5221-9448-A2AA-4F7D2F8B3A66}" type="parTrans" cxnId="{B5CF009E-16E6-4B4E-A1B7-AB310749A19A}">
+      <dgm:prSet/>
+      <dgm:spPr/>
+      <dgm:t>
+        <a:bodyPr/>
+        <a:lstStyle/>
+        <a:p>
+          <a:endParaRPr lang="en-US"/>
+        </a:p>
+      </dgm:t>
+    </dgm:pt>
+    <dgm:pt modelId="{708D1DBD-D48B-BB47-8CCC-005C24154BF0}" type="sibTrans" cxnId="{B5CF009E-16E6-4B4E-A1B7-AB310749A19A}">
+      <dgm:prSet/>
+      <dgm:spPr/>
+      <dgm:t>
+        <a:bodyPr/>
+        <a:lstStyle/>
+        <a:p>
+          <a:endParaRPr lang="en-US"/>
+        </a:p>
+      </dgm:t>
+    </dgm:pt>
+    <dgm:pt modelId="{9B320DD1-B55E-EF48-ACC0-7BF523A981C8}">
+      <dgm:prSet custT="1"/>
+      <dgm:spPr/>
+      <dgm:t>
+        <a:bodyPr/>
+        <a:lstStyle/>
+        <a:p>
+          <a:r>
+            <a:rPr lang="en-US" sz="1600" dirty="0"/>
+            <a:t>Improve Models</a:t>
+          </a:r>
+        </a:p>
+      </dgm:t>
+    </dgm:pt>
+    <dgm:pt modelId="{F150208E-5324-8843-8D60-248C826CBA50}" type="parTrans" cxnId="{EAFA8115-E9B2-D04D-B7B8-B997D92B1F1F}">
+      <dgm:prSet/>
+      <dgm:spPr/>
+      <dgm:t>
+        <a:bodyPr/>
+        <a:lstStyle/>
+        <a:p>
+          <a:endParaRPr lang="en-US"/>
+        </a:p>
+      </dgm:t>
+    </dgm:pt>
+    <dgm:pt modelId="{338ABF51-3D7E-AE42-9B8A-700C78E8D47C}" type="sibTrans" cxnId="{EAFA8115-E9B2-D04D-B7B8-B997D92B1F1F}">
+      <dgm:prSet/>
+      <dgm:spPr/>
+      <dgm:t>
+        <a:bodyPr/>
+        <a:lstStyle/>
+        <a:p>
+          <a:endParaRPr lang="en-US"/>
+        </a:p>
+      </dgm:t>
+    </dgm:pt>
+    <dgm:pt modelId="{45DE91CC-10F8-5845-B7D6-8BF6E8E2DF5C}">
+      <dgm:prSet phldrT="[Text]"/>
+      <dgm:spPr/>
+      <dgm:t>
+        <a:bodyPr/>
+        <a:lstStyle/>
+        <a:p>
+          <a:endParaRPr lang="en-US" dirty="0"/>
+        </a:p>
+      </dgm:t>
+    </dgm:pt>
+    <dgm:pt modelId="{E8DE0B87-7AE3-FF47-A4DB-092B77A4B718}" type="parTrans" cxnId="{E5E4D91C-B2EB-4E46-ADC3-01561C92BABC}">
+      <dgm:prSet/>
+      <dgm:spPr/>
+      <dgm:t>
+        <a:bodyPr/>
+        <a:lstStyle/>
+        <a:p>
+          <a:endParaRPr lang="en-US"/>
+        </a:p>
+      </dgm:t>
+    </dgm:pt>
+    <dgm:pt modelId="{A664EF97-F5A5-4F44-8614-A0DC0F44462D}" type="sibTrans" cxnId="{E5E4D91C-B2EB-4E46-ADC3-01561C92BABC}">
+      <dgm:prSet/>
+      <dgm:spPr/>
+      <dgm:t>
+        <a:bodyPr/>
+        <a:lstStyle/>
+        <a:p>
+          <a:endParaRPr lang="en-US"/>
+        </a:p>
+      </dgm:t>
+    </dgm:pt>
+    <dgm:pt modelId="{621AB073-F928-0245-BA69-753CC46D416B}">
+      <dgm:prSet phldrT="[Text]"/>
+      <dgm:spPr/>
+      <dgm:t>
+        <a:bodyPr/>
+        <a:lstStyle/>
+        <a:p>
+          <a:r>
+            <a:rPr lang="en-US" dirty="0"/>
+            <a:t>Quality Check</a:t>
+          </a:r>
+        </a:p>
+      </dgm:t>
+    </dgm:pt>
+    <dgm:pt modelId="{F5A42AE3-C90D-814A-A7BE-54F81B00BC52}" type="parTrans" cxnId="{03B95D9E-7AA8-BE4B-BBE1-03463CD401C4}">
+      <dgm:prSet/>
+      <dgm:spPr/>
+      <dgm:t>
+        <a:bodyPr/>
+        <a:lstStyle/>
+        <a:p>
+          <a:endParaRPr lang="en-US"/>
+        </a:p>
+      </dgm:t>
+    </dgm:pt>
+    <dgm:pt modelId="{9043EEF5-0D5C-1449-A0E3-1029D805A759}" type="sibTrans" cxnId="{03B95D9E-7AA8-BE4B-BBE1-03463CD401C4}">
+      <dgm:prSet/>
+      <dgm:spPr/>
+      <dgm:t>
+        <a:bodyPr/>
+        <a:lstStyle/>
+        <a:p>
+          <a:endParaRPr lang="en-US"/>
+        </a:p>
+      </dgm:t>
+    </dgm:pt>
+    <dgm:pt modelId="{3EEC1302-D41B-C643-BC9D-B0546ACD1CC4}" type="pres">
+      <dgm:prSet presAssocID="{0B62EB6C-54FF-374D-AB7F-7BEB330B1BE9}" presName="Name0" presStyleCnt="0">
+        <dgm:presLayoutVars>
+          <dgm:dir/>
+          <dgm:animLvl val="lvl"/>
+          <dgm:resizeHandles val="exact"/>
+        </dgm:presLayoutVars>
+      </dgm:prSet>
+      <dgm:spPr/>
+    </dgm:pt>
+    <dgm:pt modelId="{9AEEC7B0-B778-0543-8461-6E8EECC75348}" type="pres">
+      <dgm:prSet presAssocID="{0B62EB6C-54FF-374D-AB7F-7BEB330B1BE9}" presName="tSp" presStyleCnt="0"/>
+      <dgm:spPr/>
+    </dgm:pt>
+    <dgm:pt modelId="{50EAF4E7-F667-8C49-B697-FA623990B107}" type="pres">
+      <dgm:prSet presAssocID="{0B62EB6C-54FF-374D-AB7F-7BEB330B1BE9}" presName="bSp" presStyleCnt="0"/>
+      <dgm:spPr/>
+    </dgm:pt>
+    <dgm:pt modelId="{45E98E00-F20C-994E-A848-A076DFEA3B54}" type="pres">
+      <dgm:prSet presAssocID="{0B62EB6C-54FF-374D-AB7F-7BEB330B1BE9}" presName="process" presStyleCnt="0"/>
+      <dgm:spPr/>
+    </dgm:pt>
+    <dgm:pt modelId="{C5065968-A0F7-3A43-B71E-3211AA3FBC24}" type="pres">
+      <dgm:prSet presAssocID="{1EAD9032-326D-754A-B211-C2EA4BB2560E}" presName="composite1" presStyleCnt="0"/>
+      <dgm:spPr/>
+    </dgm:pt>
+    <dgm:pt modelId="{0A202F19-EB71-4D40-9898-F4E016D5BB77}" type="pres">
+      <dgm:prSet presAssocID="{1EAD9032-326D-754A-B211-C2EA4BB2560E}" presName="dummyNode1" presStyleLbl="node1" presStyleIdx="0" presStyleCnt="6"/>
+      <dgm:spPr/>
+    </dgm:pt>
+    <dgm:pt modelId="{22D4E3EB-9DA9-5D42-8277-339B04C244E2}" type="pres">
+      <dgm:prSet presAssocID="{1EAD9032-326D-754A-B211-C2EA4BB2560E}" presName="childNode1" presStyleLbl="bgAcc1" presStyleIdx="0" presStyleCnt="6">
+        <dgm:presLayoutVars>
+          <dgm:bulletEnabled val="1"/>
+        </dgm:presLayoutVars>
+      </dgm:prSet>
+      <dgm:spPr/>
+    </dgm:pt>
+    <dgm:pt modelId="{E325F677-D19E-7043-981B-CF27F5616F3B}" type="pres">
+      <dgm:prSet presAssocID="{1EAD9032-326D-754A-B211-C2EA4BB2560E}" presName="childNode1tx" presStyleLbl="bgAcc1" presStyleIdx="0" presStyleCnt="6">
+        <dgm:presLayoutVars>
+          <dgm:bulletEnabled val="1"/>
+        </dgm:presLayoutVars>
+      </dgm:prSet>
+      <dgm:spPr/>
+    </dgm:pt>
+    <dgm:pt modelId="{A6260D53-AF74-3A44-B703-032707E8EE22}" type="pres">
+      <dgm:prSet presAssocID="{1EAD9032-326D-754A-B211-C2EA4BB2560E}" presName="parentNode1" presStyleLbl="node1" presStyleIdx="0" presStyleCnt="6">
+        <dgm:presLayoutVars>
+          <dgm:chMax val="1"/>
+          <dgm:bulletEnabled val="1"/>
+        </dgm:presLayoutVars>
+      </dgm:prSet>
+      <dgm:spPr/>
+    </dgm:pt>
+    <dgm:pt modelId="{4FDBB1D1-3312-1342-8A0F-A4BFE982E882}" type="pres">
+      <dgm:prSet presAssocID="{1EAD9032-326D-754A-B211-C2EA4BB2560E}" presName="connSite1" presStyleCnt="0"/>
+      <dgm:spPr/>
+    </dgm:pt>
+    <dgm:pt modelId="{C86A7B7C-85EA-7349-A9FF-919FCE695C89}" type="pres">
+      <dgm:prSet presAssocID="{0EC0FDFF-2E8A-164A-8EE2-0B68774A8A76}" presName="Name9" presStyleLbl="sibTrans2D1" presStyleIdx="0" presStyleCnt="5"/>
+      <dgm:spPr/>
+    </dgm:pt>
+    <dgm:pt modelId="{50516FA0-0D1A-5340-9246-8C59E415005F}" type="pres">
+      <dgm:prSet presAssocID="{3E6AF46F-5627-5C46-A116-A0D0C714EC0A}" presName="composite2" presStyleCnt="0"/>
+      <dgm:spPr/>
+    </dgm:pt>
+    <dgm:pt modelId="{3F297826-1AB2-C444-9F92-7B0D5F84C2F9}" type="pres">
+      <dgm:prSet presAssocID="{3E6AF46F-5627-5C46-A116-A0D0C714EC0A}" presName="dummyNode2" presStyleLbl="node1" presStyleIdx="0" presStyleCnt="6"/>
+      <dgm:spPr/>
+    </dgm:pt>
+    <dgm:pt modelId="{4B70CEFF-385A-2F4B-99C2-34B30B74491D}" type="pres">
+      <dgm:prSet presAssocID="{3E6AF46F-5627-5C46-A116-A0D0C714EC0A}" presName="childNode2" presStyleLbl="bgAcc1" presStyleIdx="1" presStyleCnt="6">
+        <dgm:presLayoutVars>
+          <dgm:bulletEnabled val="1"/>
+        </dgm:presLayoutVars>
+      </dgm:prSet>
+      <dgm:spPr/>
+    </dgm:pt>
+    <dgm:pt modelId="{B5470C0F-FA94-844F-A7F7-FAF46644BF15}" type="pres">
+      <dgm:prSet presAssocID="{3E6AF46F-5627-5C46-A116-A0D0C714EC0A}" presName="childNode2tx" presStyleLbl="bgAcc1" presStyleIdx="1" presStyleCnt="6">
+        <dgm:presLayoutVars>
+          <dgm:bulletEnabled val="1"/>
+        </dgm:presLayoutVars>
+      </dgm:prSet>
+      <dgm:spPr/>
+    </dgm:pt>
+    <dgm:pt modelId="{C2BE450A-3F95-8D4B-AF3D-A04659C252AC}" type="pres">
+      <dgm:prSet presAssocID="{3E6AF46F-5627-5C46-A116-A0D0C714EC0A}" presName="parentNode2" presStyleLbl="node1" presStyleIdx="1" presStyleCnt="6">
+        <dgm:presLayoutVars>
+          <dgm:chMax val="0"/>
+          <dgm:bulletEnabled val="1"/>
+        </dgm:presLayoutVars>
+      </dgm:prSet>
+      <dgm:spPr/>
+    </dgm:pt>
+    <dgm:pt modelId="{8A711970-4F59-D847-A052-7FD01DFE7402}" type="pres">
+      <dgm:prSet presAssocID="{3E6AF46F-5627-5C46-A116-A0D0C714EC0A}" presName="connSite2" presStyleCnt="0"/>
+      <dgm:spPr/>
+    </dgm:pt>
+    <dgm:pt modelId="{DE59BD45-FAE2-FA4B-AE5C-FC0EA4B29E84}" type="pres">
+      <dgm:prSet presAssocID="{09C790D7-A826-E14F-8C65-4FB978F33989}" presName="Name18" presStyleLbl="sibTrans2D1" presStyleIdx="1" presStyleCnt="5"/>
+      <dgm:spPr/>
+    </dgm:pt>
+    <dgm:pt modelId="{BB9D9D0D-EDCF-254F-8AA2-29208613B388}" type="pres">
+      <dgm:prSet presAssocID="{73CB681A-61F0-1C4C-9284-57E717BA40E0}" presName="composite1" presStyleCnt="0"/>
+      <dgm:spPr/>
+    </dgm:pt>
+    <dgm:pt modelId="{82668F00-7F13-7946-9966-ECC3165B7653}" type="pres">
+      <dgm:prSet presAssocID="{73CB681A-61F0-1C4C-9284-57E717BA40E0}" presName="dummyNode1" presStyleLbl="node1" presStyleIdx="1" presStyleCnt="6"/>
+      <dgm:spPr/>
+    </dgm:pt>
+    <dgm:pt modelId="{EF5A5B21-83B8-CC4D-BC36-34763142D820}" type="pres">
+      <dgm:prSet presAssocID="{73CB681A-61F0-1C4C-9284-57E717BA40E0}" presName="childNode1" presStyleLbl="bgAcc1" presStyleIdx="2" presStyleCnt="6">
+        <dgm:presLayoutVars>
+          <dgm:bulletEnabled val="1"/>
+        </dgm:presLayoutVars>
+      </dgm:prSet>
+      <dgm:spPr/>
+    </dgm:pt>
+    <dgm:pt modelId="{AA9CDB07-B5D5-224B-8FF3-C7927205DBF6}" type="pres">
+      <dgm:prSet presAssocID="{73CB681A-61F0-1C4C-9284-57E717BA40E0}" presName="childNode1tx" presStyleLbl="bgAcc1" presStyleIdx="2" presStyleCnt="6">
+        <dgm:presLayoutVars>
+          <dgm:bulletEnabled val="1"/>
+        </dgm:presLayoutVars>
+      </dgm:prSet>
+      <dgm:spPr/>
+    </dgm:pt>
+    <dgm:pt modelId="{A22F176F-3003-AE4D-8769-5071AE8CD28C}" type="pres">
+      <dgm:prSet presAssocID="{73CB681A-61F0-1C4C-9284-57E717BA40E0}" presName="parentNode1" presStyleLbl="node1" presStyleIdx="2" presStyleCnt="6">
+        <dgm:presLayoutVars>
+          <dgm:chMax val="1"/>
+          <dgm:bulletEnabled val="1"/>
+        </dgm:presLayoutVars>
+      </dgm:prSet>
+      <dgm:spPr/>
+    </dgm:pt>
+    <dgm:pt modelId="{49EB05EE-D8A4-B74E-9B12-5E39EAB3D33D}" type="pres">
+      <dgm:prSet presAssocID="{73CB681A-61F0-1C4C-9284-57E717BA40E0}" presName="connSite1" presStyleCnt="0"/>
+      <dgm:spPr/>
+    </dgm:pt>
+    <dgm:pt modelId="{E399F14F-946B-3849-88DC-A693565F6A97}" type="pres">
+      <dgm:prSet presAssocID="{A8542BEC-974F-4643-8F24-E09AEC3844B8}" presName="Name9" presStyleLbl="sibTrans2D1" presStyleIdx="2" presStyleCnt="5"/>
+      <dgm:spPr/>
+    </dgm:pt>
+    <dgm:pt modelId="{5EAD94B3-BAC8-624B-B0E1-5A1452558007}" type="pres">
+      <dgm:prSet presAssocID="{909A40AF-CCEB-B948-9301-D292640A04EB}" presName="composite2" presStyleCnt="0"/>
+      <dgm:spPr/>
+    </dgm:pt>
+    <dgm:pt modelId="{911EF3FE-16E4-A44B-835D-88948C6C590A}" type="pres">
+      <dgm:prSet presAssocID="{909A40AF-CCEB-B948-9301-D292640A04EB}" presName="dummyNode2" presStyleLbl="node1" presStyleIdx="2" presStyleCnt="6"/>
+      <dgm:spPr/>
+    </dgm:pt>
+    <dgm:pt modelId="{E7E3E7EC-E923-0C4F-998A-898D18B5ABB2}" type="pres">
+      <dgm:prSet presAssocID="{909A40AF-CCEB-B948-9301-D292640A04EB}" presName="childNode2" presStyleLbl="bgAcc1" presStyleIdx="3" presStyleCnt="6">
+        <dgm:presLayoutVars>
+          <dgm:bulletEnabled val="1"/>
+        </dgm:presLayoutVars>
+      </dgm:prSet>
+      <dgm:spPr/>
+    </dgm:pt>
+    <dgm:pt modelId="{164B5A2F-A84A-8F4B-A0CA-C67783FE0D3A}" type="pres">
+      <dgm:prSet presAssocID="{909A40AF-CCEB-B948-9301-D292640A04EB}" presName="childNode2tx" presStyleLbl="bgAcc1" presStyleIdx="3" presStyleCnt="6">
+        <dgm:presLayoutVars>
+          <dgm:bulletEnabled val="1"/>
+        </dgm:presLayoutVars>
+      </dgm:prSet>
+      <dgm:spPr/>
+    </dgm:pt>
+    <dgm:pt modelId="{CF753FD8-48D9-0045-B101-21FA7AF26990}" type="pres">
+      <dgm:prSet presAssocID="{909A40AF-CCEB-B948-9301-D292640A04EB}" presName="parentNode2" presStyleLbl="node1" presStyleIdx="3" presStyleCnt="6">
+        <dgm:presLayoutVars>
+          <dgm:chMax val="0"/>
+          <dgm:bulletEnabled val="1"/>
+        </dgm:presLayoutVars>
+      </dgm:prSet>
+      <dgm:spPr/>
+    </dgm:pt>
+    <dgm:pt modelId="{2F227C2C-239D-4B40-88B6-C808FAB7E8D2}" type="pres">
+      <dgm:prSet presAssocID="{909A40AF-CCEB-B948-9301-D292640A04EB}" presName="connSite2" presStyleCnt="0"/>
+      <dgm:spPr/>
+    </dgm:pt>
+    <dgm:pt modelId="{016C73A8-2C81-5244-B90D-AA2971579AE6}" type="pres">
+      <dgm:prSet presAssocID="{0E4E6E7C-1A84-D04C-B824-8638EC10F995}" presName="Name18" presStyleLbl="sibTrans2D1" presStyleIdx="3" presStyleCnt="5"/>
+      <dgm:spPr/>
+    </dgm:pt>
+    <dgm:pt modelId="{C7DF9B4E-E20E-E54E-B7DC-6D020DCC95E0}" type="pres">
+      <dgm:prSet presAssocID="{FE1AB45A-3162-9447-BB07-197724914D94}" presName="composite1" presStyleCnt="0"/>
+      <dgm:spPr/>
+    </dgm:pt>
+    <dgm:pt modelId="{46081437-1B39-E444-8CBF-D8F52439CEB2}" type="pres">
+      <dgm:prSet presAssocID="{FE1AB45A-3162-9447-BB07-197724914D94}" presName="dummyNode1" presStyleLbl="node1" presStyleIdx="3" presStyleCnt="6"/>
+      <dgm:spPr/>
+    </dgm:pt>
+    <dgm:pt modelId="{4BB2E9B3-D583-9E46-990E-1FA33A4D73F3}" type="pres">
+      <dgm:prSet presAssocID="{FE1AB45A-3162-9447-BB07-197724914D94}" presName="childNode1" presStyleLbl="bgAcc1" presStyleIdx="4" presStyleCnt="6">
+        <dgm:presLayoutVars>
+          <dgm:bulletEnabled val="1"/>
+        </dgm:presLayoutVars>
+      </dgm:prSet>
+      <dgm:spPr/>
+    </dgm:pt>
+    <dgm:pt modelId="{E1F92478-D6E2-DA4F-ABCB-F288B99165E0}" type="pres">
+      <dgm:prSet presAssocID="{FE1AB45A-3162-9447-BB07-197724914D94}" presName="childNode1tx" presStyleLbl="bgAcc1" presStyleIdx="4" presStyleCnt="6">
+        <dgm:presLayoutVars>
+          <dgm:bulletEnabled val="1"/>
+        </dgm:presLayoutVars>
+      </dgm:prSet>
+      <dgm:spPr/>
+    </dgm:pt>
+    <dgm:pt modelId="{0761771F-B511-2944-9F94-5314EFACB81B}" type="pres">
+      <dgm:prSet presAssocID="{FE1AB45A-3162-9447-BB07-197724914D94}" presName="parentNode1" presStyleLbl="node1" presStyleIdx="4" presStyleCnt="6">
+        <dgm:presLayoutVars>
+          <dgm:chMax val="1"/>
+          <dgm:bulletEnabled val="1"/>
+        </dgm:presLayoutVars>
+      </dgm:prSet>
+      <dgm:spPr/>
+    </dgm:pt>
+    <dgm:pt modelId="{90AE43E4-F9DB-4443-BB71-B1ABE08FA3C5}" type="pres">
+      <dgm:prSet presAssocID="{FE1AB45A-3162-9447-BB07-197724914D94}" presName="connSite1" presStyleCnt="0"/>
+      <dgm:spPr/>
+    </dgm:pt>
+    <dgm:pt modelId="{97E6CE83-B6FD-8D4A-B62F-FAAFFE69AB80}" type="pres">
+      <dgm:prSet presAssocID="{4DF2DDCD-84D6-CF41-B78A-A4B8CF76947E}" presName="Name9" presStyleLbl="sibTrans2D1" presStyleIdx="4" presStyleCnt="5"/>
+      <dgm:spPr/>
+    </dgm:pt>
+    <dgm:pt modelId="{4C52052C-6E44-A74A-B15A-0A84B9137531}" type="pres">
+      <dgm:prSet presAssocID="{ADE002A1-B52E-D54C-9867-263666CD5CCE}" presName="composite2" presStyleCnt="0"/>
+      <dgm:spPr/>
+    </dgm:pt>
+    <dgm:pt modelId="{DC0E8B5C-6571-4044-A87F-3401C7CF3480}" type="pres">
+      <dgm:prSet presAssocID="{ADE002A1-B52E-D54C-9867-263666CD5CCE}" presName="dummyNode2" presStyleLbl="node1" presStyleIdx="4" presStyleCnt="6"/>
+      <dgm:spPr/>
+    </dgm:pt>
+    <dgm:pt modelId="{15516A2A-B101-2D43-9CC1-A3E92405364B}" type="pres">
+      <dgm:prSet presAssocID="{ADE002A1-B52E-D54C-9867-263666CD5CCE}" presName="childNode2" presStyleLbl="bgAcc1" presStyleIdx="5" presStyleCnt="6">
+        <dgm:presLayoutVars>
+          <dgm:bulletEnabled val="1"/>
+        </dgm:presLayoutVars>
+      </dgm:prSet>
+      <dgm:spPr/>
+    </dgm:pt>
+    <dgm:pt modelId="{46940DAC-464E-E44F-8B91-86DEDA51697D}" type="pres">
+      <dgm:prSet presAssocID="{ADE002A1-B52E-D54C-9867-263666CD5CCE}" presName="childNode2tx" presStyleLbl="bgAcc1" presStyleIdx="5" presStyleCnt="6">
+        <dgm:presLayoutVars>
+          <dgm:bulletEnabled val="1"/>
+        </dgm:presLayoutVars>
+      </dgm:prSet>
+      <dgm:spPr/>
+    </dgm:pt>
+    <dgm:pt modelId="{3499A203-41C3-9A45-ADB6-432C1C32549C}" type="pres">
+      <dgm:prSet presAssocID="{ADE002A1-B52E-D54C-9867-263666CD5CCE}" presName="parentNode2" presStyleLbl="node1" presStyleIdx="5" presStyleCnt="6">
+        <dgm:presLayoutVars>
+          <dgm:chMax val="0"/>
+          <dgm:bulletEnabled val="1"/>
+        </dgm:presLayoutVars>
+      </dgm:prSet>
+      <dgm:spPr/>
+    </dgm:pt>
+    <dgm:pt modelId="{80566312-8144-7F4D-ACFB-B1432DB31A23}" type="pres">
+      <dgm:prSet presAssocID="{ADE002A1-B52E-D54C-9867-263666CD5CCE}" presName="connSite2" presStyleCnt="0"/>
+      <dgm:spPr/>
+    </dgm:pt>
+  </dgm:ptLst>
+  <dgm:cxnLst>
+    <dgm:cxn modelId="{8D879F05-186F-BE43-A6EB-14CF6C4CDB0A}" type="presOf" srcId="{999EE839-0A79-CF48-AC03-6393BCBE7FFD}" destId="{4B70CEFF-385A-2F4B-99C2-34B30B74491D}" srcOrd="0" destOrd="0" presId="urn:microsoft.com/office/officeart/2005/8/layout/hProcess4"/>
+    <dgm:cxn modelId="{82CD390F-6A44-C043-9F40-A752ED3ECE21}" type="presOf" srcId="{909A40AF-CCEB-B948-9301-D292640A04EB}" destId="{CF753FD8-48D9-0045-B101-21FA7AF26990}" srcOrd="0" destOrd="0" presId="urn:microsoft.com/office/officeart/2005/8/layout/hProcess4"/>
+    <dgm:cxn modelId="{615F0212-B577-084F-B552-3164E45A2918}" type="presOf" srcId="{ADE002A1-B52E-D54C-9867-263666CD5CCE}" destId="{3499A203-41C3-9A45-ADB6-432C1C32549C}" srcOrd="0" destOrd="0" presId="urn:microsoft.com/office/officeart/2005/8/layout/hProcess4"/>
+    <dgm:cxn modelId="{EAFA8115-E9B2-D04D-B7B8-B997D92B1F1F}" srcId="{FE1AB45A-3162-9447-BB07-197724914D94}" destId="{9B320DD1-B55E-EF48-ACC0-7BF523A981C8}" srcOrd="1" destOrd="0" parTransId="{F150208E-5324-8843-8D60-248C826CBA50}" sibTransId="{338ABF51-3D7E-AE42-9B8A-700C78E8D47C}"/>
+    <dgm:cxn modelId="{5F0FF218-5893-5E4B-9DF3-85605988F375}" srcId="{ADE002A1-B52E-D54C-9867-263666CD5CCE}" destId="{A1DB4AB0-F40A-2545-A84A-1091662E370F}" srcOrd="0" destOrd="0" parTransId="{DC4EDF74-E03E-C547-A4BA-44E11122B1A9}" sibTransId="{2E644A2E-24E1-DB4D-AFE8-F1341858E7CF}"/>
+    <dgm:cxn modelId="{2214F01B-AEC9-3D45-AFD5-E7418947904D}" type="presOf" srcId="{621AB073-F928-0245-BA69-753CC46D416B}" destId="{B5470C0F-FA94-844F-A7F7-FAF46644BF15}" srcOrd="1" destOrd="1" presId="urn:microsoft.com/office/officeart/2005/8/layout/hProcess4"/>
+    <dgm:cxn modelId="{E5E4D91C-B2EB-4E46-ADC3-01561C92BABC}" srcId="{1EAD9032-326D-754A-B211-C2EA4BB2560E}" destId="{45DE91CC-10F8-5845-B7D6-8BF6E8E2DF5C}" srcOrd="0" destOrd="0" parTransId="{E8DE0B87-7AE3-FF47-A4DB-092B77A4B718}" sibTransId="{A664EF97-F5A5-4F44-8614-A0DC0F44462D}"/>
+    <dgm:cxn modelId="{6EB21120-F8DF-5542-B3F6-3972594C6E19}" type="presOf" srcId="{0E4E6E7C-1A84-D04C-B824-8638EC10F995}" destId="{016C73A8-2C81-5244-B90D-AA2971579AE6}" srcOrd="0" destOrd="0" presId="urn:microsoft.com/office/officeart/2005/8/layout/hProcess4"/>
+    <dgm:cxn modelId="{70A02821-0A7C-694E-98F6-3069BE95EBB2}" type="presOf" srcId="{CED36AD2-A972-2847-AD1C-711EC23FE5F6}" destId="{22D4E3EB-9DA9-5D42-8277-339B04C244E2}" srcOrd="0" destOrd="1" presId="urn:microsoft.com/office/officeart/2005/8/layout/hProcess4"/>
+    <dgm:cxn modelId="{C7973D2D-FCAF-454B-992D-20DE0C7CD63F}" type="presOf" srcId="{41E72236-A962-FA4A-B895-65B14FAE023D}" destId="{164B5A2F-A84A-8F4B-A0CA-C67783FE0D3A}" srcOrd="1" destOrd="0" presId="urn:microsoft.com/office/officeart/2005/8/layout/hProcess4"/>
+    <dgm:cxn modelId="{565A662D-DAFA-B940-8E37-CA408ECEACF6}" type="presOf" srcId="{999EE839-0A79-CF48-AC03-6393BCBE7FFD}" destId="{B5470C0F-FA94-844F-A7F7-FAF46644BF15}" srcOrd="1" destOrd="0" presId="urn:microsoft.com/office/officeart/2005/8/layout/hProcess4"/>
+    <dgm:cxn modelId="{C77B8C31-5416-4549-9571-A248011BDCE8}" type="presOf" srcId="{73CB681A-61F0-1C4C-9284-57E717BA40E0}" destId="{A22F176F-3003-AE4D-8769-5071AE8CD28C}" srcOrd="0" destOrd="0" presId="urn:microsoft.com/office/officeart/2005/8/layout/hProcess4"/>
+    <dgm:cxn modelId="{54301E35-A0FB-4D47-AE5B-B7FD81433073}" type="presOf" srcId="{FF7C1FDB-F91E-9647-B24B-0657E9EF8E0B}" destId="{AA9CDB07-B5D5-224B-8FF3-C7927205DBF6}" srcOrd="1" destOrd="1" presId="urn:microsoft.com/office/officeart/2005/8/layout/hProcess4"/>
+    <dgm:cxn modelId="{BBE8C435-1A2B-614A-962C-17723A4CEAE9}" type="presOf" srcId="{9B320DD1-B55E-EF48-ACC0-7BF523A981C8}" destId="{4BB2E9B3-D583-9E46-990E-1FA33A4D73F3}" srcOrd="0" destOrd="1" presId="urn:microsoft.com/office/officeart/2005/8/layout/hProcess4"/>
+    <dgm:cxn modelId="{15B5EB3D-FE75-D946-B1A5-54D58B3FAB15}" srcId="{73CB681A-61F0-1C4C-9284-57E717BA40E0}" destId="{FF7C1FDB-F91E-9647-B24B-0657E9EF8E0B}" srcOrd="1" destOrd="0" parTransId="{5BD73DFD-61C1-064E-ACEE-C0ACF3638BA7}" sibTransId="{6C80D6CE-6FC1-F048-81B1-A2CF4BD12275}"/>
+    <dgm:cxn modelId="{37C2A34F-8016-9E40-BD77-57895A05F37A}" srcId="{909A40AF-CCEB-B948-9301-D292640A04EB}" destId="{41E72236-A962-FA4A-B895-65B14FAE023D}" srcOrd="0" destOrd="0" parTransId="{2964C976-681E-4C49-9798-65CD1B03AAAE}" sibTransId="{356E69A0-7B0A-B745-A3E1-2603FE1ED586}"/>
+    <dgm:cxn modelId="{1627E355-6350-AC42-A8D6-FF08DBE7FDC0}" type="presOf" srcId="{45DE91CC-10F8-5845-B7D6-8BF6E8E2DF5C}" destId="{22D4E3EB-9DA9-5D42-8277-339B04C244E2}" srcOrd="0" destOrd="0" presId="urn:microsoft.com/office/officeart/2005/8/layout/hProcess4"/>
+    <dgm:cxn modelId="{F4C95C58-404A-9F41-B322-8AE42DFCDD52}" srcId="{0B62EB6C-54FF-374D-AB7F-7BEB330B1BE9}" destId="{1EAD9032-326D-754A-B211-C2EA4BB2560E}" srcOrd="0" destOrd="0" parTransId="{4CE4084E-548D-D445-ACF5-1B05FC0D8D2C}" sibTransId="{0EC0FDFF-2E8A-164A-8EE2-0B68774A8A76}"/>
+    <dgm:cxn modelId="{ECBEE758-C141-5244-BC0C-83421E23ADCA}" type="presOf" srcId="{FF7C1FDB-F91E-9647-B24B-0657E9EF8E0B}" destId="{EF5A5B21-83B8-CC4D-BC36-34763142D820}" srcOrd="0" destOrd="1" presId="urn:microsoft.com/office/officeart/2005/8/layout/hProcess4"/>
+    <dgm:cxn modelId="{B812435D-17BD-3749-857A-2E0F0A80477B}" srcId="{0B62EB6C-54FF-374D-AB7F-7BEB330B1BE9}" destId="{909A40AF-CCEB-B948-9301-D292640A04EB}" srcOrd="3" destOrd="0" parTransId="{F7DA669F-42CB-0C4B-9F77-4950E1F72BA6}" sibTransId="{0E4E6E7C-1A84-D04C-B824-8638EC10F995}"/>
+    <dgm:cxn modelId="{69EDC864-39B9-5D47-A9F9-A89C40DD47D3}" type="presOf" srcId="{41E72236-A962-FA4A-B895-65B14FAE023D}" destId="{E7E3E7EC-E923-0C4F-998A-898D18B5ABB2}" srcOrd="0" destOrd="0" presId="urn:microsoft.com/office/officeart/2005/8/layout/hProcess4"/>
+    <dgm:cxn modelId="{12B96D6A-4245-B44C-972E-FC4DA9083670}" srcId="{0B62EB6C-54FF-374D-AB7F-7BEB330B1BE9}" destId="{FE1AB45A-3162-9447-BB07-197724914D94}" srcOrd="4" destOrd="0" parTransId="{B5B6D969-361C-A943-A375-98DE0D5FCF08}" sibTransId="{4DF2DDCD-84D6-CF41-B78A-A4B8CF76947E}"/>
+    <dgm:cxn modelId="{C16FA86D-F704-294C-BCF0-C98D907C5664}" type="presOf" srcId="{0B62EB6C-54FF-374D-AB7F-7BEB330B1BE9}" destId="{3EEC1302-D41B-C643-BC9D-B0546ACD1CC4}" srcOrd="0" destOrd="0" presId="urn:microsoft.com/office/officeart/2005/8/layout/hProcess4"/>
+    <dgm:cxn modelId="{F5FF777B-47D6-E849-A225-795BB54F7DB4}" srcId="{0B62EB6C-54FF-374D-AB7F-7BEB330B1BE9}" destId="{3E6AF46F-5627-5C46-A116-A0D0C714EC0A}" srcOrd="1" destOrd="0" parTransId="{4ED40431-D84F-FC4C-A23E-B32E94D4A916}" sibTransId="{09C790D7-A826-E14F-8C65-4FB978F33989}"/>
+    <dgm:cxn modelId="{0330927C-B985-CE42-9F21-6116F20CE0EB}" type="presOf" srcId="{CED36AD2-A972-2847-AD1C-711EC23FE5F6}" destId="{E325F677-D19E-7043-981B-CF27F5616F3B}" srcOrd="1" destOrd="1" presId="urn:microsoft.com/office/officeart/2005/8/layout/hProcess4"/>
+    <dgm:cxn modelId="{AC689D7C-177E-9544-B1F4-E106ACA4E995}" type="presOf" srcId="{1EAD9032-326D-754A-B211-C2EA4BB2560E}" destId="{A6260D53-AF74-3A44-B703-032707E8EE22}" srcOrd="0" destOrd="0" presId="urn:microsoft.com/office/officeart/2005/8/layout/hProcess4"/>
+    <dgm:cxn modelId="{997B6B83-3050-3B4C-94D1-A19584D5706B}" srcId="{0B62EB6C-54FF-374D-AB7F-7BEB330B1BE9}" destId="{73CB681A-61F0-1C4C-9284-57E717BA40E0}" srcOrd="2" destOrd="0" parTransId="{BDE1D690-0801-EB48-94A8-7438681C2CA3}" sibTransId="{A8542BEC-974F-4643-8F24-E09AEC3844B8}"/>
+    <dgm:cxn modelId="{1600FA8A-BE84-C742-A68E-55E489712854}" type="presOf" srcId="{67376583-BBC6-894B-9D93-94AD14F2B924}" destId="{46940DAC-464E-E44F-8B91-86DEDA51697D}" srcOrd="1" destOrd="1" presId="urn:microsoft.com/office/officeart/2005/8/layout/hProcess4"/>
+    <dgm:cxn modelId="{C22D6F92-179D-574B-9E2D-383BEFD8D508}" type="presOf" srcId="{67376583-BBC6-894B-9D93-94AD14F2B924}" destId="{15516A2A-B101-2D43-9CC1-A3E92405364B}" srcOrd="0" destOrd="1" presId="urn:microsoft.com/office/officeart/2005/8/layout/hProcess4"/>
+    <dgm:cxn modelId="{96ABE695-CF1D-E04B-A6A2-0EAA3124C382}" type="presOf" srcId="{0EC0FDFF-2E8A-164A-8EE2-0B68774A8A76}" destId="{C86A7B7C-85EA-7349-A9FF-919FCE695C89}" srcOrd="0" destOrd="0" presId="urn:microsoft.com/office/officeart/2005/8/layout/hProcess4"/>
+    <dgm:cxn modelId="{B5CF009E-16E6-4B4E-A1B7-AB310749A19A}" srcId="{ADE002A1-B52E-D54C-9867-263666CD5CCE}" destId="{67376583-BBC6-894B-9D93-94AD14F2B924}" srcOrd="1" destOrd="0" parTransId="{9CC2F362-5221-9448-A2AA-4F7D2F8B3A66}" sibTransId="{708D1DBD-D48B-BB47-8CCC-005C24154BF0}"/>
+    <dgm:cxn modelId="{03B95D9E-7AA8-BE4B-BBE1-03463CD401C4}" srcId="{3E6AF46F-5627-5C46-A116-A0D0C714EC0A}" destId="{621AB073-F928-0245-BA69-753CC46D416B}" srcOrd="1" destOrd="0" parTransId="{F5A42AE3-C90D-814A-A7BE-54F81B00BC52}" sibTransId="{9043EEF5-0D5C-1449-A0E3-1029D805A759}"/>
+    <dgm:cxn modelId="{0B7062A0-3510-0448-8FA4-15AE66B66380}" type="presOf" srcId="{09C790D7-A826-E14F-8C65-4FB978F33989}" destId="{DE59BD45-FAE2-FA4B-AE5C-FC0EA4B29E84}" srcOrd="0" destOrd="0" presId="urn:microsoft.com/office/officeart/2005/8/layout/hProcess4"/>
+    <dgm:cxn modelId="{E55C9CA9-9BAF-EC47-B1BE-22A584CF8508}" type="presOf" srcId="{FE1AB45A-3162-9447-BB07-197724914D94}" destId="{0761771F-B511-2944-9F94-5314EFACB81B}" srcOrd="0" destOrd="0" presId="urn:microsoft.com/office/officeart/2005/8/layout/hProcess4"/>
+    <dgm:cxn modelId="{EFCE4CAE-D355-804D-BDB8-922CE16156E7}" type="presOf" srcId="{3E6AF46F-5627-5C46-A116-A0D0C714EC0A}" destId="{C2BE450A-3F95-8D4B-AF3D-A04659C252AC}" srcOrd="0" destOrd="0" presId="urn:microsoft.com/office/officeart/2005/8/layout/hProcess4"/>
+    <dgm:cxn modelId="{326F2FB0-386D-B841-BBF9-B747A8C1578B}" type="presOf" srcId="{9B320DD1-B55E-EF48-ACC0-7BF523A981C8}" destId="{E1F92478-D6E2-DA4F-ABCB-F288B99165E0}" srcOrd="1" destOrd="1" presId="urn:microsoft.com/office/officeart/2005/8/layout/hProcess4"/>
+    <dgm:cxn modelId="{3EC9CEB1-B5A4-3A4C-9E29-9258909F6462}" type="presOf" srcId="{A1DB4AB0-F40A-2545-A84A-1091662E370F}" destId="{46940DAC-464E-E44F-8B91-86DEDA51697D}" srcOrd="1" destOrd="0" presId="urn:microsoft.com/office/officeart/2005/8/layout/hProcess4"/>
+    <dgm:cxn modelId="{201FD2B9-9F9F-494A-B23A-791F8FFF3506}" type="presOf" srcId="{4DF2DDCD-84D6-CF41-B78A-A4B8CF76947E}" destId="{97E6CE83-B6FD-8D4A-B62F-FAAFFE69AB80}" srcOrd="0" destOrd="0" presId="urn:microsoft.com/office/officeart/2005/8/layout/hProcess4"/>
+    <dgm:cxn modelId="{3C93CABF-E3AB-FB4E-B2CB-EAFCB7CD1197}" type="presOf" srcId="{96777CE4-E116-7C45-BB26-6E1BE683C09D}" destId="{E1F92478-D6E2-DA4F-ABCB-F288B99165E0}" srcOrd="1" destOrd="0" presId="urn:microsoft.com/office/officeart/2005/8/layout/hProcess4"/>
+    <dgm:cxn modelId="{16BAAFC0-2317-A54F-95A6-E27C93B85E58}" srcId="{0B62EB6C-54FF-374D-AB7F-7BEB330B1BE9}" destId="{ADE002A1-B52E-D54C-9867-263666CD5CCE}" srcOrd="5" destOrd="0" parTransId="{5670AEDD-2433-AD4D-83C0-E383C76EB305}" sibTransId="{DB69F3AD-A019-0243-AB74-FB10F766AAA1}"/>
+    <dgm:cxn modelId="{A4A836C3-6A21-F745-8992-073277A75533}" type="presOf" srcId="{45DE91CC-10F8-5845-B7D6-8BF6E8E2DF5C}" destId="{E325F677-D19E-7043-981B-CF27F5616F3B}" srcOrd="1" destOrd="0" presId="urn:microsoft.com/office/officeart/2005/8/layout/hProcess4"/>
+    <dgm:cxn modelId="{E8234AC5-361F-D84D-8491-55A71F8C744C}" srcId="{FE1AB45A-3162-9447-BB07-197724914D94}" destId="{96777CE4-E116-7C45-BB26-6E1BE683C09D}" srcOrd="0" destOrd="0" parTransId="{8C8F485C-0C22-1D4B-831F-2D54E7B8E1AC}" sibTransId="{D19313BB-D8E2-0542-A131-686B78EBC114}"/>
+    <dgm:cxn modelId="{5746A6C6-F495-8E41-B985-7107E7CEC3C3}" srcId="{3E6AF46F-5627-5C46-A116-A0D0C714EC0A}" destId="{999EE839-0A79-CF48-AC03-6393BCBE7FFD}" srcOrd="0" destOrd="0" parTransId="{85E8C787-A054-1D44-8732-EDEF0649603C}" sibTransId="{8352CFD5-F2A5-DB48-82F7-2D7447ADDC1E}"/>
+    <dgm:cxn modelId="{E58DBAD1-D316-2C4B-932C-73C199DB38FD}" type="presOf" srcId="{621AB073-F928-0245-BA69-753CC46D416B}" destId="{4B70CEFF-385A-2F4B-99C2-34B30B74491D}" srcOrd="0" destOrd="1" presId="urn:microsoft.com/office/officeart/2005/8/layout/hProcess4"/>
+    <dgm:cxn modelId="{7E4F65D5-F994-DF4A-979D-E3BD68970C6A}" type="presOf" srcId="{A8542BEC-974F-4643-8F24-E09AEC3844B8}" destId="{E399F14F-946B-3849-88DC-A693565F6A97}" srcOrd="0" destOrd="0" presId="urn:microsoft.com/office/officeart/2005/8/layout/hProcess4"/>
+    <dgm:cxn modelId="{F615D9D9-6DFE-BF42-AF79-92868CBC14A9}" type="presOf" srcId="{96777CE4-E116-7C45-BB26-6E1BE683C09D}" destId="{4BB2E9B3-D583-9E46-990E-1FA33A4D73F3}" srcOrd="0" destOrd="0" presId="urn:microsoft.com/office/officeart/2005/8/layout/hProcess4"/>
+    <dgm:cxn modelId="{B699FFE1-C17D-6F47-A8CD-544FDBECF3FC}" type="presOf" srcId="{A1DB4AB0-F40A-2545-A84A-1091662E370F}" destId="{15516A2A-B101-2D43-9CC1-A3E92405364B}" srcOrd="0" destOrd="0" presId="urn:microsoft.com/office/officeart/2005/8/layout/hProcess4"/>
+    <dgm:cxn modelId="{ADA2E4EE-61B1-6749-A59F-AEE0A390B8CE}" type="presOf" srcId="{2C7589AF-319F-D848-88C3-85D21133EE8B}" destId="{AA9CDB07-B5D5-224B-8FF3-C7927205DBF6}" srcOrd="1" destOrd="0" presId="urn:microsoft.com/office/officeart/2005/8/layout/hProcess4"/>
+    <dgm:cxn modelId="{AE530BF1-4B63-AB44-AF01-CEA179149718}" srcId="{73CB681A-61F0-1C4C-9284-57E717BA40E0}" destId="{2C7589AF-319F-D848-88C3-85D21133EE8B}" srcOrd="0" destOrd="0" parTransId="{52BAD636-7F60-D14A-92D3-A04C90268A31}" sibTransId="{0222E831-CF29-5F47-AB35-0AFD43C7CDDA}"/>
+    <dgm:cxn modelId="{401D98FA-DCD7-484D-A923-E15AD6217F41}" srcId="{1EAD9032-326D-754A-B211-C2EA4BB2560E}" destId="{CED36AD2-A972-2847-AD1C-711EC23FE5F6}" srcOrd="1" destOrd="0" parTransId="{24AA352E-7135-0549-ABB1-58368A285238}" sibTransId="{F96F0134-3051-A541-A2AF-2605381F1F21}"/>
+    <dgm:cxn modelId="{E6F1B4FC-FCAD-514A-989F-A56481511EB0}" type="presOf" srcId="{2C7589AF-319F-D848-88C3-85D21133EE8B}" destId="{EF5A5B21-83B8-CC4D-BC36-34763142D820}" srcOrd="0" destOrd="0" presId="urn:microsoft.com/office/officeart/2005/8/layout/hProcess4"/>
+    <dgm:cxn modelId="{103C165B-B1B9-844A-8E95-9D9175867F92}" type="presParOf" srcId="{3EEC1302-D41B-C643-BC9D-B0546ACD1CC4}" destId="{9AEEC7B0-B778-0543-8461-6E8EECC75348}" srcOrd="0" destOrd="0" presId="urn:microsoft.com/office/officeart/2005/8/layout/hProcess4"/>
+    <dgm:cxn modelId="{CD70D8F0-322B-0641-8F79-501FD6AFB199}" type="presParOf" srcId="{3EEC1302-D41B-C643-BC9D-B0546ACD1CC4}" destId="{50EAF4E7-F667-8C49-B697-FA623990B107}" srcOrd="1" destOrd="0" presId="urn:microsoft.com/office/officeart/2005/8/layout/hProcess4"/>
+    <dgm:cxn modelId="{3FDF6400-F7B9-7D46-A7CB-9751C0BC308C}" type="presParOf" srcId="{3EEC1302-D41B-C643-BC9D-B0546ACD1CC4}" destId="{45E98E00-F20C-994E-A848-A076DFEA3B54}" srcOrd="2" destOrd="0" presId="urn:microsoft.com/office/officeart/2005/8/layout/hProcess4"/>
+    <dgm:cxn modelId="{9FBF60EB-C70D-0349-B71E-CA1A0E261457}" type="presParOf" srcId="{45E98E00-F20C-994E-A848-A076DFEA3B54}" destId="{C5065968-A0F7-3A43-B71E-3211AA3FBC24}" srcOrd="0" destOrd="0" presId="urn:microsoft.com/office/officeart/2005/8/layout/hProcess4"/>
+    <dgm:cxn modelId="{EC1EA630-46F5-4947-B95A-D47ACB4DDE6E}" type="presParOf" srcId="{C5065968-A0F7-3A43-B71E-3211AA3FBC24}" destId="{0A202F19-EB71-4D40-9898-F4E016D5BB77}" srcOrd="0" destOrd="0" presId="urn:microsoft.com/office/officeart/2005/8/layout/hProcess4"/>
+    <dgm:cxn modelId="{A14886C2-4047-E145-87F7-06722D6A2C48}" type="presParOf" srcId="{C5065968-A0F7-3A43-B71E-3211AA3FBC24}" destId="{22D4E3EB-9DA9-5D42-8277-339B04C244E2}" srcOrd="1" destOrd="0" presId="urn:microsoft.com/office/officeart/2005/8/layout/hProcess4"/>
+    <dgm:cxn modelId="{FE6F5287-987A-B847-A591-FF74FEE2C54D}" type="presParOf" srcId="{C5065968-A0F7-3A43-B71E-3211AA3FBC24}" destId="{E325F677-D19E-7043-981B-CF27F5616F3B}" srcOrd="2" destOrd="0" presId="urn:microsoft.com/office/officeart/2005/8/layout/hProcess4"/>
+    <dgm:cxn modelId="{A7A57580-CBE8-6642-BBED-439B4E1C974A}" type="presParOf" srcId="{C5065968-A0F7-3A43-B71E-3211AA3FBC24}" destId="{A6260D53-AF74-3A44-B703-032707E8EE22}" srcOrd="3" destOrd="0" presId="urn:microsoft.com/office/officeart/2005/8/layout/hProcess4"/>
+    <dgm:cxn modelId="{FEC63EC5-3580-F94B-A4EE-3B684B1214EB}" type="presParOf" srcId="{C5065968-A0F7-3A43-B71E-3211AA3FBC24}" destId="{4FDBB1D1-3312-1342-8A0F-A4BFE982E882}" srcOrd="4" destOrd="0" presId="urn:microsoft.com/office/officeart/2005/8/layout/hProcess4"/>
+    <dgm:cxn modelId="{452CB986-B02F-4340-BEA9-74EDB968DCF4}" type="presParOf" srcId="{45E98E00-F20C-994E-A848-A076DFEA3B54}" destId="{C86A7B7C-85EA-7349-A9FF-919FCE695C89}" srcOrd="1" destOrd="0" presId="urn:microsoft.com/office/officeart/2005/8/layout/hProcess4"/>
+    <dgm:cxn modelId="{EE9282D8-4119-7946-BE6C-FC9E36C68754}" type="presParOf" srcId="{45E98E00-F20C-994E-A848-A076DFEA3B54}" destId="{50516FA0-0D1A-5340-9246-8C59E415005F}" srcOrd="2" destOrd="0" presId="urn:microsoft.com/office/officeart/2005/8/layout/hProcess4"/>
+    <dgm:cxn modelId="{FB63A1D1-9CAB-3D4E-B0D8-B33C23B2E9E3}" type="presParOf" srcId="{50516FA0-0D1A-5340-9246-8C59E415005F}" destId="{3F297826-1AB2-C444-9F92-7B0D5F84C2F9}" srcOrd="0" destOrd="0" presId="urn:microsoft.com/office/officeart/2005/8/layout/hProcess4"/>
+    <dgm:cxn modelId="{7252197E-E684-E441-B83E-DB0CAA1983A3}" type="presParOf" srcId="{50516FA0-0D1A-5340-9246-8C59E415005F}" destId="{4B70CEFF-385A-2F4B-99C2-34B30B74491D}" srcOrd="1" destOrd="0" presId="urn:microsoft.com/office/officeart/2005/8/layout/hProcess4"/>
+    <dgm:cxn modelId="{25E90A2B-8112-C648-B0ED-461B35F2BB6B}" type="presParOf" srcId="{50516FA0-0D1A-5340-9246-8C59E415005F}" destId="{B5470C0F-FA94-844F-A7F7-FAF46644BF15}" srcOrd="2" destOrd="0" presId="urn:microsoft.com/office/officeart/2005/8/layout/hProcess4"/>
+    <dgm:cxn modelId="{02FEAA0E-0D7F-C641-9BC0-88EC0F86F745}" type="presParOf" srcId="{50516FA0-0D1A-5340-9246-8C59E415005F}" destId="{C2BE450A-3F95-8D4B-AF3D-A04659C252AC}" srcOrd="3" destOrd="0" presId="urn:microsoft.com/office/officeart/2005/8/layout/hProcess4"/>
+    <dgm:cxn modelId="{CA63861F-7D02-FD4F-BF3E-733EB7C7EB24}" type="presParOf" srcId="{50516FA0-0D1A-5340-9246-8C59E415005F}" destId="{8A711970-4F59-D847-A052-7FD01DFE7402}" srcOrd="4" destOrd="0" presId="urn:microsoft.com/office/officeart/2005/8/layout/hProcess4"/>
+    <dgm:cxn modelId="{6D14509D-E1C1-C744-817A-881E05E5A7E3}" type="presParOf" srcId="{45E98E00-F20C-994E-A848-A076DFEA3B54}" destId="{DE59BD45-FAE2-FA4B-AE5C-FC0EA4B29E84}" srcOrd="3" destOrd="0" presId="urn:microsoft.com/office/officeart/2005/8/layout/hProcess4"/>
+    <dgm:cxn modelId="{2F557735-8D54-D14B-B78A-8071BF231176}" type="presParOf" srcId="{45E98E00-F20C-994E-A848-A076DFEA3B54}" destId="{BB9D9D0D-EDCF-254F-8AA2-29208613B388}" srcOrd="4" destOrd="0" presId="urn:microsoft.com/office/officeart/2005/8/layout/hProcess4"/>
+    <dgm:cxn modelId="{550373A8-9092-AB46-A899-793524C04490}" type="presParOf" srcId="{BB9D9D0D-EDCF-254F-8AA2-29208613B388}" destId="{82668F00-7F13-7946-9966-ECC3165B7653}" srcOrd="0" destOrd="0" presId="urn:microsoft.com/office/officeart/2005/8/layout/hProcess4"/>
+    <dgm:cxn modelId="{1222101A-0667-D945-B959-038482A20472}" type="presParOf" srcId="{BB9D9D0D-EDCF-254F-8AA2-29208613B388}" destId="{EF5A5B21-83B8-CC4D-BC36-34763142D820}" srcOrd="1" destOrd="0" presId="urn:microsoft.com/office/officeart/2005/8/layout/hProcess4"/>
+    <dgm:cxn modelId="{AFC86F91-4AED-174E-89F5-06E7B5ECEEBB}" type="presParOf" srcId="{BB9D9D0D-EDCF-254F-8AA2-29208613B388}" destId="{AA9CDB07-B5D5-224B-8FF3-C7927205DBF6}" srcOrd="2" destOrd="0" presId="urn:microsoft.com/office/officeart/2005/8/layout/hProcess4"/>
+    <dgm:cxn modelId="{A6F62434-2541-4546-8A99-AF21E32F18C8}" type="presParOf" srcId="{BB9D9D0D-EDCF-254F-8AA2-29208613B388}" destId="{A22F176F-3003-AE4D-8769-5071AE8CD28C}" srcOrd="3" destOrd="0" presId="urn:microsoft.com/office/officeart/2005/8/layout/hProcess4"/>
+    <dgm:cxn modelId="{84EAAFF5-BEBA-C646-B52A-FE29F327BA7B}" type="presParOf" srcId="{BB9D9D0D-EDCF-254F-8AA2-29208613B388}" destId="{49EB05EE-D8A4-B74E-9B12-5E39EAB3D33D}" srcOrd="4" destOrd="0" presId="urn:microsoft.com/office/officeart/2005/8/layout/hProcess4"/>
+    <dgm:cxn modelId="{31C646EE-29BF-334B-AFB9-F5DDE2A3B808}" type="presParOf" srcId="{45E98E00-F20C-994E-A848-A076DFEA3B54}" destId="{E399F14F-946B-3849-88DC-A693565F6A97}" srcOrd="5" destOrd="0" presId="urn:microsoft.com/office/officeart/2005/8/layout/hProcess4"/>
+    <dgm:cxn modelId="{D076E3B6-51EB-F343-902B-B20B4790D0AD}" type="presParOf" srcId="{45E98E00-F20C-994E-A848-A076DFEA3B54}" destId="{5EAD94B3-BAC8-624B-B0E1-5A1452558007}" srcOrd="6" destOrd="0" presId="urn:microsoft.com/office/officeart/2005/8/layout/hProcess4"/>
+    <dgm:cxn modelId="{F4A9111B-6D34-F547-9A9B-502D55F3448E}" type="presParOf" srcId="{5EAD94B3-BAC8-624B-B0E1-5A1452558007}" destId="{911EF3FE-16E4-A44B-835D-88948C6C590A}" srcOrd="0" destOrd="0" presId="urn:microsoft.com/office/officeart/2005/8/layout/hProcess4"/>
+    <dgm:cxn modelId="{E64D66CC-7186-9540-A9E4-072AE4AB7EB4}" type="presParOf" srcId="{5EAD94B3-BAC8-624B-B0E1-5A1452558007}" destId="{E7E3E7EC-E923-0C4F-998A-898D18B5ABB2}" srcOrd="1" destOrd="0" presId="urn:microsoft.com/office/officeart/2005/8/layout/hProcess4"/>
+    <dgm:cxn modelId="{7D32B969-91D4-FC46-9EFF-D23FF311BD49}" type="presParOf" srcId="{5EAD94B3-BAC8-624B-B0E1-5A1452558007}" destId="{164B5A2F-A84A-8F4B-A0CA-C67783FE0D3A}" srcOrd="2" destOrd="0" presId="urn:microsoft.com/office/officeart/2005/8/layout/hProcess4"/>
+    <dgm:cxn modelId="{58005462-8D31-3145-969E-B8533900E477}" type="presParOf" srcId="{5EAD94B3-BAC8-624B-B0E1-5A1452558007}" destId="{CF753FD8-48D9-0045-B101-21FA7AF26990}" srcOrd="3" destOrd="0" presId="urn:microsoft.com/office/officeart/2005/8/layout/hProcess4"/>
+    <dgm:cxn modelId="{A05814C3-FDA0-914C-BFED-E71EB754E33F}" type="presParOf" srcId="{5EAD94B3-BAC8-624B-B0E1-5A1452558007}" destId="{2F227C2C-239D-4B40-88B6-C808FAB7E8D2}" srcOrd="4" destOrd="0" presId="urn:microsoft.com/office/officeart/2005/8/layout/hProcess4"/>
+    <dgm:cxn modelId="{62524E6A-E59B-6B45-9374-8CF7826F0CD3}" type="presParOf" srcId="{45E98E00-F20C-994E-A848-A076DFEA3B54}" destId="{016C73A8-2C81-5244-B90D-AA2971579AE6}" srcOrd="7" destOrd="0" presId="urn:microsoft.com/office/officeart/2005/8/layout/hProcess4"/>
+    <dgm:cxn modelId="{5814AEB6-7A94-224A-A67E-C292DB480D39}" type="presParOf" srcId="{45E98E00-F20C-994E-A848-A076DFEA3B54}" destId="{C7DF9B4E-E20E-E54E-B7DC-6D020DCC95E0}" srcOrd="8" destOrd="0" presId="urn:microsoft.com/office/officeart/2005/8/layout/hProcess4"/>
+    <dgm:cxn modelId="{2613F40B-82F5-D44B-B0B7-1DACF35ED3DC}" type="presParOf" srcId="{C7DF9B4E-E20E-E54E-B7DC-6D020DCC95E0}" destId="{46081437-1B39-E444-8CBF-D8F52439CEB2}" srcOrd="0" destOrd="0" presId="urn:microsoft.com/office/officeart/2005/8/layout/hProcess4"/>
+    <dgm:cxn modelId="{E2DF17AB-6832-4B41-AEDE-421786C10748}" type="presParOf" srcId="{C7DF9B4E-E20E-E54E-B7DC-6D020DCC95E0}" destId="{4BB2E9B3-D583-9E46-990E-1FA33A4D73F3}" srcOrd="1" destOrd="0" presId="urn:microsoft.com/office/officeart/2005/8/layout/hProcess4"/>
+    <dgm:cxn modelId="{2AA69F03-79B9-254C-A4DA-92D0CF10A202}" type="presParOf" srcId="{C7DF9B4E-E20E-E54E-B7DC-6D020DCC95E0}" destId="{E1F92478-D6E2-DA4F-ABCB-F288B99165E0}" srcOrd="2" destOrd="0" presId="urn:microsoft.com/office/officeart/2005/8/layout/hProcess4"/>
+    <dgm:cxn modelId="{DE08EE26-0EE6-3C4A-9CBF-D8920C5A5DF7}" type="presParOf" srcId="{C7DF9B4E-E20E-E54E-B7DC-6D020DCC95E0}" destId="{0761771F-B511-2944-9F94-5314EFACB81B}" srcOrd="3" destOrd="0" presId="urn:microsoft.com/office/officeart/2005/8/layout/hProcess4"/>
+    <dgm:cxn modelId="{626E3A49-BEC4-4D41-8F94-0A292C9C2DBA}" type="presParOf" srcId="{C7DF9B4E-E20E-E54E-B7DC-6D020DCC95E0}" destId="{90AE43E4-F9DB-4443-BB71-B1ABE08FA3C5}" srcOrd="4" destOrd="0" presId="urn:microsoft.com/office/officeart/2005/8/layout/hProcess4"/>
+    <dgm:cxn modelId="{421E49EE-A403-894E-97EC-120A4067BEE4}" type="presParOf" srcId="{45E98E00-F20C-994E-A848-A076DFEA3B54}" destId="{97E6CE83-B6FD-8D4A-B62F-FAAFFE69AB80}" srcOrd="9" destOrd="0" presId="urn:microsoft.com/office/officeart/2005/8/layout/hProcess4"/>
+    <dgm:cxn modelId="{116BAC18-8F95-3D42-8603-F9343036D73A}" type="presParOf" srcId="{45E98E00-F20C-994E-A848-A076DFEA3B54}" destId="{4C52052C-6E44-A74A-B15A-0A84B9137531}" srcOrd="10" destOrd="0" presId="urn:microsoft.com/office/officeart/2005/8/layout/hProcess4"/>
+    <dgm:cxn modelId="{7D477AAA-42CB-F444-8D98-D3D13C420326}" type="presParOf" srcId="{4C52052C-6E44-A74A-B15A-0A84B9137531}" destId="{DC0E8B5C-6571-4044-A87F-3401C7CF3480}" srcOrd="0" destOrd="0" presId="urn:microsoft.com/office/officeart/2005/8/layout/hProcess4"/>
+    <dgm:cxn modelId="{471DB988-E0C9-6B43-ABB3-7DA2DA32E498}" type="presParOf" srcId="{4C52052C-6E44-A74A-B15A-0A84B9137531}" destId="{15516A2A-B101-2D43-9CC1-A3E92405364B}" srcOrd="1" destOrd="0" presId="urn:microsoft.com/office/officeart/2005/8/layout/hProcess4"/>
+    <dgm:cxn modelId="{92261721-E919-DB42-A33A-C890B808B5E6}" type="presParOf" srcId="{4C52052C-6E44-A74A-B15A-0A84B9137531}" destId="{46940DAC-464E-E44F-8B91-86DEDA51697D}" srcOrd="2" destOrd="0" presId="urn:microsoft.com/office/officeart/2005/8/layout/hProcess4"/>
+    <dgm:cxn modelId="{5D0E6F8A-4A72-6044-B97F-C7ACBF40C549}" type="presParOf" srcId="{4C52052C-6E44-A74A-B15A-0A84B9137531}" destId="{3499A203-41C3-9A45-ADB6-432C1C32549C}" srcOrd="3" destOrd="0" presId="urn:microsoft.com/office/officeart/2005/8/layout/hProcess4"/>
+    <dgm:cxn modelId="{41F9B619-30FE-BE4D-965E-1BD4C2238BA1}" type="presParOf" srcId="{4C52052C-6E44-A74A-B15A-0A84B9137531}" destId="{80566312-8144-7F4D-ACFB-B1432DB31A23}" srcOrd="4" destOrd="0" presId="urn:microsoft.com/office/officeart/2005/8/layout/hProcess4"/>
+  </dgm:cxnLst>
+  <dgm:bg/>
+  <dgm:whole/>
+  <dgm:extLst>
+    <a:ext uri="http://schemas.microsoft.com/office/drawing/2008/diagram">
+      <dsp:dataModelExt xmlns:dsp="http://schemas.microsoft.com/office/drawing/2008/diagram" relId="rId7" minVer="http://schemas.openxmlformats.org/drawingml/2006/diagram"/>
+    </a:ext>
+  </dgm:extLst>
+</dgm:dataModel>
+</file>
+
+<file path=ppt/diagrams/drawing1.xml><?xml version="1.0" encoding="utf-8"?>
+<dsp:drawing xmlns:dgm="http://schemas.openxmlformats.org/drawingml/2006/diagram" xmlns:dsp="http://schemas.microsoft.com/office/drawing/2008/diagram" xmlns:a="http://schemas.openxmlformats.org/drawingml/2006/main">
+  <dsp:spTree>
+    <dsp:nvGrpSpPr>
+      <dsp:cNvPr id="0" name=""/>
+      <dsp:cNvGrpSpPr/>
+    </dsp:nvGrpSpPr>
+    <dsp:grpSpPr/>
+    <dsp:sp modelId="{22D4E3EB-9DA9-5D42-8277-339B04C244E2}">
+      <dsp:nvSpPr>
+        <dsp:cNvPr id="0" name=""/>
+        <dsp:cNvSpPr/>
+      </dsp:nvSpPr>
+      <dsp:spPr>
+        <a:xfrm>
+          <a:off x="4486" y="2072124"/>
+          <a:ext cx="1545141" cy="1274418"/>
+        </a:xfrm>
+        <a:prstGeom prst="roundRect">
+          <a:avLst>
+            <a:gd name="adj" fmla="val 10000"/>
+          </a:avLst>
+        </a:prstGeom>
+        <a:solidFill>
+          <a:schemeClr val="lt1">
+            <a:alpha val="90000"/>
+            <a:hueOff val="0"/>
+            <a:satOff val="0"/>
+            <a:lumOff val="0"/>
+            <a:alphaOff val="0"/>
+          </a:schemeClr>
+        </a:solidFill>
+        <a:ln w="12700" cap="flat" cmpd="sng" algn="ctr">
+          <a:solidFill>
+            <a:schemeClr val="accent1">
+              <a:hueOff val="0"/>
+              <a:satOff val="0"/>
+              <a:lumOff val="0"/>
+              <a:alphaOff val="0"/>
+            </a:schemeClr>
+          </a:solidFill>
+          <a:prstDash val="solid"/>
+          <a:miter lim="800000"/>
+        </a:ln>
+        <a:effectLst/>
+      </dsp:spPr>
+      <dsp:style>
+        <a:lnRef idx="2">
+          <a:scrgbClr r="0" g="0" b="0"/>
+        </a:lnRef>
+        <a:fillRef idx="1">
+          <a:scrgbClr r="0" g="0" b="0"/>
+        </a:fillRef>
+        <a:effectRef idx="0">
+          <a:scrgbClr r="0" g="0" b="0"/>
+        </a:effectRef>
+        <a:fontRef idx="minor"/>
+      </dsp:style>
+      <dsp:txBody>
+        <a:bodyPr spcFirstLastPara="0" vert="horz" wrap="square" lIns="32385" tIns="32385" rIns="32385" bIns="32385" numCol="1" spcCol="1270" anchor="t" anchorCtr="0">
+          <a:noAutofit/>
+        </a:bodyPr>
+        <a:lstStyle/>
+        <a:p>
+          <a:pPr marL="171450" lvl="1" indent="-171450" algn="l" defTabSz="755650">
+            <a:lnSpc>
+              <a:spcPct val="90000"/>
+            </a:lnSpc>
+            <a:spcBef>
+              <a:spcPct val="0"/>
+            </a:spcBef>
+            <a:spcAft>
+              <a:spcPct val="15000"/>
+            </a:spcAft>
+            <a:buChar char="•"/>
+          </a:pPr>
+          <a:endParaRPr lang="en-US" sz="1700" kern="1200" dirty="0"/>
+        </a:p>
+        <a:p>
+          <a:pPr marL="171450" lvl="1" indent="-171450" algn="l" defTabSz="755650">
+            <a:lnSpc>
+              <a:spcPct val="90000"/>
+            </a:lnSpc>
+            <a:spcBef>
+              <a:spcPct val="0"/>
+            </a:spcBef>
+            <a:spcAft>
+              <a:spcPct val="15000"/>
+            </a:spcAft>
+            <a:buChar char="•"/>
+          </a:pPr>
+          <a:r>
+            <a:rPr lang="en-US" sz="1700" kern="1200" dirty="0"/>
+            <a:t>SFU Research</a:t>
+          </a:r>
+        </a:p>
+      </dsp:txBody>
+      <dsp:txXfrm>
+        <a:off x="33814" y="2101452"/>
+        <a:ext cx="1486485" cy="942672"/>
+      </dsp:txXfrm>
+    </dsp:sp>
+    <dsp:sp modelId="{C86A7B7C-85EA-7349-A9FF-919FCE695C89}">
+      <dsp:nvSpPr>
+        <dsp:cNvPr id="0" name=""/>
+        <dsp:cNvSpPr/>
+      </dsp:nvSpPr>
+      <dsp:spPr>
+        <a:xfrm>
+          <a:off x="865189" y="2348259"/>
+          <a:ext cx="1744469" cy="1744469"/>
+        </a:xfrm>
+        <a:prstGeom prst="leftCircularArrow">
+          <a:avLst>
+            <a:gd name="adj1" fmla="val 3385"/>
+            <a:gd name="adj2" fmla="val 418811"/>
+            <a:gd name="adj3" fmla="val 2194322"/>
+            <a:gd name="adj4" fmla="val 9024489"/>
+            <a:gd name="adj5" fmla="val 3949"/>
+          </a:avLst>
+        </a:prstGeom>
+        <a:solidFill>
+          <a:schemeClr val="accent1">
+            <a:tint val="60000"/>
+            <a:hueOff val="0"/>
+            <a:satOff val="0"/>
+            <a:lumOff val="0"/>
+            <a:alphaOff val="0"/>
+          </a:schemeClr>
+        </a:solidFill>
+        <a:ln>
+          <a:noFill/>
+        </a:ln>
+        <a:effectLst/>
+      </dsp:spPr>
+      <dsp:style>
+        <a:lnRef idx="0">
+          <a:scrgbClr r="0" g="0" b="0"/>
+        </a:lnRef>
+        <a:fillRef idx="1">
+          <a:scrgbClr r="0" g="0" b="0"/>
+        </a:fillRef>
+        <a:effectRef idx="0">
+          <a:scrgbClr r="0" g="0" b="0"/>
+        </a:effectRef>
+        <a:fontRef idx="minor">
+          <a:schemeClr val="lt1"/>
+        </a:fontRef>
+      </dsp:style>
+    </dsp:sp>
+    <dsp:sp modelId="{A6260D53-AF74-3A44-B703-032707E8EE22}">
+      <dsp:nvSpPr>
+        <dsp:cNvPr id="0" name=""/>
+        <dsp:cNvSpPr/>
+      </dsp:nvSpPr>
+      <dsp:spPr>
+        <a:xfrm>
+          <a:off x="347851" y="3073453"/>
+          <a:ext cx="1373459" cy="546179"/>
+        </a:xfrm>
+        <a:prstGeom prst="roundRect">
+          <a:avLst>
+            <a:gd name="adj" fmla="val 10000"/>
+          </a:avLst>
+        </a:prstGeom>
+        <a:solidFill>
+          <a:schemeClr val="accent1">
+            <a:hueOff val="0"/>
+            <a:satOff val="0"/>
+            <a:lumOff val="0"/>
+            <a:alphaOff val="0"/>
+          </a:schemeClr>
+        </a:solidFill>
+        <a:ln w="12700" cap="flat" cmpd="sng" algn="ctr">
+          <a:solidFill>
+            <a:schemeClr val="lt1">
+              <a:hueOff val="0"/>
+              <a:satOff val="0"/>
+              <a:lumOff val="0"/>
+              <a:alphaOff val="0"/>
+            </a:schemeClr>
+          </a:solidFill>
+          <a:prstDash val="solid"/>
+          <a:miter lim="800000"/>
+        </a:ln>
+        <a:effectLst/>
+      </dsp:spPr>
+      <dsp:style>
+        <a:lnRef idx="2">
+          <a:scrgbClr r="0" g="0" b="0"/>
+        </a:lnRef>
+        <a:fillRef idx="1">
+          <a:scrgbClr r="0" g="0" b="0"/>
+        </a:fillRef>
+        <a:effectRef idx="0">
+          <a:scrgbClr r="0" g="0" b="0"/>
+        </a:effectRef>
+        <a:fontRef idx="minor">
+          <a:schemeClr val="lt1"/>
+        </a:fontRef>
+      </dsp:style>
+      <dsp:txBody>
+        <a:bodyPr spcFirstLastPara="0" vert="horz" wrap="square" lIns="30480" tIns="20320" rIns="30480" bIns="20320" numCol="1" spcCol="1270" anchor="ctr" anchorCtr="0">
+          <a:noAutofit/>
+        </a:bodyPr>
+        <a:lstStyle/>
+        <a:p>
+          <a:pPr marL="0" lvl="0" indent="0" algn="ctr" defTabSz="711200">
+            <a:lnSpc>
+              <a:spcPct val="90000"/>
+            </a:lnSpc>
+            <a:spcBef>
+              <a:spcPct val="0"/>
+            </a:spcBef>
+            <a:spcAft>
+              <a:spcPct val="35000"/>
+            </a:spcAft>
+            <a:buNone/>
+          </a:pPr>
+          <a:r>
+            <a:rPr lang="en-US" sz="1600" b="1" kern="1200" dirty="0"/>
+            <a:t>Understand the problem</a:t>
+          </a:r>
+        </a:p>
+      </dsp:txBody>
+      <dsp:txXfrm>
+        <a:off x="363848" y="3089450"/>
+        <a:ext cx="1341465" cy="514185"/>
+      </dsp:txXfrm>
+    </dsp:sp>
+    <dsp:sp modelId="{4B70CEFF-385A-2F4B-99C2-34B30B74491D}">
+      <dsp:nvSpPr>
+        <dsp:cNvPr id="0" name=""/>
+        <dsp:cNvSpPr/>
+      </dsp:nvSpPr>
+      <dsp:spPr>
+        <a:xfrm>
+          <a:off x="2002477" y="2072124"/>
+          <a:ext cx="1545141" cy="1274418"/>
+        </a:xfrm>
+        <a:prstGeom prst="roundRect">
+          <a:avLst>
+            <a:gd name="adj" fmla="val 10000"/>
+          </a:avLst>
+        </a:prstGeom>
+        <a:solidFill>
+          <a:schemeClr val="lt1">
+            <a:alpha val="90000"/>
+            <a:hueOff val="0"/>
+            <a:satOff val="0"/>
+            <a:lumOff val="0"/>
+            <a:alphaOff val="0"/>
+          </a:schemeClr>
+        </a:solidFill>
+        <a:ln w="12700" cap="flat" cmpd="sng" algn="ctr">
+          <a:solidFill>
+            <a:schemeClr val="accent1">
+              <a:hueOff val="0"/>
+              <a:satOff val="0"/>
+              <a:lumOff val="0"/>
+              <a:alphaOff val="0"/>
+            </a:schemeClr>
+          </a:solidFill>
+          <a:prstDash val="solid"/>
+          <a:miter lim="800000"/>
+        </a:ln>
+        <a:effectLst/>
+      </dsp:spPr>
+      <dsp:style>
+        <a:lnRef idx="2">
+          <a:scrgbClr r="0" g="0" b="0"/>
+        </a:lnRef>
+        <a:fillRef idx="1">
+          <a:scrgbClr r="0" g="0" b="0"/>
+        </a:fillRef>
+        <a:effectRef idx="0">
+          <a:scrgbClr r="0" g="0" b="0"/>
+        </a:effectRef>
+        <a:fontRef idx="minor"/>
+      </dsp:style>
+      <dsp:txBody>
+        <a:bodyPr spcFirstLastPara="0" vert="horz" wrap="square" lIns="32385" tIns="32385" rIns="32385" bIns="32385" numCol="1" spcCol="1270" anchor="t" anchorCtr="0">
+          <a:noAutofit/>
+        </a:bodyPr>
+        <a:lstStyle/>
+        <a:p>
+          <a:pPr marL="171450" lvl="1" indent="-171450" algn="l" defTabSz="755650">
+            <a:lnSpc>
+              <a:spcPct val="90000"/>
+            </a:lnSpc>
+            <a:spcBef>
+              <a:spcPct val="0"/>
+            </a:spcBef>
+            <a:spcAft>
+              <a:spcPct val="15000"/>
+            </a:spcAft>
+            <a:buChar char="•"/>
+          </a:pPr>
+          <a:r>
+            <a:rPr lang="en-US" sz="1700" kern="1200" dirty="0"/>
+            <a:t>Other Sensors</a:t>
+          </a:r>
+        </a:p>
+        <a:p>
+          <a:pPr marL="171450" lvl="1" indent="-171450" algn="l" defTabSz="755650">
+            <a:lnSpc>
+              <a:spcPct val="90000"/>
+            </a:lnSpc>
+            <a:spcBef>
+              <a:spcPct val="0"/>
+            </a:spcBef>
+            <a:spcAft>
+              <a:spcPct val="15000"/>
+            </a:spcAft>
+            <a:buChar char="•"/>
+          </a:pPr>
+          <a:r>
+            <a:rPr lang="en-US" sz="1700" kern="1200" dirty="0"/>
+            <a:t>Quality Check</a:t>
+          </a:r>
+        </a:p>
+      </dsp:txBody>
+      <dsp:txXfrm>
+        <a:off x="2031805" y="2374541"/>
+        <a:ext cx="1486485" cy="942672"/>
+      </dsp:txXfrm>
+    </dsp:sp>
+    <dsp:sp modelId="{DE59BD45-FAE2-FA4B-AE5C-FC0EA4B29E84}">
+      <dsp:nvSpPr>
+        <dsp:cNvPr id="0" name=""/>
+        <dsp:cNvSpPr/>
+      </dsp:nvSpPr>
+      <dsp:spPr>
+        <a:xfrm>
+          <a:off x="2850303" y="1275968"/>
+          <a:ext cx="1941904" cy="1941904"/>
+        </a:xfrm>
+        <a:prstGeom prst="circularArrow">
+          <a:avLst>
+            <a:gd name="adj1" fmla="val 3041"/>
+            <a:gd name="adj2" fmla="val 373180"/>
+            <a:gd name="adj3" fmla="val 19451310"/>
+            <a:gd name="adj4" fmla="val 12575511"/>
+            <a:gd name="adj5" fmla="val 3547"/>
+          </a:avLst>
+        </a:prstGeom>
+        <a:solidFill>
+          <a:schemeClr val="accent1">
+            <a:tint val="60000"/>
+            <a:hueOff val="0"/>
+            <a:satOff val="0"/>
+            <a:lumOff val="0"/>
+            <a:alphaOff val="0"/>
+          </a:schemeClr>
+        </a:solidFill>
+        <a:ln>
+          <a:noFill/>
+        </a:ln>
+        <a:effectLst/>
+      </dsp:spPr>
+      <dsp:style>
+        <a:lnRef idx="0">
+          <a:scrgbClr r="0" g="0" b="0"/>
+        </a:lnRef>
+        <a:fillRef idx="1">
+          <a:scrgbClr r="0" g="0" b="0"/>
+        </a:fillRef>
+        <a:effectRef idx="0">
+          <a:scrgbClr r="0" g="0" b="0"/>
+        </a:effectRef>
+        <a:fontRef idx="minor">
+          <a:schemeClr val="lt1"/>
+        </a:fontRef>
+      </dsp:style>
+    </dsp:sp>
+    <dsp:sp modelId="{C2BE450A-3F95-8D4B-AF3D-A04659C252AC}">
+      <dsp:nvSpPr>
+        <dsp:cNvPr id="0" name=""/>
+        <dsp:cNvSpPr/>
+      </dsp:nvSpPr>
+      <dsp:spPr>
+        <a:xfrm>
+          <a:off x="2345842" y="1799034"/>
+          <a:ext cx="1373459" cy="546179"/>
+        </a:xfrm>
+        <a:prstGeom prst="roundRect">
+          <a:avLst>
+            <a:gd name="adj" fmla="val 10000"/>
+          </a:avLst>
+        </a:prstGeom>
+        <a:solidFill>
+          <a:schemeClr val="accent1">
+            <a:hueOff val="0"/>
+            <a:satOff val="0"/>
+            <a:lumOff val="0"/>
+            <a:alphaOff val="0"/>
+          </a:schemeClr>
+        </a:solidFill>
+        <a:ln w="12700" cap="flat" cmpd="sng" algn="ctr">
+          <a:solidFill>
+            <a:schemeClr val="lt1">
+              <a:hueOff val="0"/>
+              <a:satOff val="0"/>
+              <a:lumOff val="0"/>
+              <a:alphaOff val="0"/>
+            </a:schemeClr>
+          </a:solidFill>
+          <a:prstDash val="solid"/>
+          <a:miter lim="800000"/>
+        </a:ln>
+        <a:effectLst/>
+      </dsp:spPr>
+      <dsp:style>
+        <a:lnRef idx="2">
+          <a:scrgbClr r="0" g="0" b="0"/>
+        </a:lnRef>
+        <a:fillRef idx="1">
+          <a:scrgbClr r="0" g="0" b="0"/>
+        </a:fillRef>
+        <a:effectRef idx="0">
+          <a:scrgbClr r="0" g="0" b="0"/>
+        </a:effectRef>
+        <a:fontRef idx="minor">
+          <a:schemeClr val="lt1"/>
+        </a:fontRef>
+      </dsp:style>
+      <dsp:txBody>
+        <a:bodyPr spcFirstLastPara="0" vert="horz" wrap="square" lIns="30480" tIns="20320" rIns="30480" bIns="20320" numCol="1" spcCol="1270" anchor="ctr" anchorCtr="0">
+          <a:noAutofit/>
+        </a:bodyPr>
+        <a:lstStyle/>
+        <a:p>
+          <a:pPr marL="0" lvl="0" indent="0" algn="ctr" defTabSz="711200">
+            <a:lnSpc>
+              <a:spcPct val="90000"/>
+            </a:lnSpc>
+            <a:spcBef>
+              <a:spcPct val="0"/>
+            </a:spcBef>
+            <a:spcAft>
+              <a:spcPct val="35000"/>
+            </a:spcAft>
+            <a:buNone/>
+          </a:pPr>
+          <a:r>
+            <a:rPr lang="en-US" sz="1600" b="1" kern="1200" dirty="0"/>
+            <a:t>Exploratory Data Analysis</a:t>
+          </a:r>
+        </a:p>
+      </dsp:txBody>
+      <dsp:txXfrm>
+        <a:off x="2361839" y="1815031"/>
+        <a:ext cx="1341465" cy="514185"/>
+      </dsp:txXfrm>
+    </dsp:sp>
+    <dsp:sp modelId="{EF5A5B21-83B8-CC4D-BC36-34763142D820}">
+      <dsp:nvSpPr>
+        <dsp:cNvPr id="0" name=""/>
+        <dsp:cNvSpPr/>
+      </dsp:nvSpPr>
+      <dsp:spPr>
+        <a:xfrm>
+          <a:off x="4000467" y="2072124"/>
+          <a:ext cx="1545141" cy="1274418"/>
+        </a:xfrm>
+        <a:prstGeom prst="roundRect">
+          <a:avLst>
+            <a:gd name="adj" fmla="val 10000"/>
+          </a:avLst>
+        </a:prstGeom>
+        <a:solidFill>
+          <a:schemeClr val="lt1">
+            <a:alpha val="90000"/>
+            <a:hueOff val="0"/>
+            <a:satOff val="0"/>
+            <a:lumOff val="0"/>
+            <a:alphaOff val="0"/>
+          </a:schemeClr>
+        </a:solidFill>
+        <a:ln w="12700" cap="flat" cmpd="sng" algn="ctr">
+          <a:solidFill>
+            <a:schemeClr val="accent1">
+              <a:hueOff val="0"/>
+              <a:satOff val="0"/>
+              <a:lumOff val="0"/>
+              <a:alphaOff val="0"/>
+            </a:schemeClr>
+          </a:solidFill>
+          <a:prstDash val="solid"/>
+          <a:miter lim="800000"/>
+        </a:ln>
+        <a:effectLst/>
+      </dsp:spPr>
+      <dsp:style>
+        <a:lnRef idx="2">
+          <a:scrgbClr r="0" g="0" b="0"/>
+        </a:lnRef>
+        <a:fillRef idx="1">
+          <a:scrgbClr r="0" g="0" b="0"/>
+        </a:fillRef>
+        <a:effectRef idx="0">
+          <a:scrgbClr r="0" g="0" b="0"/>
+        </a:effectRef>
+        <a:fontRef idx="minor"/>
+      </dsp:style>
+      <dsp:txBody>
+        <a:bodyPr spcFirstLastPara="0" vert="horz" wrap="square" lIns="32385" tIns="32385" rIns="32385" bIns="32385" numCol="1" spcCol="1270" anchor="t" anchorCtr="0">
+          <a:noAutofit/>
+        </a:bodyPr>
+        <a:lstStyle/>
+        <a:p>
+          <a:pPr marL="171450" lvl="1" indent="-171450" algn="l" defTabSz="755650">
+            <a:lnSpc>
+              <a:spcPct val="90000"/>
+            </a:lnSpc>
+            <a:spcBef>
+              <a:spcPct val="0"/>
+            </a:spcBef>
+            <a:spcAft>
+              <a:spcPct val="15000"/>
+            </a:spcAft>
+            <a:buChar char="•"/>
+          </a:pPr>
+          <a:r>
+            <a:rPr lang="en-US" sz="1700" kern="1200" dirty="0"/>
+            <a:t>Mean and Variance</a:t>
+          </a:r>
+        </a:p>
+        <a:p>
+          <a:pPr marL="171450" lvl="1" indent="-171450" algn="l" defTabSz="755650">
+            <a:lnSpc>
+              <a:spcPct val="90000"/>
+            </a:lnSpc>
+            <a:spcBef>
+              <a:spcPct val="0"/>
+            </a:spcBef>
+            <a:spcAft>
+              <a:spcPct val="15000"/>
+            </a:spcAft>
+            <a:buChar char="•"/>
+          </a:pPr>
+          <a:r>
+            <a:rPr lang="en-US" sz="1700" kern="1200" dirty="0"/>
+            <a:t>2.5s groups</a:t>
+          </a:r>
+        </a:p>
+      </dsp:txBody>
+      <dsp:txXfrm>
+        <a:off x="4029795" y="2101452"/>
+        <a:ext cx="1486485" cy="942672"/>
+      </dsp:txXfrm>
+    </dsp:sp>
+    <dsp:sp modelId="{E399F14F-946B-3849-88DC-A693565F6A97}">
+      <dsp:nvSpPr>
+        <dsp:cNvPr id="0" name=""/>
+        <dsp:cNvSpPr/>
+      </dsp:nvSpPr>
+      <dsp:spPr>
+        <a:xfrm>
+          <a:off x="4861170" y="2348259"/>
+          <a:ext cx="1744469" cy="1744469"/>
+        </a:xfrm>
+        <a:prstGeom prst="leftCircularArrow">
+          <a:avLst>
+            <a:gd name="adj1" fmla="val 3385"/>
+            <a:gd name="adj2" fmla="val 418811"/>
+            <a:gd name="adj3" fmla="val 2194322"/>
+            <a:gd name="adj4" fmla="val 9024489"/>
+            <a:gd name="adj5" fmla="val 3949"/>
+          </a:avLst>
+        </a:prstGeom>
+        <a:solidFill>
+          <a:schemeClr val="accent1">
+            <a:tint val="60000"/>
+            <a:hueOff val="0"/>
+            <a:satOff val="0"/>
+            <a:lumOff val="0"/>
+            <a:alphaOff val="0"/>
+          </a:schemeClr>
+        </a:solidFill>
+        <a:ln>
+          <a:noFill/>
+        </a:ln>
+        <a:effectLst/>
+      </dsp:spPr>
+      <dsp:style>
+        <a:lnRef idx="0">
+          <a:scrgbClr r="0" g="0" b="0"/>
+        </a:lnRef>
+        <a:fillRef idx="1">
+          <a:scrgbClr r="0" g="0" b="0"/>
+        </a:fillRef>
+        <a:effectRef idx="0">
+          <a:scrgbClr r="0" g="0" b="0"/>
+        </a:effectRef>
+        <a:fontRef idx="minor">
+          <a:schemeClr val="lt1"/>
+        </a:fontRef>
+      </dsp:style>
+    </dsp:sp>
+    <dsp:sp modelId="{A22F176F-3003-AE4D-8769-5071AE8CD28C}">
+      <dsp:nvSpPr>
+        <dsp:cNvPr id="0" name=""/>
+        <dsp:cNvSpPr/>
+      </dsp:nvSpPr>
+      <dsp:spPr>
+        <a:xfrm>
+          <a:off x="4343832" y="3073453"/>
+          <a:ext cx="1373459" cy="546179"/>
+        </a:xfrm>
+        <a:prstGeom prst="roundRect">
+          <a:avLst>
+            <a:gd name="adj" fmla="val 10000"/>
+          </a:avLst>
+        </a:prstGeom>
+        <a:solidFill>
+          <a:schemeClr val="accent1">
+            <a:hueOff val="0"/>
+            <a:satOff val="0"/>
+            <a:lumOff val="0"/>
+            <a:alphaOff val="0"/>
+          </a:schemeClr>
+        </a:solidFill>
+        <a:ln w="12700" cap="flat" cmpd="sng" algn="ctr">
+          <a:solidFill>
+            <a:schemeClr val="lt1">
+              <a:hueOff val="0"/>
+              <a:satOff val="0"/>
+              <a:lumOff val="0"/>
+              <a:alphaOff val="0"/>
+            </a:schemeClr>
+          </a:solidFill>
+          <a:prstDash val="solid"/>
+          <a:miter lim="800000"/>
+        </a:ln>
+        <a:effectLst/>
+      </dsp:spPr>
+      <dsp:style>
+        <a:lnRef idx="2">
+          <a:scrgbClr r="0" g="0" b="0"/>
+        </a:lnRef>
+        <a:fillRef idx="1">
+          <a:scrgbClr r="0" g="0" b="0"/>
+        </a:fillRef>
+        <a:effectRef idx="0">
+          <a:scrgbClr r="0" g="0" b="0"/>
+        </a:effectRef>
+        <a:fontRef idx="minor">
+          <a:schemeClr val="lt1"/>
+        </a:fontRef>
+      </dsp:style>
+      <dsp:txBody>
+        <a:bodyPr spcFirstLastPara="0" vert="horz" wrap="square" lIns="30480" tIns="20320" rIns="30480" bIns="20320" numCol="1" spcCol="1270" anchor="ctr" anchorCtr="0">
+          <a:noAutofit/>
+        </a:bodyPr>
+        <a:lstStyle/>
+        <a:p>
+          <a:pPr marL="0" lvl="0" indent="0" algn="ctr" defTabSz="711200">
+            <a:lnSpc>
+              <a:spcPct val="90000"/>
+            </a:lnSpc>
+            <a:spcBef>
+              <a:spcPct val="0"/>
+            </a:spcBef>
+            <a:spcAft>
+              <a:spcPct val="35000"/>
+            </a:spcAft>
+            <a:buNone/>
+          </a:pPr>
+          <a:r>
+            <a:rPr lang="en-US" sz="1600" b="1" kern="1200" dirty="0"/>
+            <a:t>Preprocessing</a:t>
+          </a:r>
+        </a:p>
+      </dsp:txBody>
+      <dsp:txXfrm>
+        <a:off x="4359829" y="3089450"/>
+        <a:ext cx="1341465" cy="514185"/>
+      </dsp:txXfrm>
+    </dsp:sp>
+    <dsp:sp modelId="{E7E3E7EC-E923-0C4F-998A-898D18B5ABB2}">
+      <dsp:nvSpPr>
+        <dsp:cNvPr id="0" name=""/>
+        <dsp:cNvSpPr/>
+      </dsp:nvSpPr>
+      <dsp:spPr>
+        <a:xfrm>
+          <a:off x="5998458" y="2072124"/>
+          <a:ext cx="1545141" cy="1274418"/>
+        </a:xfrm>
+        <a:prstGeom prst="roundRect">
+          <a:avLst>
+            <a:gd name="adj" fmla="val 10000"/>
+          </a:avLst>
+        </a:prstGeom>
+        <a:solidFill>
+          <a:schemeClr val="lt1">
+            <a:alpha val="90000"/>
+            <a:hueOff val="0"/>
+            <a:satOff val="0"/>
+            <a:lumOff val="0"/>
+            <a:alphaOff val="0"/>
+          </a:schemeClr>
+        </a:solidFill>
+        <a:ln w="12700" cap="flat" cmpd="sng" algn="ctr">
+          <a:solidFill>
+            <a:schemeClr val="accent1">
+              <a:hueOff val="0"/>
+              <a:satOff val="0"/>
+              <a:lumOff val="0"/>
+              <a:alphaOff val="0"/>
+            </a:schemeClr>
+          </a:solidFill>
+          <a:prstDash val="solid"/>
+          <a:miter lim="800000"/>
+        </a:ln>
+        <a:effectLst/>
+      </dsp:spPr>
+      <dsp:style>
+        <a:lnRef idx="2">
+          <a:scrgbClr r="0" g="0" b="0"/>
+        </a:lnRef>
+        <a:fillRef idx="1">
+          <a:scrgbClr r="0" g="0" b="0"/>
+        </a:fillRef>
+        <a:effectRef idx="0">
+          <a:scrgbClr r="0" g="0" b="0"/>
+        </a:effectRef>
+        <a:fontRef idx="minor"/>
+      </dsp:style>
+      <dsp:txBody>
+        <a:bodyPr spcFirstLastPara="0" vert="horz" wrap="square" lIns="32385" tIns="32385" rIns="32385" bIns="32385" numCol="1" spcCol="1270" anchor="t" anchorCtr="0">
+          <a:noAutofit/>
+        </a:bodyPr>
+        <a:lstStyle/>
+        <a:p>
+          <a:pPr marL="171450" lvl="1" indent="-171450" algn="l" defTabSz="755650">
+            <a:lnSpc>
+              <a:spcPct val="90000"/>
+            </a:lnSpc>
+            <a:spcBef>
+              <a:spcPct val="0"/>
+            </a:spcBef>
+            <a:spcAft>
+              <a:spcPct val="15000"/>
+            </a:spcAft>
+            <a:buChar char="•"/>
+          </a:pPr>
+          <a:r>
+            <a:rPr lang="en-US" sz="1700" b="0" kern="1200" dirty="0"/>
+            <a:t>Replicate Research (best Model)</a:t>
+          </a:r>
+        </a:p>
+      </dsp:txBody>
+      <dsp:txXfrm>
+        <a:off x="6027786" y="2374541"/>
+        <a:ext cx="1486485" cy="942672"/>
+      </dsp:txXfrm>
+    </dsp:sp>
+    <dsp:sp modelId="{016C73A8-2C81-5244-B90D-AA2971579AE6}">
+      <dsp:nvSpPr>
+        <dsp:cNvPr id="0" name=""/>
+        <dsp:cNvSpPr/>
+      </dsp:nvSpPr>
+      <dsp:spPr>
+        <a:xfrm>
+          <a:off x="6846284" y="1275968"/>
+          <a:ext cx="1941904" cy="1941904"/>
+        </a:xfrm>
+        <a:prstGeom prst="circularArrow">
+          <a:avLst>
+            <a:gd name="adj1" fmla="val 3041"/>
+            <a:gd name="adj2" fmla="val 373180"/>
+            <a:gd name="adj3" fmla="val 19451310"/>
+            <a:gd name="adj4" fmla="val 12575511"/>
+            <a:gd name="adj5" fmla="val 3547"/>
+          </a:avLst>
+        </a:prstGeom>
+        <a:solidFill>
+          <a:schemeClr val="accent1">
+            <a:tint val="60000"/>
+            <a:hueOff val="0"/>
+            <a:satOff val="0"/>
+            <a:lumOff val="0"/>
+            <a:alphaOff val="0"/>
+          </a:schemeClr>
+        </a:solidFill>
+        <a:ln>
+          <a:noFill/>
+        </a:ln>
+        <a:effectLst/>
+      </dsp:spPr>
+      <dsp:style>
+        <a:lnRef idx="0">
+          <a:scrgbClr r="0" g="0" b="0"/>
+        </a:lnRef>
+        <a:fillRef idx="1">
+          <a:scrgbClr r="0" g="0" b="0"/>
+        </a:fillRef>
+        <a:effectRef idx="0">
+          <a:scrgbClr r="0" g="0" b="0"/>
+        </a:effectRef>
+        <a:fontRef idx="minor">
+          <a:schemeClr val="lt1"/>
+        </a:fontRef>
+      </dsp:style>
+    </dsp:sp>
+    <dsp:sp modelId="{CF753FD8-48D9-0045-B101-21FA7AF26990}">
+      <dsp:nvSpPr>
+        <dsp:cNvPr id="0" name=""/>
+        <dsp:cNvSpPr/>
+      </dsp:nvSpPr>
+      <dsp:spPr>
+        <a:xfrm>
+          <a:off x="6341823" y="1799034"/>
+          <a:ext cx="1373459" cy="546179"/>
+        </a:xfrm>
+        <a:prstGeom prst="roundRect">
+          <a:avLst>
+            <a:gd name="adj" fmla="val 10000"/>
+          </a:avLst>
+        </a:prstGeom>
+        <a:solidFill>
+          <a:schemeClr val="accent1">
+            <a:hueOff val="0"/>
+            <a:satOff val="0"/>
+            <a:lumOff val="0"/>
+            <a:alphaOff val="0"/>
+          </a:schemeClr>
+        </a:solidFill>
+        <a:ln w="12700" cap="flat" cmpd="sng" algn="ctr">
+          <a:solidFill>
+            <a:schemeClr val="lt1">
+              <a:hueOff val="0"/>
+              <a:satOff val="0"/>
+              <a:lumOff val="0"/>
+              <a:alphaOff val="0"/>
+            </a:schemeClr>
+          </a:solidFill>
+          <a:prstDash val="solid"/>
+          <a:miter lim="800000"/>
+        </a:ln>
+        <a:effectLst/>
+      </dsp:spPr>
+      <dsp:style>
+        <a:lnRef idx="2">
+          <a:scrgbClr r="0" g="0" b="0"/>
+        </a:lnRef>
+        <a:fillRef idx="1">
+          <a:scrgbClr r="0" g="0" b="0"/>
+        </a:fillRef>
+        <a:effectRef idx="0">
+          <a:scrgbClr r="0" g="0" b="0"/>
+        </a:effectRef>
+        <a:fontRef idx="minor">
+          <a:schemeClr val="lt1"/>
+        </a:fontRef>
+      </dsp:style>
+      <dsp:txBody>
+        <a:bodyPr spcFirstLastPara="0" vert="horz" wrap="square" lIns="30480" tIns="20320" rIns="30480" bIns="20320" numCol="1" spcCol="1270" anchor="ctr" anchorCtr="0">
+          <a:noAutofit/>
+        </a:bodyPr>
+        <a:lstStyle/>
+        <a:p>
+          <a:pPr marL="0" lvl="0" indent="0" algn="ctr" defTabSz="711200">
+            <a:lnSpc>
+              <a:spcPct val="90000"/>
+            </a:lnSpc>
+            <a:spcBef>
+              <a:spcPct val="0"/>
+            </a:spcBef>
+            <a:spcAft>
+              <a:spcPct val="35000"/>
+            </a:spcAft>
+            <a:buNone/>
+          </a:pPr>
+          <a:r>
+            <a:rPr lang="en-US" sz="1600" b="1" kern="1200" dirty="0"/>
+            <a:t>Model</a:t>
+          </a:r>
+        </a:p>
+      </dsp:txBody>
+      <dsp:txXfrm>
+        <a:off x="6357820" y="1815031"/>
+        <a:ext cx="1341465" cy="514185"/>
+      </dsp:txXfrm>
+    </dsp:sp>
+    <dsp:sp modelId="{4BB2E9B3-D583-9E46-990E-1FA33A4D73F3}">
+      <dsp:nvSpPr>
+        <dsp:cNvPr id="0" name=""/>
+        <dsp:cNvSpPr/>
+      </dsp:nvSpPr>
+      <dsp:spPr>
+        <a:xfrm>
+          <a:off x="7996448" y="2072124"/>
+          <a:ext cx="1545141" cy="1274418"/>
+        </a:xfrm>
+        <a:prstGeom prst="roundRect">
+          <a:avLst>
+            <a:gd name="adj" fmla="val 10000"/>
+          </a:avLst>
+        </a:prstGeom>
+        <a:solidFill>
+          <a:schemeClr val="lt1">
+            <a:alpha val="90000"/>
+            <a:hueOff val="0"/>
+            <a:satOff val="0"/>
+            <a:lumOff val="0"/>
+            <a:alphaOff val="0"/>
+          </a:schemeClr>
+        </a:solidFill>
+        <a:ln w="12700" cap="flat" cmpd="sng" algn="ctr">
+          <a:solidFill>
+            <a:schemeClr val="accent1">
+              <a:hueOff val="0"/>
+              <a:satOff val="0"/>
+              <a:lumOff val="0"/>
+              <a:alphaOff val="0"/>
+            </a:schemeClr>
+          </a:solidFill>
+          <a:prstDash val="solid"/>
+          <a:miter lim="800000"/>
+        </a:ln>
+        <a:effectLst/>
+      </dsp:spPr>
+      <dsp:style>
+        <a:lnRef idx="2">
+          <a:scrgbClr r="0" g="0" b="0"/>
+        </a:lnRef>
+        <a:fillRef idx="1">
+          <a:scrgbClr r="0" g="0" b="0"/>
+        </a:fillRef>
+        <a:effectRef idx="0">
+          <a:scrgbClr r="0" g="0" b="0"/>
+        </a:effectRef>
+        <a:fontRef idx="minor"/>
+      </dsp:style>
+      <dsp:txBody>
+        <a:bodyPr spcFirstLastPara="0" vert="horz" wrap="square" lIns="32385" tIns="32385" rIns="32385" bIns="32385" numCol="1" spcCol="1270" anchor="t" anchorCtr="0">
+          <a:noAutofit/>
+        </a:bodyPr>
+        <a:lstStyle/>
+        <a:p>
+          <a:pPr marL="171450" lvl="1" indent="-171450" algn="l" defTabSz="711200">
+            <a:lnSpc>
+              <a:spcPct val="90000"/>
+            </a:lnSpc>
+            <a:spcBef>
+              <a:spcPct val="0"/>
+            </a:spcBef>
+            <a:spcAft>
+              <a:spcPct val="15000"/>
+            </a:spcAft>
+            <a:buChar char="•"/>
+          </a:pPr>
+          <a:r>
+            <a:rPr lang="en-US" sz="1600" kern="1200" dirty="0"/>
+            <a:t>Fall Detection</a:t>
+          </a:r>
+          <a:r>
+            <a:rPr lang="en-US" sz="1500" kern="1200" dirty="0"/>
+            <a:t> </a:t>
+          </a:r>
+          <a:r>
+            <a:rPr lang="en-US" sz="1200" kern="1200" dirty="0"/>
+            <a:t>(80% accuracy </a:t>
+          </a:r>
+          <a:r>
+            <a:rPr lang="en-US" sz="1200" kern="1200" dirty="0" err="1"/>
+            <a:t>atm</a:t>
+          </a:r>
+          <a:r>
+            <a:rPr lang="en-US" sz="1200" kern="1200" dirty="0"/>
+            <a:t>)</a:t>
+          </a:r>
+        </a:p>
+        <a:p>
+          <a:pPr marL="171450" lvl="1" indent="-171450" algn="l" defTabSz="711200">
+            <a:lnSpc>
+              <a:spcPct val="90000"/>
+            </a:lnSpc>
+            <a:spcBef>
+              <a:spcPct val="0"/>
+            </a:spcBef>
+            <a:spcAft>
+              <a:spcPct val="15000"/>
+            </a:spcAft>
+            <a:buChar char="•"/>
+          </a:pPr>
+          <a:r>
+            <a:rPr lang="en-US" sz="1600" kern="1200" dirty="0"/>
+            <a:t>Improve Models</a:t>
+          </a:r>
+        </a:p>
+      </dsp:txBody>
+      <dsp:txXfrm>
+        <a:off x="8025776" y="2101452"/>
+        <a:ext cx="1486485" cy="942672"/>
+      </dsp:txXfrm>
+    </dsp:sp>
+    <dsp:sp modelId="{97E6CE83-B6FD-8D4A-B62F-FAAFFE69AB80}">
+      <dsp:nvSpPr>
+        <dsp:cNvPr id="0" name=""/>
+        <dsp:cNvSpPr/>
+      </dsp:nvSpPr>
+      <dsp:spPr>
+        <a:xfrm>
+          <a:off x="8857151" y="2348259"/>
+          <a:ext cx="1744469" cy="1744469"/>
+        </a:xfrm>
+        <a:prstGeom prst="leftCircularArrow">
+          <a:avLst>
+            <a:gd name="adj1" fmla="val 3385"/>
+            <a:gd name="adj2" fmla="val 418811"/>
+            <a:gd name="adj3" fmla="val 2194322"/>
+            <a:gd name="adj4" fmla="val 9024489"/>
+            <a:gd name="adj5" fmla="val 3949"/>
+          </a:avLst>
+        </a:prstGeom>
+        <a:solidFill>
+          <a:schemeClr val="accent1">
+            <a:tint val="60000"/>
+            <a:hueOff val="0"/>
+            <a:satOff val="0"/>
+            <a:lumOff val="0"/>
+            <a:alphaOff val="0"/>
+          </a:schemeClr>
+        </a:solidFill>
+        <a:ln>
+          <a:noFill/>
+        </a:ln>
+        <a:effectLst/>
+      </dsp:spPr>
+      <dsp:style>
+        <a:lnRef idx="0">
+          <a:scrgbClr r="0" g="0" b="0"/>
+        </a:lnRef>
+        <a:fillRef idx="1">
+          <a:scrgbClr r="0" g="0" b="0"/>
+        </a:fillRef>
+        <a:effectRef idx="0">
+          <a:scrgbClr r="0" g="0" b="0"/>
+        </a:effectRef>
+        <a:fontRef idx="minor">
+          <a:schemeClr val="lt1"/>
+        </a:fontRef>
+      </dsp:style>
+    </dsp:sp>
+    <dsp:sp modelId="{0761771F-B511-2944-9F94-5314EFACB81B}">
+      <dsp:nvSpPr>
+        <dsp:cNvPr id="0" name=""/>
+        <dsp:cNvSpPr/>
+      </dsp:nvSpPr>
+      <dsp:spPr>
+        <a:xfrm>
+          <a:off x="8339813" y="3073453"/>
+          <a:ext cx="1373459" cy="546179"/>
+        </a:xfrm>
+        <a:prstGeom prst="roundRect">
+          <a:avLst>
+            <a:gd name="adj" fmla="val 10000"/>
+          </a:avLst>
+        </a:prstGeom>
+        <a:solidFill>
+          <a:schemeClr val="accent1">
+            <a:hueOff val="0"/>
+            <a:satOff val="0"/>
+            <a:lumOff val="0"/>
+            <a:alphaOff val="0"/>
+          </a:schemeClr>
+        </a:solidFill>
+        <a:ln w="12700" cap="flat" cmpd="sng" algn="ctr">
+          <a:solidFill>
+            <a:schemeClr val="lt1">
+              <a:hueOff val="0"/>
+              <a:satOff val="0"/>
+              <a:lumOff val="0"/>
+              <a:alphaOff val="0"/>
+            </a:schemeClr>
+          </a:solidFill>
+          <a:prstDash val="solid"/>
+          <a:miter lim="800000"/>
+        </a:ln>
+        <a:effectLst/>
+      </dsp:spPr>
+      <dsp:style>
+        <a:lnRef idx="2">
+          <a:scrgbClr r="0" g="0" b="0"/>
+        </a:lnRef>
+        <a:fillRef idx="1">
+          <a:scrgbClr r="0" g="0" b="0"/>
+        </a:fillRef>
+        <a:effectRef idx="0">
+          <a:scrgbClr r="0" g="0" b="0"/>
+        </a:effectRef>
+        <a:fontRef idx="minor">
+          <a:schemeClr val="lt1"/>
+        </a:fontRef>
+      </dsp:style>
+      <dsp:txBody>
+        <a:bodyPr spcFirstLastPara="0" vert="horz" wrap="square" lIns="30480" tIns="20320" rIns="30480" bIns="20320" numCol="1" spcCol="1270" anchor="ctr" anchorCtr="0">
+          <a:noAutofit/>
+        </a:bodyPr>
+        <a:lstStyle/>
+        <a:p>
+          <a:pPr marL="0" lvl="0" indent="0" algn="ctr" defTabSz="711200">
+            <a:lnSpc>
+              <a:spcPct val="90000"/>
+            </a:lnSpc>
+            <a:spcBef>
+              <a:spcPct val="0"/>
+            </a:spcBef>
+            <a:spcAft>
+              <a:spcPct val="35000"/>
+            </a:spcAft>
+            <a:buNone/>
+          </a:pPr>
+          <a:r>
+            <a:rPr lang="en-US" sz="1600" b="1" kern="1200" dirty="0"/>
+            <a:t>Primary Goal</a:t>
+          </a:r>
+        </a:p>
+      </dsp:txBody>
+      <dsp:txXfrm>
+        <a:off x="8355810" y="3089450"/>
+        <a:ext cx="1341465" cy="514185"/>
+      </dsp:txXfrm>
+    </dsp:sp>
+    <dsp:sp modelId="{15516A2A-B101-2D43-9CC1-A3E92405364B}">
+      <dsp:nvSpPr>
+        <dsp:cNvPr id="0" name=""/>
+        <dsp:cNvSpPr/>
+      </dsp:nvSpPr>
+      <dsp:spPr>
+        <a:xfrm>
+          <a:off x="9994439" y="2072124"/>
+          <a:ext cx="1545141" cy="1274418"/>
+        </a:xfrm>
+        <a:prstGeom prst="roundRect">
+          <a:avLst>
+            <a:gd name="adj" fmla="val 10000"/>
+          </a:avLst>
+        </a:prstGeom>
+        <a:solidFill>
+          <a:schemeClr val="lt1">
+            <a:alpha val="90000"/>
+            <a:hueOff val="0"/>
+            <a:satOff val="0"/>
+            <a:lumOff val="0"/>
+            <a:alphaOff val="0"/>
+          </a:schemeClr>
+        </a:solidFill>
+        <a:ln w="12700" cap="flat" cmpd="sng" algn="ctr">
+          <a:solidFill>
+            <a:schemeClr val="accent1">
+              <a:hueOff val="0"/>
+              <a:satOff val="0"/>
+              <a:lumOff val="0"/>
+              <a:alphaOff val="0"/>
+            </a:schemeClr>
+          </a:solidFill>
+          <a:prstDash val="solid"/>
+          <a:miter lim="800000"/>
+        </a:ln>
+        <a:effectLst/>
+      </dsp:spPr>
+      <dsp:style>
+        <a:lnRef idx="2">
+          <a:scrgbClr r="0" g="0" b="0"/>
+        </a:lnRef>
+        <a:fillRef idx="1">
+          <a:scrgbClr r="0" g="0" b="0"/>
+        </a:fillRef>
+        <a:effectRef idx="0">
+          <a:scrgbClr r="0" g="0" b="0"/>
+        </a:effectRef>
+        <a:fontRef idx="minor"/>
+      </dsp:style>
+      <dsp:txBody>
+        <a:bodyPr spcFirstLastPara="0" vert="horz" wrap="square" lIns="32385" tIns="32385" rIns="32385" bIns="32385" numCol="1" spcCol="1270" anchor="t" anchorCtr="0">
+          <a:noAutofit/>
+        </a:bodyPr>
+        <a:lstStyle/>
+        <a:p>
+          <a:pPr marL="171450" lvl="1" indent="-171450" algn="l" defTabSz="711200">
+            <a:lnSpc>
+              <a:spcPct val="90000"/>
+            </a:lnSpc>
+            <a:spcBef>
+              <a:spcPct val="0"/>
+            </a:spcBef>
+            <a:spcAft>
+              <a:spcPct val="15000"/>
+            </a:spcAft>
+            <a:buChar char="•"/>
+          </a:pPr>
+          <a:r>
+            <a:rPr lang="en-US" sz="1600" kern="1200" dirty="0"/>
+            <a:t>Fall Prediction </a:t>
+          </a:r>
+          <a:r>
+            <a:rPr lang="en-US" sz="1200" kern="1200" dirty="0"/>
+            <a:t>(60% accuracy </a:t>
+          </a:r>
+          <a:r>
+            <a:rPr lang="en-US" sz="1200" kern="1200" dirty="0" err="1"/>
+            <a:t>atm</a:t>
+          </a:r>
+          <a:r>
+            <a:rPr lang="en-US" sz="1200" kern="1200" dirty="0"/>
+            <a:t>)</a:t>
+          </a:r>
+        </a:p>
+        <a:p>
+          <a:pPr marL="171450" lvl="1" indent="-171450" algn="l" defTabSz="711200">
+            <a:lnSpc>
+              <a:spcPct val="90000"/>
+            </a:lnSpc>
+            <a:spcBef>
+              <a:spcPct val="0"/>
+            </a:spcBef>
+            <a:spcAft>
+              <a:spcPct val="15000"/>
+            </a:spcAft>
+            <a:buChar char="•"/>
+          </a:pPr>
+          <a:r>
+            <a:rPr lang="en-US" sz="1600" kern="1200" dirty="0"/>
+            <a:t>Real time data</a:t>
+          </a:r>
+        </a:p>
+      </dsp:txBody>
+      <dsp:txXfrm>
+        <a:off x="10023767" y="2374541"/>
+        <a:ext cx="1486485" cy="942672"/>
+      </dsp:txXfrm>
+    </dsp:sp>
+    <dsp:sp modelId="{3499A203-41C3-9A45-ADB6-432C1C32549C}">
+      <dsp:nvSpPr>
+        <dsp:cNvPr id="0" name=""/>
+        <dsp:cNvSpPr/>
+      </dsp:nvSpPr>
+      <dsp:spPr>
+        <a:xfrm>
+          <a:off x="10337804" y="1799034"/>
+          <a:ext cx="1373459" cy="546179"/>
+        </a:xfrm>
+        <a:prstGeom prst="roundRect">
+          <a:avLst>
+            <a:gd name="adj" fmla="val 10000"/>
+          </a:avLst>
+        </a:prstGeom>
+        <a:solidFill>
+          <a:schemeClr val="accent1">
+            <a:hueOff val="0"/>
+            <a:satOff val="0"/>
+            <a:lumOff val="0"/>
+            <a:alphaOff val="0"/>
+          </a:schemeClr>
+        </a:solidFill>
+        <a:ln w="12700" cap="flat" cmpd="sng" algn="ctr">
+          <a:solidFill>
+            <a:schemeClr val="lt1">
+              <a:hueOff val="0"/>
+              <a:satOff val="0"/>
+              <a:lumOff val="0"/>
+              <a:alphaOff val="0"/>
+            </a:schemeClr>
+          </a:solidFill>
+          <a:prstDash val="solid"/>
+          <a:miter lim="800000"/>
+        </a:ln>
+        <a:effectLst/>
+      </dsp:spPr>
+      <dsp:style>
+        <a:lnRef idx="2">
+          <a:scrgbClr r="0" g="0" b="0"/>
+        </a:lnRef>
+        <a:fillRef idx="1">
+          <a:scrgbClr r="0" g="0" b="0"/>
+        </a:fillRef>
+        <a:effectRef idx="0">
+          <a:scrgbClr r="0" g="0" b="0"/>
+        </a:effectRef>
+        <a:fontRef idx="minor">
+          <a:schemeClr val="lt1"/>
+        </a:fontRef>
+      </dsp:style>
+      <dsp:txBody>
+        <a:bodyPr spcFirstLastPara="0" vert="horz" wrap="square" lIns="30480" tIns="20320" rIns="30480" bIns="20320" numCol="1" spcCol="1270" anchor="ctr" anchorCtr="0">
+          <a:noAutofit/>
+        </a:bodyPr>
+        <a:lstStyle/>
+        <a:p>
+          <a:pPr marL="0" lvl="0" indent="0" algn="ctr" defTabSz="711200">
+            <a:lnSpc>
+              <a:spcPct val="90000"/>
+            </a:lnSpc>
+            <a:spcBef>
+              <a:spcPct val="0"/>
+            </a:spcBef>
+            <a:spcAft>
+              <a:spcPct val="35000"/>
+            </a:spcAft>
+            <a:buNone/>
+          </a:pPr>
+          <a:r>
+            <a:rPr lang="en-US" sz="1600" b="1" kern="1200" dirty="0"/>
+            <a:t>Secondary Goals</a:t>
+          </a:r>
+        </a:p>
+      </dsp:txBody>
+      <dsp:txXfrm>
+        <a:off x="10353801" y="1815031"/>
+        <a:ext cx="1341465" cy="514185"/>
+      </dsp:txXfrm>
+    </dsp:sp>
+  </dsp:spTree>
+</dsp:drawing>
+</file>
+
+<file path=ppt/diagrams/layout1.xml><?xml version="1.0" encoding="utf-8"?>
+<dgm:layoutDef xmlns:dgm="http://schemas.openxmlformats.org/drawingml/2006/diagram" xmlns:a="http://schemas.openxmlformats.org/drawingml/2006/main" uniqueId="urn:microsoft.com/office/officeart/2005/8/layout/hProcess4">
+  <dgm:title val=""/>
+  <dgm:desc val=""/>
+  <dgm:catLst>
+    <dgm:cat type="process" pri="4000"/>
+  </dgm:catLst>
+  <dgm:sampData>
+    <dgm:dataModel>
+      <dgm:ptLst>
+        <dgm:pt modelId="0" type="doc"/>
+        <dgm:pt modelId="1">
+          <dgm:prSet phldr="1"/>
+        </dgm:pt>
+        <dgm:pt modelId="11">
+          <dgm:prSet phldr="1"/>
+        </dgm:pt>
+        <dgm:pt modelId="12">
+          <dgm:prSet phldr="1"/>
+        </dgm:pt>
+        <dgm:pt modelId="2">
+          <dgm:prSet phldr="1"/>
+        </dgm:pt>
+        <dgm:pt modelId="21">
+          <dgm:prSet phldr="1"/>
+        </dgm:pt>
+        <dgm:pt modelId="22">
+          <dgm:prSet phldr="1"/>
+        </dgm:pt>
+        <dgm:pt modelId="3">
+          <dgm:prSet phldr="1"/>
+        </dgm:pt>
+        <dgm:pt modelId="31">
+          <dgm:prSet phldr="1"/>
+        </dgm:pt>
+        <dgm:pt modelId="32">
+          <dgm:prSet phldr="1"/>
+        </dgm:pt>
+      </dgm:ptLst>
+      <dgm:cxnLst>
+        <dgm:cxn modelId="4" srcId="0" destId="1" srcOrd="0" destOrd="0"/>
+        <dgm:cxn modelId="5" srcId="0" destId="2" srcOrd="1" destOrd="0"/>
+        <dgm:cxn modelId="6" srcId="0" destId="3" srcOrd="2" destOrd="0"/>
+        <dgm:cxn modelId="13" srcId="1" destId="11" srcOrd="0" destOrd="0"/>
+        <dgm:cxn modelId="14" srcId="1" destId="12" srcOrd="1" destOrd="0"/>
+        <dgm:cxn modelId="23" srcId="2" destId="21" srcOrd="0" destOrd="0"/>
+        <dgm:cxn modelId="24" srcId="2" destId="22" srcOrd="1" destOrd="0"/>
+        <dgm:cxn modelId="33" srcId="3" destId="31" srcOrd="0" destOrd="0"/>
+        <dgm:cxn modelId="34" srcId="3" destId="32" srcOrd="1" destOrd="0"/>
+      </dgm:cxnLst>
+      <dgm:bg/>
+      <dgm:whole/>
+    </dgm:dataModel>
+  </dgm:sampData>
+  <dgm:styleData>
+    <dgm:dataModel>
+      <dgm:ptLst>
+        <dgm:pt modelId="0" type="doc"/>
+        <dgm:pt modelId="1"/>
+        <dgm:pt modelId="11"/>
+        <dgm:pt modelId="2"/>
+        <dgm:pt modelId="21"/>
+      </dgm:ptLst>
+      <dgm:cxnLst>
+        <dgm:cxn modelId="4" srcId="0" destId="1" srcOrd="0" destOrd="0"/>
+        <dgm:cxn modelId="5" srcId="0" destId="2" srcOrd="1" destOrd="0"/>
+        <dgm:cxn modelId="13" srcId="1" destId="11" srcOrd="0" destOrd="0"/>
+        <dgm:cxn modelId="23" srcId="2" destId="21" srcOrd="0" destOrd="0"/>
+      </dgm:cxnLst>
+      <dgm:bg/>
+      <dgm:whole/>
+    </dgm:dataModel>
+  </dgm:styleData>
+  <dgm:clrData>
+    <dgm:dataModel>
+      <dgm:ptLst>
+        <dgm:pt modelId="0" type="doc"/>
+        <dgm:pt modelId="1"/>
+        <dgm:pt modelId="11"/>
+        <dgm:pt modelId="2"/>
+        <dgm:pt modelId="21"/>
+        <dgm:pt modelId="3"/>
+        <dgm:pt modelId="31"/>
+        <dgm:pt modelId="4"/>
+        <dgm:pt modelId="41"/>
+      </dgm:ptLst>
+      <dgm:cxnLst>
+        <dgm:cxn modelId="5" srcId="0" destId="1" srcOrd="0" destOrd="0"/>
+        <dgm:cxn modelId="6" srcId="0" destId="2" srcOrd="1" destOrd="0"/>
+        <dgm:cxn modelId="7" srcId="0" destId="3" srcOrd="2" destOrd="0"/>
+        <dgm:cxn modelId="8" srcId="0" destId="4" srcOrd="3" destOrd="0"/>
+        <dgm:cxn modelId="13" srcId="1" destId="11" srcOrd="0" destOrd="0"/>
+        <dgm:cxn modelId="23" srcId="2" destId="21" srcOrd="0" destOrd="0"/>
+        <dgm:cxn modelId="33" srcId="3" destId="31" srcOrd="0" destOrd="0"/>
+        <dgm:cxn modelId="43" srcId="4" destId="41" srcOrd="0" destOrd="0"/>
+      </dgm:cxnLst>
+      <dgm:bg/>
+      <dgm:whole/>
+    </dgm:dataModel>
+  </dgm:clrData>
+  <dgm:layoutNode name="Name0">
+    <dgm:varLst>
+      <dgm:dir/>
+      <dgm:animLvl val="lvl"/>
+      <dgm:resizeHandles val="exact"/>
+    </dgm:varLst>
+    <dgm:alg type="composite"/>
+    <dgm:shape xmlns:r="http://schemas.openxmlformats.org/officeDocument/2006/relationships" r:blip="">
+      <dgm:adjLst/>
+    </dgm:shape>
+    <dgm:presOf/>
+    <dgm:constrLst>
+      <dgm:constr type="w" for="ch" forName="tSp" refType="w"/>
+      <dgm:constr type="h" for="ch" forName="tSp" refType="h" fact="0.15"/>
+      <dgm:constr type="l" for="ch" forName="tSp"/>
+      <dgm:constr type="t" for="ch" forName="tSp"/>
+      <dgm:constr type="w" for="ch" forName="bSp" refType="w"/>
+      <dgm:constr type="h" for="ch" forName="bSp" refType="h" fact="0.15"/>
+      <dgm:constr type="l" for="ch" forName="bSp"/>
+      <dgm:constr type="t" for="ch" forName="bSp" refType="h" fact="0.85"/>
+      <dgm:constr type="w" for="ch" forName="process" refType="w"/>
+      <dgm:constr type="h" for="ch" forName="process" refType="h" fact="0.7"/>
+      <dgm:constr type="l" for="ch" forName="process"/>
+      <dgm:constr type="t" for="ch" forName="process" refType="h" fact="0.15"/>
+    </dgm:constrLst>
+    <dgm:ruleLst/>
+    <dgm:layoutNode name="tSp">
+      <dgm:alg type="sp"/>
+      <dgm:shape xmlns:r="http://schemas.openxmlformats.org/officeDocument/2006/relationships" r:blip="">
+        <dgm:adjLst/>
+      </dgm:shape>
+      <dgm:presOf/>
+      <dgm:constrLst/>
+      <dgm:ruleLst/>
+    </dgm:layoutNode>
+    <dgm:layoutNode name="bSp">
+      <dgm:alg type="sp"/>
+      <dgm:shape xmlns:r="http://schemas.openxmlformats.org/officeDocument/2006/relationships" r:blip="">
+        <dgm:adjLst/>
+      </dgm:shape>
+      <dgm:presOf/>
+      <dgm:constrLst/>
+      <dgm:ruleLst/>
+    </dgm:layoutNode>
+    <dgm:layoutNode name="process">
+      <dgm:choose name="Name1">
+        <dgm:if name="Name2" func="var" arg="dir" op="equ" val="norm">
+          <dgm:alg type="lin">
+            <dgm:param type="linDir" val="fromL"/>
+          </dgm:alg>
+        </dgm:if>
+        <dgm:else name="Name3">
+          <dgm:alg type="lin">
+            <dgm:param type="linDir" val="fromR"/>
+          </dgm:alg>
+        </dgm:else>
+      </dgm:choose>
+      <dgm:shape xmlns:r="http://schemas.openxmlformats.org/officeDocument/2006/relationships" r:blip="">
+        <dgm:adjLst/>
+      </dgm:shape>
+      <dgm:presOf/>
+      <dgm:constrLst>
+        <dgm:constr type="w" for="ch" forName="composite1" refType="w"/>
+        <dgm:constr type="w" for="ch" forName="composite2" refType="w" refFor="ch" refForName="composite1" op="equ"/>
+        <dgm:constr type="h" for="ch" forName="composite1" refType="h"/>
+        <dgm:constr type="h" for="ch" forName="composite2" refType="h" refFor="ch" refForName="composite1" op="equ"/>
+        <dgm:constr type="primFontSz" for="des" forName="parentNode1" val="65"/>
+        <dgm:constr type="primFontSz" for="des" forName="parentNode2" refType="primFontSz" refFor="des" refForName="parentNode1" op="equ"/>
+        <dgm:constr type="secFontSz" for="des" forName="childNode1tx" val="65"/>
+        <dgm:constr type="secFontSz" for="des" forName="childNode2tx" refType="secFontSz" refFor="des" refForName="childNode1tx" op="equ"/>
+        <dgm:constr type="w" for="des" ptType="sibTrans" refType="w" refFor="ch" refForName="composite1" op="equ" fact="0.05"/>
+      </dgm:constrLst>
+      <dgm:ruleLst/>
+      <dgm:forEach name="Name4" axis="ch" ptType="node" step="2">
+        <dgm:layoutNode name="composite1">
+          <dgm:alg type="composite">
+            <dgm:param type="ar" val="0.943"/>
+          </dgm:alg>
+          <dgm:shape xmlns:r="http://schemas.openxmlformats.org/officeDocument/2006/relationships" r:blip="">
+            <dgm:adjLst/>
+          </dgm:shape>
+          <dgm:presOf/>
+          <dgm:choose name="Name5">
+            <dgm:if name="Name6" func="var" arg="dir" op="equ" val="norm">
+              <dgm:constrLst>
+                <dgm:constr type="h" refType="w" fact="1.06"/>
+                <dgm:constr type="w" for="ch" forName="dummyNode1" refType="w"/>
+                <dgm:constr type="h" for="ch" forName="dummyNode1" refType="h"/>
+                <dgm:constr type="t" for="ch" forName="dummyNode1"/>
+                <dgm:constr type="l" for="ch" forName="dummyNode1"/>
+                <dgm:constr type="w" for="ch" forName="childNode1" refType="w" fact="0.9"/>
+                <dgm:constr type="h" for="ch" forName="childNode1" refType="h" fact="0.7"/>
+                <dgm:constr type="t" for="ch" forName="childNode1" refType="h" fact="0.15"/>
+                <dgm:constr type="l" for="ch" forName="childNode1"/>
+                <dgm:constr type="w" for="ch" forName="childNode1tx" refType="w" fact="0.9"/>
+                <dgm:constr type="h" for="ch" forName="childNode1tx" refType="h" fact="0.55"/>
+                <dgm:constr type="t" for="ch" forName="childNode1tx" refType="h" fact="0.15"/>
+                <dgm:constr type="l" for="ch" forName="childNode1tx"/>
+                <dgm:constr type="w" for="ch" forName="parentNode1" refType="w" fact="0.8"/>
+                <dgm:constr type="h" for="ch" forName="parentNode1" refType="h" fact="0.3"/>
+                <dgm:constr type="t" for="ch" forName="parentNode1" refType="h" fact="0.7"/>
+                <dgm:constr type="l" for="ch" forName="parentNode1" refType="w" fact="0.2"/>
+                <dgm:constr type="w" for="ch" forName="connSite1" refType="w" fact="0.01"/>
+                <dgm:constr type="h" for="ch" forName="connSite1" refType="h" fact="0.01"/>
+                <dgm:constr type="t" for="ch" forName="connSite1"/>
+                <dgm:constr type="l" for="ch" forName="connSite1" refType="w" fact="0.35"/>
+              </dgm:constrLst>
+            </dgm:if>
+            <dgm:else name="Name7">
+              <dgm:constrLst>
+                <dgm:constr type="h" refType="w" fact="1.06"/>
+                <dgm:constr type="w" for="ch" forName="dummyNode1" refType="w"/>
+                <dgm:constr type="h" for="ch" forName="dummyNode1" refType="h"/>
+                <dgm:constr type="t" for="ch" forName="dummyNode1"/>
+                <dgm:constr type="l" for="ch" forName="dummyNode1"/>
+                <dgm:constr type="w" for="ch" forName="childNode1" refType="w" fact="0.9"/>
+                <dgm:constr type="h" for="ch" forName="childNode1" refType="h" fact="0.7"/>
+                <dgm:constr type="t" for="ch" forName="childNode1" refType="h" fact="0.15"/>
+                <dgm:constr type="l" for="ch" forName="childNode1" refType="w" fact="0.1"/>
+                <dgm:constr type="w" for="ch" forName="childNode1tx" refType="w" fact="0.9"/>
+                <dgm:constr type="h" for="ch" forName="childNode1tx" refType="h" fact="0.55"/>
+                <dgm:constr type="t" for="ch" forName="childNode1tx" refType="h" fact="0.15"/>
+                <dgm:constr type="l" for="ch" forName="childNode1tx" refType="w" fact="0.1"/>
+                <dgm:constr type="w" for="ch" forName="parentNode1" refType="w" fact="0.8"/>
+                <dgm:constr type="h" for="ch" forName="parentNode1" refType="h" fact="0.3"/>
+                <dgm:constr type="t" for="ch" forName="parentNode1" refType="h" fact="0.7"/>
+                <dgm:constr type="l" for="ch" forName="parentNode1"/>
+                <dgm:constr type="w" for="ch" forName="connSite1" refType="w" fact="0.01"/>
+                <dgm:constr type="h" for="ch" forName="connSite1" refType="h" fact="0.01"/>
+                <dgm:constr type="t" for="ch" forName="connSite1"/>
+                <dgm:constr type="l" for="ch" forName="connSite1" refType="w" fact="0.65"/>
+              </dgm:constrLst>
+            </dgm:else>
+          </dgm:choose>
+          <dgm:ruleLst/>
+          <dgm:layoutNode name="dummyNode1">
+            <dgm:alg type="sp"/>
+            <dgm:shape xmlns:r="http://schemas.openxmlformats.org/officeDocument/2006/relationships" type="rect" r:blip="" hideGeom="1">
+              <dgm:adjLst/>
+            </dgm:shape>
+            <dgm:presOf/>
+            <dgm:constrLst/>
+            <dgm:ruleLst/>
+          </dgm:layoutNode>
+          <dgm:layoutNode name="childNode1" styleLbl="bgAcc1">
+            <dgm:varLst>
+              <dgm:bulletEnabled val="1"/>
+            </dgm:varLst>
+            <dgm:alg type="sp"/>
+            <dgm:shape xmlns:r="http://schemas.openxmlformats.org/officeDocument/2006/relationships" type="roundRect" r:blip="">
+              <dgm:adjLst>
+                <dgm:adj idx="1" val="0.1"/>
+              </dgm:adjLst>
+            </dgm:shape>
+            <dgm:presOf axis="des" ptType="node"/>
+            <dgm:constrLst/>
+            <dgm:ruleLst/>
+          </dgm:layoutNode>
+          <dgm:layoutNode name="childNode1tx" styleLbl="bgAcc1">
+            <dgm:varLst>
+              <dgm:bulletEnabled val="1"/>
+            </dgm:varLst>
+            <dgm:alg type="tx">
+              <dgm:param type="stBulletLvl" val="1"/>
+            </dgm:alg>
+            <dgm:shape xmlns:r="http://schemas.openxmlformats.org/officeDocument/2006/relationships" type="roundRect" r:blip="" hideGeom="1">
+              <dgm:adjLst>
+                <dgm:adj idx="1" val="0.1"/>
+              </dgm:adjLst>
+            </dgm:shape>
+            <dgm:presOf axis="des" ptType="node"/>
+            <dgm:constrLst>
+              <dgm:constr type="secFontSz" val="65"/>
+              <dgm:constr type="primFontSz" refType="secFontSz"/>
+              <dgm:constr type="tMarg" refType="secFontSz" fact="0.15"/>
+              <dgm:constr type="bMarg" refType="secFontSz" fact="0.15"/>
+              <dgm:constr type="lMarg" refType="secFontSz" fact="0.15"/>
+              <dgm:constr type="rMarg" refType="secFontSz" fact="0.15"/>
+            </dgm:constrLst>
+            <dgm:ruleLst>
+              <dgm:rule type="secFontSz" val="5" fact="NaN" max="NaN"/>
+            </dgm:ruleLst>
+          </dgm:layoutNode>
+          <dgm:layoutNode name="parentNode1" styleLbl="node1">
+            <dgm:varLst>
+              <dgm:chMax val="1"/>
+              <dgm:bulletEnabled val="1"/>
+            </dgm:varLst>
+            <dgm:alg type="tx"/>
+            <dgm:shape xmlns:r="http://schemas.openxmlformats.org/officeDocument/2006/relationships" type="roundRect" r:blip="">
+              <dgm:adjLst>
+                <dgm:adj idx="1" val="0.1"/>
+              </dgm:adjLst>
+            </dgm:shape>
+            <dgm:presOf axis="self"/>
+            <dgm:constrLst>
+              <dgm:constr type="tMarg" refType="primFontSz" fact="0.1"/>
+              <dgm:constr type="bMarg" refType="primFontSz" fact="0.1"/>
+              <dgm:constr type="lMarg" refType="primFontSz" fact="0.15"/>
+              <dgm:constr type="rMarg" refType="primFontSz" fact="0.15"/>
+            </dgm:constrLst>
+            <dgm:ruleLst>
+              <dgm:rule type="primFontSz" val="5" fact="NaN" max="NaN"/>
+            </dgm:ruleLst>
+          </dgm:layoutNode>
+          <dgm:layoutNode name="connSite1" moveWith="childNode1">
+            <dgm:alg type="sp"/>
+            <dgm:shape xmlns:r="http://schemas.openxmlformats.org/officeDocument/2006/relationships" r:blip="">
+              <dgm:adjLst/>
+            </dgm:shape>
+            <dgm:presOf/>
+            <dgm:constrLst/>
+            <dgm:ruleLst/>
+          </dgm:layoutNode>
+        </dgm:layoutNode>
+        <dgm:forEach name="Name8" axis="followSib" ptType="sibTrans" cnt="1">
+          <dgm:layoutNode name="Name9">
+            <dgm:alg type="conn">
+              <dgm:param type="connRout" val="curve"/>
+              <dgm:param type="srcNode" val="parentNode1"/>
+              <dgm:param type="dstNode" val="connSite2"/>
+              <dgm:param type="begPts" val="bCtr"/>
+              <dgm:param type="endPts" val="bCtr"/>
+            </dgm:alg>
+            <dgm:shape xmlns:r="http://schemas.openxmlformats.org/officeDocument/2006/relationships" type="conn" r:blip="" zOrderOff="-2">
+              <dgm:adjLst/>
+            </dgm:shape>
+            <dgm:presOf axis="self"/>
+            <dgm:choose name="Name10">
+              <dgm:if name="Name11" func="var" arg="dir" op="equ" val="norm">
+                <dgm:constrLst>
+                  <dgm:constr type="h" refType="w" fact="0.35"/>
+                  <dgm:constr type="wArH" refType="h"/>
+                  <dgm:constr type="hArH" refType="h"/>
+                  <dgm:constr type="connDist"/>
+                  <dgm:constr type="diam" refType="connDist" fact="-1.15"/>
+                  <dgm:constr type="begPad"/>
+                  <dgm:constr type="endPad"/>
+                </dgm:constrLst>
+              </dgm:if>
+              <dgm:else name="Name12">
+                <dgm:constrLst>
+                  <dgm:constr type="h" refType="w" fact="0.35"/>
+                  <dgm:constr type="wArH" refType="h"/>
+                  <dgm:constr type="hArH" refType="h"/>
+                  <dgm:constr type="connDist"/>
+                  <dgm:constr type="diam" refType="connDist" fact="1.15"/>
+                  <dgm:constr type="begPad"/>
+                  <dgm:constr type="endPad"/>
+                </dgm:constrLst>
+              </dgm:else>
+            </dgm:choose>
+            <dgm:ruleLst/>
+          </dgm:layoutNode>
+        </dgm:forEach>
+        <dgm:forEach name="Name13" axis="followSib" ptType="node" cnt="1">
+          <dgm:layoutNode name="composite2">
+            <dgm:alg type="composite">
+              <dgm:param type="ar" val="0.943"/>
+            </dgm:alg>
+            <dgm:shape xmlns:r="http://schemas.openxmlformats.org/officeDocument/2006/relationships" r:blip="">
+              <dgm:adjLst/>
+            </dgm:shape>
+            <dgm:presOf/>
+            <dgm:choose name="Name14">
+              <dgm:if name="Name15" func="var" arg="dir" op="equ" val="norm">
+                <dgm:constrLst>
+                  <dgm:constr type="h" refType="w" fact="1.06"/>
+                  <dgm:constr type="w" for="ch" forName="dummyNode2" refType="w"/>
+                  <dgm:constr type="h" for="ch" forName="dummyNode2" refType="h"/>
+                  <dgm:constr type="t" for="ch" forName="dummyNode2"/>
+                  <dgm:constr type="l" for="ch" forName="dummyNode2"/>
+                  <dgm:constr type="w" for="ch" forName="childNode2" refType="w" fact="0.9"/>
+                  <dgm:constr type="h" for="ch" forName="childNode2" refType="h" fact="0.7"/>
+                  <dgm:constr type="t" for="ch" forName="childNode2" refType="h" fact="0.15"/>
+                  <dgm:constr type="l" for="ch" forName="childNode2"/>
+                  <dgm:constr type="w" for="ch" forName="childNode2tx" refType="w" fact="0.9"/>
+                  <dgm:constr type="h" for="ch" forName="childNode2tx" refType="h" fact="0.55"/>
+                  <dgm:constr type="t" for="ch" forName="childNode2tx" refType="h" fact="0.3"/>
+                  <dgm:constr type="l" for="ch" forName="childNode2tx"/>
+                  <dgm:constr type="w" for="ch" forName="parentNode2" refType="w" fact="0.8"/>
+                  <dgm:constr type="h" for="ch" forName="parentNode2" refType="h" fact="0.3"/>
+                  <dgm:constr type="t" for="ch" forName="parentNode2"/>
+                  <dgm:constr type="l" for="ch" forName="parentNode2" refType="w" fact="0.2"/>
+                  <dgm:constr type="w" for="ch" forName="connSite2" refType="w" fact="0.01"/>
+                  <dgm:constr type="h" for="ch" forName="connSite2" refType="h" fact="0.01"/>
+                  <dgm:constr type="t" for="ch" forName="connSite2" refType="h" fact="0.99"/>
+                  <dgm:constr type="l" for="ch" forName="connSite2" refType="w" fact="0.25"/>
+                </dgm:constrLst>
+              </dgm:if>
+              <dgm:else name="Name16">
+                <dgm:constrLst>
+                  <dgm:constr type="h" refType="w" fact="1.06"/>
+                  <dgm:constr type="w" for="ch" forName="dummyNode2" refType="w"/>
+                  <dgm:constr type="h" for="ch" forName="dummyNode2" refType="h"/>
+                  <dgm:constr type="t" for="ch" forName="dummyNode2"/>
+                  <dgm:constr type="l" for="ch" forName="dummyNode2"/>
+                  <dgm:constr type="w" for="ch" forName="childNode2" refType="w" fact="0.9"/>
+                  <dgm:constr type="h" for="ch" forName="childNode2" refType="h" fact="0.7"/>
+                  <dgm:constr type="t" for="ch" forName="childNode2" refType="h" fact="0.15"/>
+                  <dgm:constr type="l" for="ch" forName="childNode2" refType="w" fact="0.1"/>
+                  <dgm:constr type="w" for="ch" forName="childNode2tx" refType="w" fact="0.9"/>
+                  <dgm:constr type="h" for="ch" forName="childNode2tx" refType="h" fact="0.55"/>
+                  <dgm:constr type="t" for="ch" forName="childNode2tx" refType="h" fact="0.3"/>
+                  <dgm:constr type="l" for="ch" forName="childNode2tx" refType="w" fact="0.1"/>
+                  <dgm:constr type="w" for="ch" forName="parentNode2" refType="w" fact="0.8"/>
+                  <dgm:constr type="h" for="ch" forName="parentNode2" refType="h" fact="0.3"/>
+                  <dgm:constr type="t" for="ch" forName="parentNode2"/>
+                  <dgm:constr type="l" for="ch" forName="parentNode2"/>
+                  <dgm:constr type="w" for="ch" forName="connSite2" refType="w" fact="0.01"/>
+                  <dgm:constr type="h" for="ch" forName="connSite2" refType="h" fact="0.01"/>
+                  <dgm:constr type="t" for="ch" forName="connSite2" refType="h" fact="0.99"/>
+                  <dgm:constr type="l" for="ch" forName="connSite2" refType="w" fact="0.85"/>
+                </dgm:constrLst>
+              </dgm:else>
+            </dgm:choose>
+            <dgm:ruleLst/>
+            <dgm:layoutNode name="dummyNode2">
+              <dgm:alg type="sp"/>
+              <dgm:shape xmlns:r="http://schemas.openxmlformats.org/officeDocument/2006/relationships" type="rect" r:blip="" hideGeom="1">
+                <dgm:adjLst/>
+              </dgm:shape>
+              <dgm:presOf/>
+              <dgm:constrLst/>
+              <dgm:ruleLst/>
+            </dgm:layoutNode>
+            <dgm:layoutNode name="childNode2" styleLbl="bgAcc1">
+              <dgm:varLst>
+                <dgm:bulletEnabled val="1"/>
+              </dgm:varLst>
+              <dgm:alg type="sp"/>
+              <dgm:shape xmlns:r="http://schemas.openxmlformats.org/officeDocument/2006/relationships" type="roundRect" r:blip="">
+                <dgm:adjLst>
+                  <dgm:adj idx="1" val="0.1"/>
+                </dgm:adjLst>
+              </dgm:shape>
+              <dgm:presOf axis="des" ptType="node"/>
+              <dgm:constrLst/>
+              <dgm:ruleLst/>
+            </dgm:layoutNode>
+            <dgm:layoutNode name="childNode2tx" styleLbl="bgAcc1">
+              <dgm:varLst>
+                <dgm:bulletEnabled val="1"/>
+              </dgm:varLst>
+              <dgm:alg type="tx">
+                <dgm:param type="stBulletLvl" val="1"/>
+              </dgm:alg>
+              <dgm:shape xmlns:r="http://schemas.openxmlformats.org/officeDocument/2006/relationships" type="roundRect" r:blip="" hideGeom="1">
+                <dgm:adjLst>
+                  <dgm:adj idx="1" val="0.1"/>
+                </dgm:adjLst>
+              </dgm:shape>
+              <dgm:presOf axis="des" ptType="node"/>
+              <dgm:constrLst>
+                <dgm:constr type="secFontSz" val="65"/>
+                <dgm:constr type="primFontSz" refType="secFontSz"/>
+                <dgm:constr type="tMarg" refType="secFontSz" fact="0.15"/>
+                <dgm:constr type="bMarg" refType="secFontSz" fact="0.15"/>
+                <dgm:constr type="lMarg" refType="secFontSz" fact="0.15"/>
+                <dgm:constr type="rMarg" refType="secFontSz" fact="0.15"/>
+              </dgm:constrLst>
+              <dgm:ruleLst>
+                <dgm:rule type="secFontSz" val="5" fact="NaN" max="NaN"/>
+              </dgm:ruleLst>
+            </dgm:layoutNode>
+            <dgm:layoutNode name="parentNode2" styleLbl="node1">
+              <dgm:varLst>
+                <dgm:chMax val="0"/>
+                <dgm:bulletEnabled val="1"/>
+              </dgm:varLst>
+              <dgm:alg type="tx"/>
+              <dgm:shape xmlns:r="http://schemas.openxmlformats.org/officeDocument/2006/relationships" type="roundRect" r:blip="">
+                <dgm:adjLst>
+                  <dgm:adj idx="1" val="0.1"/>
+                </dgm:adjLst>
+              </dgm:shape>
+              <dgm:presOf axis="self"/>
+              <dgm:constrLst>
+                <dgm:constr type="tMarg" refType="primFontSz" fact="0.1"/>
+                <dgm:constr type="bMarg" refType="primFontSz" fact="0.1"/>
+                <dgm:constr type="lMarg" refType="primFontSz" fact="0.15"/>
+                <dgm:constr type="rMarg" refType="primFontSz" fact="0.15"/>
+              </dgm:constrLst>
+              <dgm:ruleLst>
+                <dgm:rule type="primFontSz" val="5" fact="NaN" max="NaN"/>
+              </dgm:ruleLst>
+            </dgm:layoutNode>
+            <dgm:layoutNode name="connSite2" moveWith="childNode2">
+              <dgm:alg type="sp"/>
+              <dgm:shape xmlns:r="http://schemas.openxmlformats.org/officeDocument/2006/relationships" r:blip="">
+                <dgm:adjLst/>
+              </dgm:shape>
+              <dgm:presOf/>
+              <dgm:constrLst/>
+              <dgm:ruleLst/>
+            </dgm:layoutNode>
+          </dgm:layoutNode>
+          <dgm:forEach name="Name17" axis="followSib" ptType="sibTrans" cnt="1">
+            <dgm:layoutNode name="Name18">
+              <dgm:alg type="conn">
+                <dgm:param type="connRout" val="curve"/>
+                <dgm:param type="srcNode" val="parentNode2"/>
+                <dgm:param type="dstNode" val="connSite1"/>
+                <dgm:param type="begPts" val="tCtr"/>
+                <dgm:param type="endPts" val="tCtr"/>
+              </dgm:alg>
+              <dgm:shape xmlns:r="http://schemas.openxmlformats.org/officeDocument/2006/relationships" type="conn" r:blip="" zOrderOff="-2">
+                <dgm:adjLst/>
+              </dgm:shape>
+              <dgm:presOf axis="self"/>
+              <dgm:choose name="Name19">
+                <dgm:if name="Name20" func="var" arg="dir" op="equ" val="norm">
+                  <dgm:constrLst>
+                    <dgm:constr type="h" refType="w" fact="0.35"/>
+                    <dgm:constr type="wArH" refType="h"/>
+                    <dgm:constr type="hArH" refType="h"/>
+                    <dgm:constr type="connDist"/>
+                    <dgm:constr type="diam" refType="connDist" fact="1.15"/>
+                    <dgm:constr type="begPad"/>
+                    <dgm:constr type="endPad"/>
+                  </dgm:constrLst>
+                </dgm:if>
+                <dgm:else name="Name21">
+                  <dgm:constrLst>
+                    <dgm:constr type="h" refType="w" fact="0.35"/>
+                    <dgm:constr type="wArH" refType="h"/>
+                    <dgm:constr type="hArH" refType="h"/>
+                    <dgm:constr type="connDist"/>
+                    <dgm:constr type="diam" refType="connDist" fact="-1.15"/>
+                    <dgm:constr type="begPad"/>
+                    <dgm:constr type="endPad"/>
+                  </dgm:constrLst>
+                </dgm:else>
+              </dgm:choose>
+              <dgm:ruleLst/>
+            </dgm:layoutNode>
+          </dgm:forEach>
+        </dgm:forEach>
+      </dgm:forEach>
+    </dgm:layoutNode>
+  </dgm:layoutNode>
+</dgm:layoutDef>
+</file>
+
+<file path=ppt/diagrams/quickStyle1.xml><?xml version="1.0" encoding="utf-8"?>
+<dgm:styleDef xmlns:dgm="http://schemas.openxmlformats.org/drawingml/2006/diagram" xmlns:a="http://schemas.openxmlformats.org/drawingml/2006/main" uniqueId="urn:microsoft.com/office/officeart/2005/8/quickstyle/simple1">
+  <dgm:title val=""/>
+  <dgm:desc val=""/>
+  <dgm:catLst>
+    <dgm:cat type="simple" pri="10100"/>
+  </dgm:catLst>
+  <dgm:scene3d>
+    <a:camera prst="orthographicFront"/>
+    <a:lightRig rig="threePt" dir="t"/>
+  </dgm:scene3d>
+  <dgm:styleLbl name="node0">
+    <dgm:scene3d>
+      <a:camera prst="orthographicFront"/>
+      <a:lightRig rig="threePt" dir="t"/>
+    </dgm:scene3d>
+    <dgm:sp3d/>
+    <dgm:txPr/>
+    <dgm:style>
+      <a:lnRef idx="2">
+        <a:scrgbClr r="0" g="0" b="0"/>
+      </a:lnRef>
+      <a:fillRef idx="1">
+        <a:scrgbClr r="0" g="0" b="0"/>
+      </a:fillRef>
+      <a:effectRef idx="0">
+        <a:scrgbClr r="0" g="0" b="0"/>
+      </a:effectRef>
+      <a:fontRef idx="minor">
+        <a:schemeClr val="lt1"/>
+      </a:fontRef>
+    </dgm:style>
+  </dgm:styleLbl>
+  <dgm:styleLbl name="lnNode1">
+    <dgm:scene3d>
+      <a:camera prst="orthographicFront"/>
+      <a:lightRig rig="threePt" dir="t"/>
+    </dgm:scene3d>
+    <dgm:sp3d/>
+    <dgm:txPr/>
+    <dgm:style>
+      <a:lnRef idx="2">
+        <a:scrgbClr r="0" g="0" b="0"/>
+      </a:lnRef>
+      <a:fillRef idx="1">
+        <a:scrgbClr r="0" g="0" b="0"/>
+      </a:fillRef>
+      <a:effectRef idx="0">
+        <a:scrgbClr r="0" g="0" b="0"/>
+      </a:effectRef>
+      <a:fontRef idx="minor">
+        <a:schemeClr val="lt1"/>
+      </a:fontRef>
+    </dgm:style>
+  </dgm:styleLbl>
+  <dgm:styleLbl name="vennNode1">
+    <dgm:scene3d>
+      <a:camera prst="orthographicFront"/>
+      <a:lightRig rig="threePt" dir="t"/>
+    </dgm:scene3d>
+    <dgm:sp3d/>
+    <dgm:txPr/>
+    <dgm:style>
+      <a:lnRef idx="2">
+        <a:scrgbClr r="0" g="0" b="0"/>
+      </a:lnRef>
+      <a:fillRef idx="1">
+        <a:scrgbClr r="0" g="0" b="0"/>
+      </a:fillRef>
+      <a:effectRef idx="0">
+        <a:scrgbClr r="0" g="0" b="0"/>
+      </a:effectRef>
+      <a:fontRef idx="minor">
+        <a:schemeClr val="tx1"/>
+      </a:fontRef>
+    </dgm:style>
+  </dgm:styleLbl>
+  <dgm:styleLbl name="alignNode1">
+    <dgm:scene3d>
+      <a:camera prst="orthographicFront"/>
+      <a:lightRig rig="threePt" dir="t"/>
+    </dgm:scene3d>
+    <dgm:sp3d/>
+    <dgm:txPr/>
+    <dgm:style>
+      <a:lnRef idx="2">
+        <a:scrgbClr r="0" g="0" b="0"/>
+      </a:lnRef>
+      <a:fillRef idx="1">
+        <a:scrgbClr r="0" g="0" b="0"/>
+      </a:fillRef>
+      <a:effectRef idx="0">
+        <a:scrgbClr r="0" g="0" b="0"/>
+      </a:effectRef>
+      <a:fontRef idx="minor">
+        <a:schemeClr val="lt1"/>
+      </a:fontRef>
+    </dgm:style>
+  </dgm:styleLbl>
+  <dgm:styleLbl name="node1">
+    <dgm:scene3d>
+      <a:camera prst="orthographicFront"/>
+      <a:lightRig rig="threePt" dir="t"/>
+    </dgm:scene3d>
+    <dgm:sp3d/>
+    <dgm:txPr/>
+    <dgm:style>
+      <a:lnRef idx="2">
+        <a:scrgbClr r="0" g="0" b="0"/>
+      </a:lnRef>
+      <a:fillRef idx="1">
+        <a:scrgbClr r="0" g="0" b="0"/>
+      </a:fillRef>
+      <a:effectRef idx="0">
+        <a:scrgbClr r="0" g="0" b="0"/>
+      </a:effectRef>
+      <a:fontRef idx="minor">
+        <a:schemeClr val="lt1"/>
+      </a:fontRef>
+    </dgm:style>
+  </dgm:styleLbl>
+  <dgm:styleLbl name="node2">
+    <dgm:scene3d>
+      <a:camera prst="orthographicFront"/>
+      <a:lightRig rig="threePt" dir="t"/>
+    </dgm:scene3d>
+    <dgm:sp3d/>
+    <dgm:txPr/>
+    <dgm:style>
+      <a:lnRef idx="2">
+        <a:scrgbClr r="0" g="0" b="0"/>
+      </a:lnRef>
+      <a:fillRef idx="1">
+        <a:scrgbClr r="0" g="0" b="0"/>
+      </a:fillRef>
+      <a:effectRef idx="0">
+        <a:scrgbClr r="0" g="0" b="0"/>
+      </a:effectRef>
+      <a:fontRef idx="minor">
+        <a:schemeClr val="lt1"/>
+      </a:fontRef>
+    </dgm:style>
+  </dgm:styleLbl>
+  <dgm:styleLbl name="node3">
+    <dgm:scene3d>
+      <a:camera prst="orthographicFront"/>
+      <a:lightRig rig="threePt" dir="t"/>
+    </dgm:scene3d>
+    <dgm:sp3d/>
+    <dgm:txPr/>
+    <dgm:style>
+      <a:lnRef idx="2">
+        <a:scrgbClr r="0" g="0" b="0"/>
+      </a:lnRef>
+      <a:fillRef idx="1">
+        <a:scrgbClr r="0" g="0" b="0"/>
+      </a:fillRef>
+      <a:effectRef idx="0">
+        <a:scrgbClr r="0" g="0" b="0"/>
+      </a:effectRef>
+      <a:fontRef idx="minor">
+        <a:schemeClr val="lt1"/>
+      </a:fontRef>
+    </dgm:style>
+  </dgm:styleLbl>
+  <dgm:styleLbl name="node4">
+    <dgm:scene3d>
+      <a:camera prst="orthographicFront"/>
+      <a:lightRig rig="threePt" dir="t"/>
+    </dgm:scene3d>
+    <dgm:sp3d/>
+    <dgm:txPr/>
+    <dgm:style>
+      <a:lnRef idx="2">
+        <a:scrgbClr r="0" g="0" b="0"/>
+      </a:lnRef>
+      <a:fillRef idx="1">
+        <a:scrgbClr r="0" g="0" b="0"/>
+      </a:fillRef>
+      <a:effectRef idx="0">
+        <a:scrgbClr r="0" g="0" b="0"/>
+      </a:effectRef>
+      <a:fontRef idx="minor">
+        <a:schemeClr val="lt1"/>
+      </a:fontRef>
+    </dgm:style>
+  </dgm:styleLbl>
+  <dgm:styleLbl name="fgImgPlace1">
+    <dgm:scene3d>
+      <a:camera prst="orthographicFront"/>
+      <a:lightRig rig="threePt" dir="t"/>
+    </dgm:scene3d>
+    <dgm:sp3d/>
+    <dgm:txPr/>
+    <dgm:style>
+      <a:lnRef idx="2">
+        <a:scrgbClr r="0" g="0" b="0"/>
+      </a:lnRef>
+      <a:fillRef idx="1">
+        <a:scrgbClr r="0" g="0" b="0"/>
+      </a:fillRef>
+      <a:effectRef idx="0">
+        <a:scrgbClr r="0" g="0" b="0"/>
+      </a:effectRef>
+      <a:fontRef idx="minor"/>
+    </dgm:style>
+  </dgm:styleLbl>
+  <dgm:styleLbl name="alignImgPlace1">
+    <dgm:scene3d>
+      <a:camera prst="orthographicFront"/>
+      <a:lightRig rig="threePt" dir="t"/>
+    </dgm:scene3d>
+    <dgm:sp3d/>
+    <dgm:txPr/>
+    <dgm:style>
+      <a:lnRef idx="2">
+        <a:scrgbClr r="0" g="0" b="0"/>
+      </a:lnRef>
+      <a:fillRef idx="1">
+        <a:scrgbClr r="0" g="0" b="0"/>
+      </a:fillRef>
+      <a:effectRef idx="0">
+        <a:scrgbClr r="0" g="0" b="0"/>
+      </a:effectRef>
+      <a:fontRef idx="minor"/>
+    </dgm:style>
+  </dgm:styleLbl>
+  <dgm:styleLbl name="bgImgPlace1">
+    <dgm:scene3d>
+      <a:camera prst="orthographicFront"/>
+      <a:lightRig rig="threePt" dir="t"/>
+    </dgm:scene3d>
+    <dgm:sp3d/>
+    <dgm:txPr/>
+    <dgm:style>
+      <a:lnRef idx="2">
+        <a:scrgbClr r="0" g="0" b="0"/>
+      </a:lnRef>
+      <a:fillRef idx="1">
+        <a:scrgbClr r="0" g="0" b="0"/>
+      </a:fillRef>
+      <a:effectRef idx="0">
+        <a:scrgbClr r="0" g="0" b="0"/>
+      </a:effectRef>
+      <a:fontRef idx="minor"/>
+    </dgm:style>
+  </dgm:styleLbl>
+  <dgm:styleLbl name="sibTrans2D1">
+    <dgm:scene3d>
+      <a:camera prst="orthographicFront"/>
+      <a:lightRig rig="threePt" dir="t"/>
+    </dgm:scene3d>
+    <dgm:sp3d/>
+    <dgm:txPr/>
+    <dgm:style>
+      <a:lnRef idx="0">
+        <a:scrgbClr r="0" g="0" b="0"/>
+      </a:lnRef>
+      <a:fillRef idx="1">
+        <a:scrgbClr r="0" g="0" b="0"/>
+      </a:fillRef>
+      <a:effectRef idx="0">
+        <a:scrgbClr r="0" g="0" b="0"/>
+      </a:effectRef>
+      <a:fontRef idx="minor">
+        <a:schemeClr val="lt1"/>
+      </a:fontRef>
+    </dgm:style>
+  </dgm:styleLbl>
+  <dgm:styleLbl name="fgSibTrans2D1">
+    <dgm:scene3d>
+      <a:camera prst="orthographicFront"/>
+      <a:lightRig rig="threePt" dir="t"/>
+    </dgm:scene3d>
+    <dgm:sp3d/>
+    <dgm:txPr/>
+    <dgm:style>
+      <a:lnRef idx="0">
+        <a:scrgbClr r="0" g="0" b="0"/>
+      </a:lnRef>
+      <a:fillRef idx="1">
+        <a:scrgbClr r="0" g="0" b="0"/>
+      </a:fillRef>
+      <a:effectRef idx="0">
+        <a:scrgbClr r="0" g="0" b="0"/>
+      </a:effectRef>
+      <a:fontRef idx="minor">
+        <a:schemeClr val="lt1"/>
+      </a:fontRef>
+    </dgm:style>
+  </dgm:styleLbl>
+  <dgm:styleLbl name="bgSibTrans2D1">
+    <dgm:scene3d>
+      <a:camera prst="orthographicFront"/>
+      <a:lightRig rig="threePt" dir="t"/>
+    </dgm:scene3d>
+    <dgm:sp3d/>
+    <dgm:txPr/>
+    <dgm:style>
+      <a:lnRef idx="0">
+        <a:scrgbClr r="0" g="0" b="0"/>
+      </a:lnRef>
+      <a:fillRef idx="1">
+        <a:scrgbClr r="0" g="0" b="0"/>
+      </a:fillRef>
+      <a:effectRef idx="0">
+        <a:scrgbClr r="0" g="0" b="0"/>
+      </a:effectRef>
+      <a:fontRef idx="minor">
+        <a:schemeClr val="lt1"/>
+      </a:fontRef>
+    </dgm:style>
+  </dgm:styleLbl>
+  <dgm:styleLbl name="sibTrans1D1">
+    <dgm:scene3d>
+      <a:camera prst="orthographicFront"/>
+      <a:lightRig rig="threePt" dir="t"/>
+    </dgm:scene3d>
+    <dgm:sp3d/>
+    <dgm:txPr/>
+    <dgm:style>
+      <a:lnRef idx="1">
+        <a:scrgbClr r="0" g="0" b="0"/>
+      </a:lnRef>
+      <a:fillRef idx="0">
+        <a:scrgbClr r="0" g="0" b="0"/>
+      </a:fillRef>
+      <a:effectRef idx="0">
+        <a:scrgbClr r="0" g="0" b="0"/>
+      </a:effectRef>
+      <a:fontRef idx="minor"/>
+    </dgm:style>
+  </dgm:styleLbl>
+  <dgm:styleLbl name="callout">
+    <dgm:scene3d>
+      <a:camera prst="orthographicFront"/>
+      <a:lightRig rig="threePt" dir="t"/>
+    </dgm:scene3d>
+    <dgm:sp3d/>
+    <dgm:txPr/>
+    <dgm:style>
+      <a:lnRef idx="2">
+        <a:scrgbClr r="0" g="0" b="0"/>
+      </a:lnRef>
+      <a:fillRef idx="1">
+        <a:scrgbClr r="0" g="0" b="0"/>
+      </a:fillRef>
+      <a:effectRef idx="0">
+        <a:scrgbClr r="0" g="0" b="0"/>
+      </a:effectRef>
+      <a:fontRef idx="minor"/>
+    </dgm:style>
+  </dgm:styleLbl>
+  <dgm:styleLbl name="asst0">
+    <dgm:scene3d>
+      <a:camera prst="orthographicFront"/>
+      <a:lightRig rig="threePt" dir="t"/>
+    </dgm:scene3d>
+    <dgm:sp3d/>
+    <dgm:txPr/>
+    <dgm:style>
+      <a:lnRef idx="2">
+        <a:scrgbClr r="0" g="0" b="0"/>
+      </a:lnRef>
+      <a:fillRef idx="1">
+        <a:scrgbClr r="0" g="0" b="0"/>
+      </a:fillRef>
+      <a:effectRef idx="0">
+        <a:scrgbClr r="0" g="0" b="0"/>
+      </a:effectRef>
+      <a:fontRef idx="minor">
+        <a:schemeClr val="lt1"/>
+      </a:fontRef>
+    </dgm:style>
+  </dgm:styleLbl>
+  <dgm:styleLbl name="asst1">
+    <dgm:scene3d>
+      <a:camera prst="orthographicFront"/>
+      <a:lightRig rig="threePt" dir="t"/>
+    </dgm:scene3d>
+    <dgm:sp3d/>
+    <dgm:txPr/>
+    <dgm:style>
+      <a:lnRef idx="2">
+        <a:scrgbClr r="0" g="0" b="0"/>
+      </a:lnRef>
+      <a:fillRef idx="1">
+        <a:scrgbClr r="0" g="0" b="0"/>
+      </a:fillRef>
+      <a:effectRef idx="0">
+        <a:scrgbClr r="0" g="0" b="0"/>
+      </a:effectRef>
+      <a:fontRef idx="minor">
+        <a:schemeClr val="lt1"/>
+      </a:fontRef>
+    </dgm:style>
+  </dgm:styleLbl>
+  <dgm:styleLbl name="asst2">
+    <dgm:scene3d>
+      <a:camera prst="orthographicFront"/>
+      <a:lightRig rig="threePt" dir="t"/>
+    </dgm:scene3d>
+    <dgm:sp3d/>
+    <dgm:txPr/>
+    <dgm:style>
+      <a:lnRef idx="2">
+        <a:scrgbClr r="0" g="0" b="0"/>
+      </a:lnRef>
+      <a:fillRef idx="1">
+        <a:scrgbClr r="0" g="0" b="0"/>
+      </a:fillRef>
+      <a:effectRef idx="0">
+        <a:scrgbClr r="0" g="0" b="0"/>
+      </a:effectRef>
+      <a:fontRef idx="minor">
+        <a:schemeClr val="lt1"/>
+      </a:fontRef>
+    </dgm:style>
+  </dgm:styleLbl>
+  <dgm:styleLbl name="asst3">
+    <dgm:scene3d>
+      <a:camera prst="orthographicFront"/>
+      <a:lightRig rig="threePt" dir="t"/>
+    </dgm:scene3d>
+    <dgm:sp3d/>
+    <dgm:txPr/>
+    <dgm:style>
+      <a:lnRef idx="2">
+        <a:scrgbClr r="0" g="0" b="0"/>
+      </a:lnRef>
+      <a:fillRef idx="1">
+        <a:scrgbClr r="0" g="0" b="0"/>
+      </a:fillRef>
+      <a:effectRef idx="0">
+        <a:scrgbClr r="0" g="0" b="0"/>
+      </a:effectRef>
+      <a:fontRef idx="minor">
+        <a:schemeClr val="lt1"/>
+      </a:fontRef>
+    </dgm:style>
+  </dgm:styleLbl>
+  <dgm:styleLbl name="asst4">
+    <dgm:scene3d>
+      <a:camera prst="orthographicFront"/>
+      <a:lightRig rig="threePt" dir="t"/>
+    </dgm:scene3d>
+    <dgm:sp3d/>
+    <dgm:txPr/>
+    <dgm:style>
+      <a:lnRef idx="2">
+        <a:scrgbClr r="0" g="0" b="0"/>
+      </a:lnRef>
+      <a:fillRef idx="1">
+        <a:scrgbClr r="0" g="0" b="0"/>
+      </a:fillRef>
+      <a:effectRef idx="0">
+        <a:scrgbClr r="0" g="0" b="0"/>
+      </a:effectRef>
+      <a:fontRef idx="minor">
+        <a:schemeClr val="lt1"/>
+      </a:fontRef>
+    </dgm:style>
+  </dgm:styleLbl>
+  <dgm:styleLbl name="parChTrans2D1">
+    <dgm:scene3d>
+      <a:camera prst="orthographicFront"/>
+      <a:lightRig rig="threePt" dir="t"/>
+    </dgm:scene3d>
+    <dgm:sp3d/>
+    <dgm:txPr/>
+    <dgm:style>
+      <a:lnRef idx="2">
+        <a:scrgbClr r="0" g="0" b="0"/>
+      </a:lnRef>
+      <a:fillRef idx="1">
+        <a:scrgbClr r="0" g="0" b="0"/>
+      </a:fillRef>
+      <a:effectRef idx="0">
+        <a:scrgbClr r="0" g="0" b="0"/>
+      </a:effectRef>
+      <a:fontRef idx="minor">
+        <a:schemeClr val="lt1"/>
+      </a:fontRef>
+    </dgm:style>
+  </dgm:styleLbl>
+  <dgm:styleLbl name="parChTrans2D2">
+    <dgm:scene3d>
+      <a:camera prst="orthographicFront"/>
+      <a:lightRig rig="threePt" dir="t"/>
+    </dgm:scene3d>
+    <dgm:sp3d/>
+    <dgm:txPr/>
+    <dgm:style>
+      <a:lnRef idx="2">
+        <a:scrgbClr r="0" g="0" b="0"/>
+      </a:lnRef>
+      <a:fillRef idx="1">
+        <a:scrgbClr r="0" g="0" b="0"/>
+      </a:fillRef>
+      <a:effectRef idx="0">
+        <a:scrgbClr r="0" g="0" b="0"/>
+      </a:effectRef>
+      <a:fontRef idx="minor">
+        <a:schemeClr val="lt1"/>
+      </a:fontRef>
+    </dgm:style>
+  </dgm:styleLbl>
+  <dgm:styleLbl name="parChTrans2D3">
+    <dgm:scene3d>
+      <a:camera prst="orthographicFront"/>
+      <a:lightRig rig="threePt" dir="t"/>
+    </dgm:scene3d>
+    <dgm:sp3d/>
+    <dgm:txPr/>
+    <dgm:style>
+      <a:lnRef idx="2">
+        <a:scrgbClr r="0" g="0" b="0"/>
+      </a:lnRef>
+      <a:fillRef idx="1">
+        <a:scrgbClr r="0" g="0" b="0"/>
+      </a:fillRef>
+      <a:effectRef idx="0">
+        <a:scrgbClr r="0" g="0" b="0"/>
+      </a:effectRef>
+      <a:fontRef idx="minor">
+        <a:schemeClr val="lt1"/>
+      </a:fontRef>
+    </dgm:style>
+  </dgm:styleLbl>
+  <dgm:styleLbl name="parChTrans2D4">
+    <dgm:scene3d>
+      <a:camera prst="orthographicFront"/>
+      <a:lightRig rig="threePt" dir="t"/>
+    </dgm:scene3d>
+    <dgm:sp3d/>
+    <dgm:txPr/>
+    <dgm:style>
+      <a:lnRef idx="2">
+        <a:scrgbClr r="0" g="0" b="0"/>
+      </a:lnRef>
+      <a:fillRef idx="1">
+        <a:scrgbClr r="0" g="0" b="0"/>
+      </a:fillRef>
+      <a:effectRef idx="0">
+        <a:scrgbClr r="0" g="0" b="0"/>
+      </a:effectRef>
+      <a:fontRef idx="minor">
+        <a:schemeClr val="lt1"/>
+      </a:fontRef>
+    </dgm:style>
+  </dgm:styleLbl>
+  <dgm:styleLbl name="parChTrans1D1">
+    <dgm:scene3d>
+      <a:camera prst="orthographicFront"/>
+      <a:lightRig rig="threePt" dir="t"/>
+    </dgm:scene3d>
+    <dgm:sp3d/>
+    <dgm:txPr/>
+    <dgm:style>
+      <a:lnRef idx="2">
+        <a:scrgbClr r="0" g="0" b="0"/>
+      </a:lnRef>
+      <a:fillRef idx="0">
+        <a:scrgbClr r="0" g="0" b="0"/>
+      </a:fillRef>
+      <a:effectRef idx="0">
+        <a:scrgbClr r="0" g="0" b="0"/>
+      </a:effectRef>
+      <a:fontRef idx="minor"/>
+    </dgm:style>
+  </dgm:styleLbl>
+  <dgm:styleLbl name="parChTrans1D2">
+    <dgm:scene3d>
+      <a:camera prst="orthographicFront"/>
+      <a:lightRig rig="threePt" dir="t"/>
+    </dgm:scene3d>
+    <dgm:sp3d/>
+    <dgm:txPr/>
+    <dgm:style>
+      <a:lnRef idx="2">
+        <a:scrgbClr r="0" g="0" b="0"/>
+      </a:lnRef>
+      <a:fillRef idx="0">
+        <a:scrgbClr r="0" g="0" b="0"/>
+      </a:fillRef>
+      <a:effectRef idx="0">
+        <a:scrgbClr r="0" g="0" b="0"/>
+      </a:effectRef>
+      <a:fontRef idx="minor"/>
+    </dgm:style>
+  </dgm:styleLbl>
+  <dgm:styleLbl name="parChTrans1D3">
+    <dgm:scene3d>
+      <a:camera prst="orthographicFront"/>
+      <a:lightRig rig="threePt" dir="t"/>
+    </dgm:scene3d>
+    <dgm:sp3d/>
+    <dgm:txPr/>
+    <dgm:style>
+      <a:lnRef idx="2">
+        <a:scrgbClr r="0" g="0" b="0"/>
+      </a:lnRef>
+      <a:fillRef idx="0">
+        <a:scrgbClr r="0" g="0" b="0"/>
+      </a:fillRef>
+      <a:effectRef idx="0">
+        <a:scrgbClr r="0" g="0" b="0"/>
+      </a:effectRef>
+      <a:fontRef idx="minor"/>
+    </dgm:style>
+  </dgm:styleLbl>
+  <dgm:styleLbl name="parChTrans1D4">
+    <dgm:scene3d>
+      <a:camera prst="orthographicFront"/>
+      <a:lightRig rig="threePt" dir="t"/>
+    </dgm:scene3d>
+    <dgm:sp3d/>
+    <dgm:txPr/>
+    <dgm:style>
+      <a:lnRef idx="2">
+        <a:scrgbClr r="0" g="0" b="0"/>
+      </a:lnRef>
+      <a:fillRef idx="0">
+        <a:scrgbClr r="0" g="0" b="0"/>
+      </a:fillRef>
+      <a:effectRef idx="0">
+        <a:scrgbClr r="0" g="0" b="0"/>
+      </a:effectRef>
+      <a:fontRef idx="minor"/>
+    </dgm:style>
+  </dgm:styleLbl>
+  <dgm:styleLbl name="fgAcc1">
+    <dgm:scene3d>
+      <a:camera prst="orthographicFront"/>
+      <a:lightRig rig="threePt" dir="t"/>
+    </dgm:scene3d>
+    <dgm:sp3d/>
+    <dgm:txPr/>
+    <dgm:style>
+      <a:lnRef idx="2">
+        <a:scrgbClr r="0" g="0" b="0"/>
+      </a:lnRef>
+      <a:fillRef idx="1">
+        <a:scrgbClr r="0" g="0" b="0"/>
+      </a:fillRef>
+      <a:effectRef idx="0">
+        <a:scrgbClr r="0" g="0" b="0"/>
+      </a:effectRef>
+      <a:fontRef idx="minor"/>
+    </dgm:style>
+  </dgm:styleLbl>
+  <dgm:styleLbl name="conFgAcc1">
+    <dgm:scene3d>
+      <a:camera prst="orthographicFront"/>
+      <a:lightRig rig="threePt" dir="t"/>
+    </dgm:scene3d>
+    <dgm:sp3d/>
+    <dgm:txPr/>
+    <dgm:style>
+      <a:lnRef idx="2">
+        <a:scrgbClr r="0" g="0" b="0"/>
+      </a:lnRef>
+      <a:fillRef idx="1">
+        <a:scrgbClr r="0" g="0" b="0"/>
+      </a:fillRef>
+      <a:effectRef idx="0">
+        <a:scrgbClr r="0" g="0" b="0"/>
+      </a:effectRef>
+      <a:fontRef idx="minor"/>
+    </dgm:style>
+  </dgm:styleLbl>
+  <dgm:styleLbl name="alignAcc1">
+    <dgm:scene3d>
+      <a:camera prst="orthographicFront"/>
+      <a:lightRig rig="threePt" dir="t"/>
+    </dgm:scene3d>
+    <dgm:sp3d/>
+    <dgm:txPr/>
+    <dgm:style>
+      <a:lnRef idx="2">
+        <a:scrgbClr r="0" g="0" b="0"/>
+      </a:lnRef>
+      <a:fillRef idx="1">
+        <a:scrgbClr r="0" g="0" b="0"/>
+      </a:fillRef>
+      <a:effectRef idx="0">
+        <a:scrgbClr r="0" g="0" b="0"/>
+      </a:effectRef>
+      <a:fontRef idx="minor"/>
+    </dgm:style>
+  </dgm:styleLbl>
+  <dgm:styleLbl name="trAlignAcc1">
+    <dgm:scene3d>
+      <a:camera prst="orthographicFront"/>
+      <a:lightRig rig="threePt" dir="t"/>
+    </dgm:scene3d>
+    <dgm:sp3d/>
+    <dgm:txPr/>
+    <dgm:style>
+      <a:lnRef idx="1">
+        <a:scrgbClr r="0" g="0" b="0"/>
+      </a:lnRef>
+      <a:fillRef idx="1">
+        <a:scrgbClr r="0" g="0" b="0"/>
+      </a:fillRef>
+      <a:effectRef idx="0">
+        <a:scrgbClr r="0" g="0" b="0"/>
+      </a:effectRef>
+      <a:fontRef idx="minor"/>
+    </dgm:style>
+  </dgm:styleLbl>
+  <dgm:styleLbl name="bgAcc1">
+    <dgm:scene3d>
+      <a:camera prst="orthographicFront"/>
+      <a:lightRig rig="threePt" dir="t"/>
+    </dgm:scene3d>
+    <dgm:sp3d/>
+    <dgm:txPr/>
+    <dgm:style>
+      <a:lnRef idx="2">
+        <a:scrgbClr r="0" g="0" b="0"/>
+      </a:lnRef>
+      <a:fillRef idx="1">
+        <a:scrgbClr r="0" g="0" b="0"/>
+      </a:fillRef>
+      <a:effectRef idx="0">
+        <a:scrgbClr r="0" g="0" b="0"/>
+      </a:effectRef>
+      <a:fontRef idx="minor"/>
+    </dgm:style>
+  </dgm:styleLbl>
+  <dgm:styleLbl name="solidFgAcc1">
+    <dgm:scene3d>
+      <a:camera prst="orthographicFront"/>
+      <a:lightRig rig="threePt" dir="t"/>
+    </dgm:scene3d>
+    <dgm:sp3d/>
+    <dgm:txPr/>
+    <dgm:style>
+      <a:lnRef idx="2">
+        <a:scrgbClr r="0" g="0" b="0"/>
+      </a:lnRef>
+      <a:fillRef idx="1">
+        <a:scrgbClr r="0" g="0" b="0"/>
+      </a:fillRef>
+      <a:effectRef idx="0">
+        <a:scrgbClr r="0" g="0" b="0"/>
+      </a:effectRef>
+      <a:fontRef idx="minor"/>
+    </dgm:style>
+  </dgm:styleLbl>
+  <dgm:styleLbl name="solidAlignAcc1">
+    <dgm:scene3d>
+      <a:camera prst="orthographicFront"/>
+      <a:lightRig rig="threePt" dir="t"/>
+    </dgm:scene3d>
+    <dgm:sp3d/>
+    <dgm:txPr/>
+    <dgm:style>
+      <a:lnRef idx="2">
+        <a:scrgbClr r="0" g="0" b="0"/>
+      </a:lnRef>
+      <a:fillRef idx="1">
+        <a:scrgbClr r="0" g="0" b="0"/>
+      </a:fillRef>
+      <a:effectRef idx="0">
+        <a:scrgbClr r="0" g="0" b="0"/>
+      </a:effectRef>
+      <a:fontRef idx="minor"/>
+    </dgm:style>
+  </dgm:styleLbl>
+  <dgm:styleLbl name="solidBgAcc1">
+    <dgm:scene3d>
+      <a:camera prst="orthographicFront"/>
+      <a:lightRig rig="threePt" dir="t"/>
+    </dgm:scene3d>
+    <dgm:sp3d/>
+    <dgm:txPr/>
+    <dgm:style>
+      <a:lnRef idx="2">
+        <a:scrgbClr r="0" g="0" b="0"/>
+      </a:lnRef>
+      <a:fillRef idx="1">
+        <a:scrgbClr r="0" g="0" b="0"/>
+      </a:fillRef>
+      <a:effectRef idx="0">
+        <a:scrgbClr r="0" g="0" b="0"/>
+      </a:effectRef>
+      <a:fontRef idx="minor"/>
+    </dgm:style>
+  </dgm:styleLbl>
+  <dgm:styleLbl name="fgAccFollowNode1">
+    <dgm:scene3d>
+      <a:camera prst="orthographicFront"/>
+      <a:lightRig rig="threePt" dir="t"/>
+    </dgm:scene3d>
+    <dgm:sp3d/>
+    <dgm:txPr/>
+    <dgm:style>
+      <a:lnRef idx="2">
+        <a:scrgbClr r="0" g="0" b="0"/>
+      </a:lnRef>
+      <a:fillRef idx="1">
+        <a:scrgbClr r="0" g="0" b="0"/>
+      </a:fillRef>
+      <a:effectRef idx="0">
+        <a:scrgbClr r="0" g="0" b="0"/>
+      </a:effectRef>
+      <a:fontRef idx="minor"/>
+    </dgm:style>
+  </dgm:styleLbl>
+  <dgm:styleLbl name="alignAccFollowNode1">
+    <dgm:scene3d>
+      <a:camera prst="orthographicFront"/>
+      <a:lightRig rig="threePt" dir="t"/>
+    </dgm:scene3d>
+    <dgm:sp3d/>
+    <dgm:txPr/>
+    <dgm:style>
+      <a:lnRef idx="2">
+        <a:scrgbClr r="0" g="0" b="0"/>
+      </a:lnRef>
+      <a:fillRef idx="1">
+        <a:scrgbClr r="0" g="0" b="0"/>
+      </a:fillRef>
+      <a:effectRef idx="0">
+        <a:scrgbClr r="0" g="0" b="0"/>
+      </a:effectRef>
+      <a:fontRef idx="minor"/>
+    </dgm:style>
+  </dgm:styleLbl>
+  <dgm:styleLbl name="bgAccFollowNode1">
+    <dgm:scene3d>
+      <a:camera prst="orthographicFront"/>
+      <a:lightRig rig="threePt" dir="t"/>
+    </dgm:scene3d>
+    <dgm:sp3d/>
+    <dgm:txPr/>
+    <dgm:style>
+      <a:lnRef idx="2">
+        <a:scrgbClr r="0" g="0" b="0"/>
+      </a:lnRef>
+      <a:fillRef idx="1">
+        <a:scrgbClr r="0" g="0" b="0"/>
+      </a:fillRef>
+      <a:effectRef idx="0">
+        <a:scrgbClr r="0" g="0" b="0"/>
+      </a:effectRef>
+      <a:fontRef idx="minor"/>
+    </dgm:style>
+  </dgm:styleLbl>
+  <dgm:styleLbl name="fgAcc0">
+    <dgm:scene3d>
+      <a:camera prst="orthographicFront"/>
+      <a:lightRig rig="threePt" dir="t"/>
+    </dgm:scene3d>
+    <dgm:sp3d/>
+    <dgm:txPr/>
+    <dgm:style>
+      <a:lnRef idx="2">
+        <a:scrgbClr r="0" g="0" b="0"/>
+      </a:lnRef>
+      <a:fillRef idx="1">
+        <a:scrgbClr r="0" g="0" b="0"/>
+      </a:fillRef>
+      <a:effectRef idx="0">
+        <a:scrgbClr r="0" g="0" b="0"/>
+      </a:effectRef>
+      <a:fontRef idx="minor"/>
+    </dgm:style>
+  </dgm:styleLbl>
+  <dgm:styleLbl name="fgAcc2">
+    <dgm:scene3d>
+      <a:camera prst="orthographicFront"/>
+      <a:lightRig rig="threePt" dir="t"/>
+    </dgm:scene3d>
+    <dgm:sp3d/>
+    <dgm:txPr/>
+    <dgm:style>
+      <a:lnRef idx="2">
+        <a:scrgbClr r="0" g="0" b="0"/>
+      </a:lnRef>
+      <a:fillRef idx="1">
+        <a:scrgbClr r="0" g="0" b="0"/>
+      </a:fillRef>
+      <a:effectRef idx="0">
+        <a:scrgbClr r="0" g="0" b="0"/>
+      </a:effectRef>
+      <a:fontRef idx="minor"/>
+    </dgm:style>
+  </dgm:styleLbl>
+  <dgm:styleLbl name="fgAcc3">
+    <dgm:scene3d>
+      <a:camera prst="orthographicFront"/>
+      <a:lightRig rig="threePt" dir="t"/>
+    </dgm:scene3d>
+    <dgm:sp3d/>
+    <dgm:txPr/>
+    <dgm:style>
+      <a:lnRef idx="2">
+        <a:scrgbClr r="0" g="0" b="0"/>
+      </a:lnRef>
+      <a:fillRef idx="1">
+        <a:scrgbClr r="0" g="0" b="0"/>
+      </a:fillRef>
+      <a:effectRef idx="0">
+        <a:scrgbClr r="0" g="0" b="0"/>
+      </a:effectRef>
+      <a:fontRef idx="minor"/>
+    </dgm:style>
+  </dgm:styleLbl>
+  <dgm:styleLbl name="fgAcc4">
+    <dgm:scene3d>
+      <a:camera prst="orthographicFront"/>
+      <a:lightRig rig="threePt" dir="t"/>
+    </dgm:scene3d>
+    <dgm:sp3d/>
+    <dgm:txPr/>
+    <dgm:style>
+      <a:lnRef idx="2">
+        <a:scrgbClr r="0" g="0" b="0"/>
+      </a:lnRef>
+      <a:fillRef idx="1">
+        <a:scrgbClr r="0" g="0" b="0"/>
+      </a:fillRef>
+      <a:effectRef idx="0">
+        <a:scrgbClr r="0" g="0" b="0"/>
+      </a:effectRef>
+      <a:fontRef idx="minor"/>
+    </dgm:style>
+  </dgm:styleLbl>
+  <dgm:styleLbl name="bgShp">
+    <dgm:scene3d>
+      <a:camera prst="orthographicFront"/>
+      <a:lightRig rig="threePt" dir="t"/>
+    </dgm:scene3d>
+    <dgm:sp3d/>
+    <dgm:txPr/>
+    <dgm:style>
+      <a:lnRef idx="0">
+        <a:scrgbClr r="0" g="0" b="0"/>
+      </a:lnRef>
+      <a:fillRef idx="1">
+        <a:scrgbClr r="0" g="0" b="0"/>
+      </a:fillRef>
+      <a:effectRef idx="0">
+        <a:scrgbClr r="0" g="0" b="0"/>
+      </a:effectRef>
+      <a:fontRef idx="minor"/>
+    </dgm:style>
+  </dgm:styleLbl>
+  <dgm:styleLbl name="dkBgShp">
+    <dgm:scene3d>
+      <a:camera prst="orthographicFront"/>
+      <a:lightRig rig="threePt" dir="t"/>
+    </dgm:scene3d>
+    <dgm:sp3d/>
+    <dgm:txPr/>
+    <dgm:style>
+      <a:lnRef idx="0">
+        <a:scrgbClr r="0" g="0" b="0"/>
+      </a:lnRef>
+      <a:fillRef idx="1">
+        <a:scrgbClr r="0" g="0" b="0"/>
+      </a:fillRef>
+      <a:effectRef idx="0">
+        <a:scrgbClr r="0" g="0" b="0"/>
+      </a:effectRef>
+      <a:fontRef idx="minor"/>
+    </dgm:style>
+  </dgm:styleLbl>
+  <dgm:styleLbl name="trBgShp">
+    <dgm:scene3d>
+      <a:camera prst="orthographicFront"/>
+      <a:lightRig rig="threePt" dir="t"/>
+    </dgm:scene3d>
+    <dgm:sp3d/>
+    <dgm:txPr/>
+    <dgm:style>
+      <a:lnRef idx="0">
+        <a:scrgbClr r="0" g="0" b="0"/>
+      </a:lnRef>
+      <a:fillRef idx="1">
+        <a:scrgbClr r="0" g="0" b="0"/>
+      </a:fillRef>
+      <a:effectRef idx="0">
+        <a:scrgbClr r="0" g="0" b="0"/>
+      </a:effectRef>
+      <a:fontRef idx="minor"/>
+    </dgm:style>
+  </dgm:styleLbl>
+  <dgm:styleLbl name="fgShp">
+    <dgm:scene3d>
+      <a:camera prst="orthographicFront"/>
+      <a:lightRig rig="threePt" dir="t"/>
+    </dgm:scene3d>
+    <dgm:sp3d/>
+    <dgm:txPr/>
+    <dgm:style>
+      <a:lnRef idx="2">
+        <a:scrgbClr r="0" g="0" b="0"/>
+      </a:lnRef>
+      <a:fillRef idx="1">
+        <a:scrgbClr r="0" g="0" b="0"/>
+      </a:fillRef>
+      <a:effectRef idx="0">
+        <a:scrgbClr r="0" g="0" b="0"/>
+      </a:effectRef>
+      <a:fontRef idx="minor"/>
+    </dgm:style>
+  </dgm:styleLbl>
+  <dgm:styleLbl name="revTx">
+    <dgm:scene3d>
+      <a:camera prst="orthographicFront"/>
+      <a:lightRig rig="threePt" dir="t"/>
+    </dgm:scene3d>
+    <dgm:sp3d/>
+    <dgm:txPr/>
+    <dgm:style>
+      <a:lnRef idx="0">
+        <a:scrgbClr r="0" g="0" b="0"/>
+      </a:lnRef>
+      <a:fillRef idx="0">
+        <a:scrgbClr r="0" g="0" b="0"/>
+      </a:fillRef>
+      <a:effectRef idx="0">
+        <a:scrgbClr r="0" g="0" b="0"/>
+      </a:effectRef>
+      <a:fontRef idx="minor"/>
+    </dgm:style>
+  </dgm:styleLbl>
+</dgm:styleDef>
 </file>
 
 <file path=ppt/notesMasters/notesMaster1.xml><?xml version="1.0" encoding="utf-8"?>
@@ -628,91 +5296,7 @@
     </p:spTree>
     <p:extLst>
       <p:ext uri="{BB962C8B-B14F-4D97-AF65-F5344CB8AC3E}">
-        <p14:creationId xmlns:p14="http://schemas.microsoft.com/office/powerpoint/2010/main" val="3820056248"/>
-      </p:ext>
-    </p:extLst>
-  </p:cSld>
-  <p:clrMapOvr>
-    <a:masterClrMapping/>
-  </p:clrMapOvr>
-</p:notes>
-</file>
-
-<file path=ppt/notesSlides/notesSlide3.xml><?xml version="1.0" encoding="utf-8"?>
-<p:notes xmlns:a="http://schemas.openxmlformats.org/drawingml/2006/main" xmlns:r="http://schemas.openxmlformats.org/officeDocument/2006/relationships" xmlns:p="http://schemas.openxmlformats.org/presentationml/2006/main">
-  <p:cSld>
-    <p:spTree>
-      <p:nvGrpSpPr>
-        <p:cNvPr id="1" name=""/>
-        <p:cNvGrpSpPr/>
-        <p:nvPr/>
-      </p:nvGrpSpPr>
-      <p:grpSpPr>
-        <a:xfrm>
-          <a:off x="0" y="0"/>
-          <a:ext cx="0" cy="0"/>
-          <a:chOff x="0" y="0"/>
-          <a:chExt cx="0" cy="0"/>
-        </a:xfrm>
-      </p:grpSpPr>
-      <p:sp>
-        <p:nvSpPr>
-          <p:cNvPr id="2" name="Slide Image Placeholder 1"/>
-          <p:cNvSpPr>
-            <a:spLocks noGrp="1" noRot="1" noChangeAspect="1"/>
-          </p:cNvSpPr>
-          <p:nvPr>
-            <p:ph type="sldImg"/>
-          </p:nvPr>
-        </p:nvSpPr>
-        <p:spPr/>
-      </p:sp>
-      <p:sp>
-        <p:nvSpPr>
-          <p:cNvPr id="3" name="Notes Placeholder 2"/>
-          <p:cNvSpPr>
-            <a:spLocks noGrp="1"/>
-          </p:cNvSpPr>
-          <p:nvPr>
-            <p:ph type="body" idx="1"/>
-          </p:nvPr>
-        </p:nvSpPr>
-        <p:spPr/>
-        <p:txBody>
-          <a:bodyPr/>
-          <a:lstStyle/>
-          <a:p>
-            <a:endParaRPr lang="en-US" dirty="0"/>
-          </a:p>
-        </p:txBody>
-      </p:sp>
-      <p:sp>
-        <p:nvSpPr>
-          <p:cNvPr id="4" name="Slide Number Placeholder 3"/>
-          <p:cNvSpPr>
-            <a:spLocks noGrp="1"/>
-          </p:cNvSpPr>
-          <p:nvPr>
-            <p:ph type="sldNum" sz="quarter" idx="10"/>
-          </p:nvPr>
-        </p:nvSpPr>
-        <p:spPr/>
-        <p:txBody>
-          <a:bodyPr/>
-          <a:lstStyle/>
-          <a:p>
-            <a:fld id="{F466AC0D-1CAD-0D44-B869-4755A8D37EE1}" type="slidenum">
-              <a:rPr lang="en-US" smtClean="0"/>
-              <a:t>6</a:t>
-            </a:fld>
-            <a:endParaRPr lang="en-US"/>
-          </a:p>
-        </p:txBody>
-      </p:sp>
-    </p:spTree>
-    <p:extLst>
-      <p:ext uri="{BB962C8B-B14F-4D97-AF65-F5344CB8AC3E}">
-        <p14:creationId xmlns:p14="http://schemas.microsoft.com/office/powerpoint/2010/main" val="1136459267"/>
+        <p14:creationId xmlns:p14="http://schemas.microsoft.com/office/powerpoint/2010/main" val="3050406483"/>
       </p:ext>
     </p:extLst>
   </p:cSld>
@@ -3544,6 +8128,14 @@
 <file path=ppt/slides/slide1.xml><?xml version="1.0" encoding="utf-8"?>
 <p:sld xmlns:a="http://schemas.openxmlformats.org/drawingml/2006/main" xmlns:r="http://schemas.openxmlformats.org/officeDocument/2006/relationships" xmlns:p="http://schemas.openxmlformats.org/presentationml/2006/main">
   <p:cSld>
+    <p:bg>
+      <p:bgPr>
+        <a:solidFill>
+          <a:srgbClr val="FDFDFD"/>
+        </a:solidFill>
+        <a:effectLst/>
+      </p:bgPr>
+    </p:bg>
     <p:spTree>
       <p:nvGrpSpPr>
         <p:cNvPr id="1" name=""/>
@@ -3571,7 +8163,7 @@
         <p:spPr>
           <a:xfrm>
             <a:off x="438150" y="2162712"/>
-            <a:ext cx="9144000" cy="2387600"/>
+            <a:ext cx="8184831" cy="2387600"/>
           </a:xfrm>
         </p:spPr>
         <p:txBody>
@@ -3981,6 +8573,14 @@
 <file path=ppt/slides/slide2.xml><?xml version="1.0" encoding="utf-8"?>
 <p:sld xmlns:a="http://schemas.openxmlformats.org/drawingml/2006/main" xmlns:r="http://schemas.openxmlformats.org/officeDocument/2006/relationships" xmlns:p="http://schemas.openxmlformats.org/presentationml/2006/main">
   <p:cSld>
+    <p:bg>
+      <p:bgPr>
+        <a:solidFill>
+          <a:srgbClr val="FDFDFD"/>
+        </a:solidFill>
+        <a:effectLst/>
+      </p:bgPr>
+    </p:bg>
     <p:spTree>
       <p:nvGrpSpPr>
         <p:cNvPr id="1" name=""/>
@@ -4100,6 +8700,14 @@
 <file path=ppt/slides/slide3.xml><?xml version="1.0" encoding="utf-8"?>
 <p:sld xmlns:a="http://schemas.openxmlformats.org/drawingml/2006/main" xmlns:r="http://schemas.openxmlformats.org/officeDocument/2006/relationships" xmlns:p="http://schemas.openxmlformats.org/presentationml/2006/main">
   <p:cSld>
+    <p:bg>
+      <p:bgPr>
+        <a:solidFill>
+          <a:srgbClr val="FDFDFD"/>
+        </a:solidFill>
+        <a:effectLst/>
+      </p:bgPr>
+    </p:bg>
     <p:spTree>
       <p:nvGrpSpPr>
         <p:cNvPr id="1" name=""/>
@@ -4184,13 +8792,27 @@
           </a:p>
           <a:p>
             <a:r>
-              <a:rPr lang="en-US" dirty="0">
-                <a:solidFill>
-                  <a:srgbClr val="FF0000"/>
-                </a:solidFill>
-              </a:rPr>
-              <a:t>(include some more information)</a:t>
+              <a:rPr lang="en-US" dirty="0"/>
+              <a:t>Collected data, but not used:</a:t>
             </a:r>
+          </a:p>
+          <a:p>
+            <a:pPr lvl="1"/>
+            <a:r>
+              <a:rPr lang="en-US" dirty="0"/>
+              <a:t>Six other sensors (head, sternum, left and right tights, left and right ankles)</a:t>
+            </a:r>
+          </a:p>
+          <a:p>
+            <a:pPr lvl="1"/>
+            <a:r>
+              <a:rPr lang="en-US" dirty="0"/>
+              <a:t>Tri-axial measurements: Gyro and Magnetic Fields</a:t>
+            </a:r>
+          </a:p>
+          <a:p>
+            <a:pPr lvl="1"/>
+            <a:endParaRPr lang="en-US" dirty="0"/>
           </a:p>
         </p:txBody>
       </p:sp>
@@ -4210,6 +8832,14 @@
 <file path=ppt/slides/slide4.xml><?xml version="1.0" encoding="utf-8"?>
 <p:sld xmlns:a="http://schemas.openxmlformats.org/drawingml/2006/main" xmlns:r="http://schemas.openxmlformats.org/officeDocument/2006/relationships" xmlns:p="http://schemas.openxmlformats.org/presentationml/2006/main">
   <p:cSld>
+    <p:bg>
+      <p:bgPr>
+        <a:solidFill>
+          <a:srgbClr val="FDFDFD"/>
+        </a:solidFill>
+        <a:effectLst/>
+      </p:bgPr>
+    </p:bg>
     <p:spTree>
       <p:nvGrpSpPr>
         <p:cNvPr id="1" name=""/>
@@ -4272,50 +8902,302 @@
         </p:blipFill>
         <p:spPr>
           <a:xfrm>
-            <a:off x="2264735" y="1541147"/>
-            <a:ext cx="7482099" cy="4920293"/>
+            <a:off x="3274434" y="1690688"/>
+            <a:ext cx="5643131" cy="3710972"/>
           </a:xfrm>
           <a:prstGeom prst="rect">
             <a:avLst/>
           </a:prstGeom>
         </p:spPr>
       </p:pic>
-      <p:sp>
-        <p:nvSpPr>
-          <p:cNvPr id="6" name="TextBox 5">
+      <mc:AlternateContent xmlns:mc="http://schemas.openxmlformats.org/markup-compatibility/2006">
+        <mc:Choice xmlns:a14="http://schemas.microsoft.com/office/drawing/2010/main" Requires="a14">
+          <p:sp>
+            <p:nvSpPr>
+              <p:cNvPr id="3" name="TextBox 2">
+                <a:extLst>
+                  <a:ext uri="{FF2B5EF4-FFF2-40B4-BE49-F238E27FC236}">
+                    <a16:creationId xmlns:a16="http://schemas.microsoft.com/office/drawing/2014/main" id="{FCA4541B-F39F-9347-A37C-3D3223A41E6A}"/>
+                  </a:ext>
+                </a:extLst>
+              </p:cNvPr>
+              <p:cNvSpPr txBox="1"/>
+              <p:nvPr/>
+            </p:nvSpPr>
+            <p:spPr>
+              <a:xfrm>
+                <a:off x="1532466" y="5698066"/>
+                <a:ext cx="9119099" cy="526876"/>
+              </a:xfrm>
+              <a:prstGeom prst="rect">
+                <a:avLst/>
+              </a:prstGeom>
+              <a:noFill/>
+            </p:spPr>
+            <p:txBody>
+              <a:bodyPr wrap="none" rtlCol="0">
+                <a:spAutoFit/>
+              </a:bodyPr>
+              <a:lstStyle/>
+              <a:p>
+                <a:r>
+                  <a:rPr lang="en-US" dirty="0"/>
+                  <a:t>Sensitivity (Recall) = </a:t>
+                </a:r>
+                <a14:m>
+                  <m:oMath xmlns:m="http://schemas.openxmlformats.org/officeDocument/2006/math">
+                    <m:f>
+                      <m:fPr>
+                        <m:ctrlPr>
+                          <a:rPr lang="en-US" i="1" smtClean="0">
+                            <a:latin typeface="Cambria Math" panose="02040503050406030204" pitchFamily="18" charset="0"/>
+                          </a:rPr>
+                        </m:ctrlPr>
+                      </m:fPr>
+                      <m:num>
+                        <m:r>
+                          <a:rPr lang="en-US" b="0" i="1" smtClean="0">
+                            <a:latin typeface="Cambria Math" panose="02040503050406030204" pitchFamily="18" charset="0"/>
+                          </a:rPr>
+                          <m:t>𝑇𝑟𝑢𝑒</m:t>
+                        </m:r>
+                        <m:r>
+                          <a:rPr lang="en-US" b="0" i="1" smtClean="0">
+                            <a:latin typeface="Cambria Math" panose="02040503050406030204" pitchFamily="18" charset="0"/>
+                          </a:rPr>
+                          <m:t> </m:t>
+                        </m:r>
+                        <m:r>
+                          <a:rPr lang="en-US" b="0" i="1" smtClean="0">
+                            <a:latin typeface="Cambria Math" panose="02040503050406030204" pitchFamily="18" charset="0"/>
+                          </a:rPr>
+                          <m:t>𝑃𝑜𝑠𝑖𝑡𝑖𝑣𝑒</m:t>
+                        </m:r>
+                      </m:num>
+                      <m:den>
+                        <m:r>
+                          <a:rPr lang="en-US" b="0" i="1" smtClean="0">
+                            <a:latin typeface="Cambria Math" panose="02040503050406030204" pitchFamily="18" charset="0"/>
+                          </a:rPr>
+                          <m:t>𝑇𝑟𝑢𝑒</m:t>
+                        </m:r>
+                        <m:r>
+                          <a:rPr lang="en-US" b="0" i="1" smtClean="0">
+                            <a:latin typeface="Cambria Math" panose="02040503050406030204" pitchFamily="18" charset="0"/>
+                          </a:rPr>
+                          <m:t> </m:t>
+                        </m:r>
+                        <m:r>
+                          <a:rPr lang="en-US" b="0" i="1" smtClean="0">
+                            <a:latin typeface="Cambria Math" panose="02040503050406030204" pitchFamily="18" charset="0"/>
+                          </a:rPr>
+                          <m:t>𝑃𝑜𝑠𝑖𝑡𝑖𝑣𝑒</m:t>
+                        </m:r>
+                        <m:r>
+                          <a:rPr lang="en-US" b="0" i="1" smtClean="0">
+                            <a:latin typeface="Cambria Math" panose="02040503050406030204" pitchFamily="18" charset="0"/>
+                          </a:rPr>
+                          <m:t>+</m:t>
+                        </m:r>
+                        <m:r>
+                          <a:rPr lang="en-US" b="0" i="1" smtClean="0">
+                            <a:latin typeface="Cambria Math" panose="02040503050406030204" pitchFamily="18" charset="0"/>
+                          </a:rPr>
+                          <m:t>𝐹𝑎𝑙𝑠𝑒</m:t>
+                        </m:r>
+                        <m:r>
+                          <a:rPr lang="en-US" b="0" i="1" smtClean="0">
+                            <a:latin typeface="Cambria Math" panose="02040503050406030204" pitchFamily="18" charset="0"/>
+                          </a:rPr>
+                          <m:t> </m:t>
+                        </m:r>
+                        <m:r>
+                          <a:rPr lang="en-US" b="0" i="1" smtClean="0">
+                            <a:latin typeface="Cambria Math" panose="02040503050406030204" pitchFamily="18" charset="0"/>
+                          </a:rPr>
+                          <m:t>𝑃𝑜𝑠𝑖𝑡𝑖𝑣𝑒</m:t>
+                        </m:r>
+                      </m:den>
+                    </m:f>
+                  </m:oMath>
+                </a14:m>
+                <a:r>
+                  <a:rPr lang="en-US" dirty="0"/>
+                  <a:t>                  Specificity = </a:t>
+                </a:r>
+                <a14:m>
+                  <m:oMath xmlns:m="http://schemas.openxmlformats.org/officeDocument/2006/math">
+                    <m:f>
+                      <m:fPr>
+                        <m:ctrlPr>
+                          <a:rPr lang="en-US" i="1" smtClean="0">
+                            <a:latin typeface="Cambria Math" panose="02040503050406030204" pitchFamily="18" charset="0"/>
+                          </a:rPr>
+                        </m:ctrlPr>
+                      </m:fPr>
+                      <m:num>
+                        <m:r>
+                          <a:rPr lang="en-US" b="0" i="1" smtClean="0">
+                            <a:latin typeface="Cambria Math" panose="02040503050406030204" pitchFamily="18" charset="0"/>
+                          </a:rPr>
+                          <m:t>𝑇𝑟𝑢𝑒</m:t>
+                        </m:r>
+                        <m:r>
+                          <a:rPr lang="en-US" b="0" i="1" smtClean="0">
+                            <a:latin typeface="Cambria Math" panose="02040503050406030204" pitchFamily="18" charset="0"/>
+                          </a:rPr>
+                          <m:t> </m:t>
+                        </m:r>
+                        <m:r>
+                          <a:rPr lang="en-US" b="0" i="1" smtClean="0">
+                            <a:latin typeface="Cambria Math" panose="02040503050406030204" pitchFamily="18" charset="0"/>
+                          </a:rPr>
+                          <m:t>𝑁𝑒𝑔𝑎𝑡𝑖𝑣𝑒</m:t>
+                        </m:r>
+                      </m:num>
+                      <m:den>
+                        <m:r>
+                          <a:rPr lang="en-US" b="0" i="1" smtClean="0">
+                            <a:latin typeface="Cambria Math" panose="02040503050406030204" pitchFamily="18" charset="0"/>
+                          </a:rPr>
+                          <m:t>𝑇𝑟𝑢𝑒</m:t>
+                        </m:r>
+                        <m:r>
+                          <a:rPr lang="en-US" b="0" i="1" smtClean="0">
+                            <a:latin typeface="Cambria Math" panose="02040503050406030204" pitchFamily="18" charset="0"/>
+                          </a:rPr>
+                          <m:t> </m:t>
+                        </m:r>
+                        <m:r>
+                          <a:rPr lang="en-US" b="0" i="1" smtClean="0">
+                            <a:latin typeface="Cambria Math" panose="02040503050406030204" pitchFamily="18" charset="0"/>
+                          </a:rPr>
+                          <m:t>𝑁𝑒𝑔𝑎𝑡𝑖𝑣𝑒</m:t>
+                        </m:r>
+                        <m:r>
+                          <a:rPr lang="en-US" b="0" i="1" smtClean="0">
+                            <a:latin typeface="Cambria Math" panose="02040503050406030204" pitchFamily="18" charset="0"/>
+                          </a:rPr>
+                          <m:t>+</m:t>
+                        </m:r>
+                        <m:r>
+                          <a:rPr lang="en-US" b="0" i="1" smtClean="0">
+                            <a:latin typeface="Cambria Math" panose="02040503050406030204" pitchFamily="18" charset="0"/>
+                          </a:rPr>
+                          <m:t>𝐹𝑎𝑙𝑠𝑒</m:t>
+                        </m:r>
+                        <m:r>
+                          <a:rPr lang="en-US" b="0" i="1" smtClean="0">
+                            <a:latin typeface="Cambria Math" panose="02040503050406030204" pitchFamily="18" charset="0"/>
+                          </a:rPr>
+                          <m:t> </m:t>
+                        </m:r>
+                        <m:r>
+                          <a:rPr lang="en-US" b="0" i="1" smtClean="0">
+                            <a:latin typeface="Cambria Math" panose="02040503050406030204" pitchFamily="18" charset="0"/>
+                          </a:rPr>
+                          <m:t>𝑃𝑜𝑠𝑖𝑡𝑖𝑣𝑒</m:t>
+                        </m:r>
+                      </m:den>
+                    </m:f>
+                  </m:oMath>
+                </a14:m>
+                <a:endParaRPr lang="en-US" dirty="0"/>
+              </a:p>
+            </p:txBody>
+          </p:sp>
+        </mc:Choice>
+        <mc:Fallback>
+          <p:sp>
+            <p:nvSpPr>
+              <p:cNvPr id="3" name="TextBox 2">
+                <a:extLst>
+                  <a:ext uri="{FF2B5EF4-FFF2-40B4-BE49-F238E27FC236}">
+                    <a16:creationId xmlns:a16="http://schemas.microsoft.com/office/drawing/2014/main" id="{FCA4541B-F39F-9347-A37C-3D3223A41E6A}"/>
+                  </a:ext>
+                </a:extLst>
+              </p:cNvPr>
+              <p:cNvSpPr txBox="1">
+                <a:spLocks noRot="1" noChangeAspect="1" noMove="1" noResize="1" noEditPoints="1" noAdjustHandles="1" noChangeArrowheads="1" noChangeShapeType="1" noTextEdit="1"/>
+              </p:cNvSpPr>
+              <p:nvPr/>
+            </p:nvSpPr>
+            <p:spPr>
+              <a:xfrm>
+                <a:off x="1532466" y="5698066"/>
+                <a:ext cx="9119099" cy="526876"/>
+              </a:xfrm>
+              <a:prstGeom prst="rect">
+                <a:avLst/>
+              </a:prstGeom>
+              <a:blipFill>
+                <a:blip r:embed="rId3"/>
+                <a:stretch>
+                  <a:fillRect l="-556" b="-4762"/>
+                </a:stretch>
+              </a:blipFill>
+            </p:spPr>
+            <p:txBody>
+              <a:bodyPr/>
+              <a:lstStyle/>
+              <a:p>
+                <a:r>
+                  <a:rPr lang="en-US">
+                    <a:noFill/>
+                  </a:rPr>
+                  <a:t> </a:t>
+                </a:r>
+              </a:p>
+            </p:txBody>
+          </p:sp>
+        </mc:Fallback>
+      </mc:AlternateContent>
+      <p:sp>
+        <p:nvSpPr>
+          <p:cNvPr id="4" name="Left Arrow 3">
             <a:extLst>
               <a:ext uri="{FF2B5EF4-FFF2-40B4-BE49-F238E27FC236}">
-                <a16:creationId xmlns:a16="http://schemas.microsoft.com/office/drawing/2014/main" id="{535B32DA-E87C-D846-9273-2D01634488A2}"/>
+                <a16:creationId xmlns:a16="http://schemas.microsoft.com/office/drawing/2014/main" id="{3051F247-EA31-5F48-A02F-991493522255}"/>
               </a:ext>
             </a:extLst>
           </p:cNvPr>
-          <p:cNvSpPr txBox="1"/>
+          <p:cNvSpPr/>
           <p:nvPr/>
         </p:nvSpPr>
         <p:spPr>
-          <a:xfrm>
-            <a:off x="4572000" y="658574"/>
-            <a:ext cx="5981959" cy="369332"/>
+          <a:xfrm rot="16200000">
+            <a:off x="8231766" y="1320596"/>
+            <a:ext cx="751368" cy="285221"/>
           </a:xfrm>
-          <a:prstGeom prst="rect">
+          <a:prstGeom prst="leftArrow">
             <a:avLst/>
           </a:prstGeom>
-          <a:noFill/>
+          <a:solidFill>
+            <a:srgbClr val="FF0000"/>
+          </a:solidFill>
         </p:spPr>
+        <p:style>
+          <a:lnRef idx="2">
+            <a:schemeClr val="accent1">
+              <a:shade val="50000"/>
+            </a:schemeClr>
+          </a:lnRef>
+          <a:fillRef idx="1">
+            <a:schemeClr val="accent1"/>
+          </a:fillRef>
+          <a:effectRef idx="0">
+            <a:schemeClr val="accent1"/>
+          </a:effectRef>
+          <a:fontRef idx="minor">
+            <a:schemeClr val="lt1"/>
+          </a:fontRef>
+        </p:style>
         <p:txBody>
-          <a:bodyPr wrap="none" rtlCol="0">
-            <a:spAutoFit/>
-          </a:bodyPr>
+          <a:bodyPr rtlCol="0" anchor="ctr"/>
           <a:lstStyle/>
           <a:p>
-            <a:r>
-              <a:rPr lang="en-US" b="1" dirty="0">
-                <a:solidFill>
-                  <a:srgbClr val="FF0000"/>
-                </a:solidFill>
-              </a:rPr>
-              <a:t>(change the graphic, leaving or Sensitivity or Specificity data)</a:t>
-            </a:r>
+            <a:pPr algn="ctr"/>
+            <a:endParaRPr lang="en-US"/>
           </a:p>
         </p:txBody>
       </p:sp>
@@ -4335,6 +9217,14 @@
 <file path=ppt/slides/slide5.xml><?xml version="1.0" encoding="utf-8"?>
 <p:sld xmlns:a="http://schemas.openxmlformats.org/drawingml/2006/main" xmlns:r="http://schemas.openxmlformats.org/officeDocument/2006/relationships" xmlns:p="http://schemas.openxmlformats.org/presentationml/2006/main">
   <p:cSld>
+    <p:bg>
+      <p:bgPr>
+        <a:solidFill>
+          <a:srgbClr val="FDFDFD"/>
+        </a:solidFill>
+        <a:effectLst/>
+      </p:bgPr>
+    </p:bg>
     <p:spTree>
       <p:nvGrpSpPr>
         <p:cNvPr id="1" name=""/>
@@ -4370,99 +9260,797 @@
                   <a:srgbClr val="004D97"/>
                 </a:solidFill>
               </a:rPr>
-              <a:t>Goals</a:t>
+              <a:t>Project Plan</a:t>
             </a:r>
           </a:p>
         </p:txBody>
       </p:sp>
-      <p:sp>
-        <p:nvSpPr>
-          <p:cNvPr id="3" name="Content Placeholder 2"/>
-          <p:cNvSpPr>
-            <a:spLocks noGrp="1"/>
-          </p:cNvSpPr>
+      <p:graphicFrame>
+        <p:nvGraphicFramePr>
+          <p:cNvPr id="4" name="Diagram 3">
+            <a:extLst>
+              <a:ext uri="{FF2B5EF4-FFF2-40B4-BE49-F238E27FC236}">
+                <a16:creationId xmlns:a16="http://schemas.microsoft.com/office/drawing/2014/main" id="{9662F6D0-9154-2D40-9CA5-130293C4F97E}"/>
+              </a:ext>
+            </a:extLst>
+          </p:cNvPr>
+          <p:cNvGraphicFramePr/>
           <p:nvPr>
-            <p:ph idx="1"/>
+            <p:extLst>
+              <p:ext uri="{D42A27DB-BD31-4B8C-83A1-F6EECF244321}">
+                <p14:modId xmlns:p14="http://schemas.microsoft.com/office/powerpoint/2010/main" val="3724869689"/>
+              </p:ext>
+            </p:extLst>
           </p:nvPr>
-        </p:nvSpPr>
-        <p:spPr/>
+        </p:nvGraphicFramePr>
+        <p:xfrm>
+          <a:off x="262890" y="719666"/>
+          <a:ext cx="11715750" cy="5418667"/>
+        </p:xfrm>
+        <a:graphic>
+          <a:graphicData uri="http://schemas.openxmlformats.org/drawingml/2006/diagram">
+            <dgm:relIds xmlns:dgm="http://schemas.openxmlformats.org/drawingml/2006/diagram" xmlns:r="http://schemas.openxmlformats.org/officeDocument/2006/relationships" r:dm="rId3" r:lo="rId4" r:qs="rId5" r:cs="rId6"/>
+          </a:graphicData>
+        </a:graphic>
+      </p:graphicFrame>
+      <p:sp>
+        <p:nvSpPr>
+          <p:cNvPr id="10" name="Oval 9">
+            <a:extLst>
+              <a:ext uri="{FF2B5EF4-FFF2-40B4-BE49-F238E27FC236}">
+                <a16:creationId xmlns:a16="http://schemas.microsoft.com/office/drawing/2014/main" id="{E49CF91C-B1E3-9C48-8662-3A7E5E01C60A}"/>
+              </a:ext>
+            </a:extLst>
+          </p:cNvPr>
+          <p:cNvSpPr/>
+          <p:nvPr/>
+        </p:nvSpPr>
+        <p:spPr>
+          <a:xfrm>
+            <a:off x="10680377" y="5713435"/>
+            <a:ext cx="125506" cy="123016"/>
+          </a:xfrm>
+          <a:prstGeom prst="ellipse">
+            <a:avLst/>
+          </a:prstGeom>
+          <a:solidFill>
+            <a:srgbClr val="00B050"/>
+          </a:solidFill>
+          <a:ln>
+            <a:solidFill>
+              <a:schemeClr val="tx1">
+                <a:lumMod val="75000"/>
+                <a:lumOff val="25000"/>
+              </a:schemeClr>
+            </a:solidFill>
+          </a:ln>
+        </p:spPr>
+        <p:style>
+          <a:lnRef idx="2">
+            <a:schemeClr val="accent1">
+              <a:shade val="50000"/>
+            </a:schemeClr>
+          </a:lnRef>
+          <a:fillRef idx="1">
+            <a:schemeClr val="accent1"/>
+          </a:fillRef>
+          <a:effectRef idx="0">
+            <a:schemeClr val="accent1"/>
+          </a:effectRef>
+          <a:fontRef idx="minor">
+            <a:schemeClr val="lt1"/>
+          </a:fontRef>
+        </p:style>
         <p:txBody>
-          <a:bodyPr>
-            <a:normAutofit/>
+          <a:bodyPr rtlCol="0" anchor="ctr"/>
+          <a:lstStyle/>
+          <a:p>
+            <a:pPr algn="ctr"/>
+            <a:endParaRPr lang="en-US"/>
+          </a:p>
+        </p:txBody>
+      </p:sp>
+      <p:sp>
+        <p:nvSpPr>
+          <p:cNvPr id="11" name="Oval 10">
+            <a:extLst>
+              <a:ext uri="{FF2B5EF4-FFF2-40B4-BE49-F238E27FC236}">
+                <a16:creationId xmlns:a16="http://schemas.microsoft.com/office/drawing/2014/main" id="{6E7763C5-0C04-7F4B-B684-05E8A655F208}"/>
+              </a:ext>
+            </a:extLst>
+          </p:cNvPr>
+          <p:cNvSpPr/>
+          <p:nvPr/>
+        </p:nvSpPr>
+        <p:spPr>
+          <a:xfrm>
+            <a:off x="10670840" y="5420938"/>
+            <a:ext cx="125506" cy="123016"/>
+          </a:xfrm>
+          <a:prstGeom prst="ellipse">
+            <a:avLst/>
+          </a:prstGeom>
+          <a:solidFill>
+            <a:srgbClr val="FFFF00"/>
+          </a:solidFill>
+          <a:ln>
+            <a:solidFill>
+              <a:schemeClr val="tx1">
+                <a:lumMod val="75000"/>
+                <a:lumOff val="25000"/>
+              </a:schemeClr>
+            </a:solidFill>
+          </a:ln>
+        </p:spPr>
+        <p:style>
+          <a:lnRef idx="2">
+            <a:schemeClr val="accent1">
+              <a:shade val="50000"/>
+            </a:schemeClr>
+          </a:lnRef>
+          <a:fillRef idx="1">
+            <a:schemeClr val="accent1"/>
+          </a:fillRef>
+          <a:effectRef idx="0">
+            <a:schemeClr val="accent1"/>
+          </a:effectRef>
+          <a:fontRef idx="minor">
+            <a:schemeClr val="lt1"/>
+          </a:fontRef>
+        </p:style>
+        <p:txBody>
+          <a:bodyPr rtlCol="0" anchor="ctr"/>
+          <a:lstStyle/>
+          <a:p>
+            <a:pPr algn="ctr"/>
+            <a:endParaRPr lang="en-US"/>
+          </a:p>
+        </p:txBody>
+      </p:sp>
+      <p:sp>
+        <p:nvSpPr>
+          <p:cNvPr id="12" name="TextBox 11">
+            <a:extLst>
+              <a:ext uri="{FF2B5EF4-FFF2-40B4-BE49-F238E27FC236}">
+                <a16:creationId xmlns:a16="http://schemas.microsoft.com/office/drawing/2014/main" id="{8154DCB3-030E-BD4D-9D0D-68A7AEEE8057}"/>
+              </a:ext>
+            </a:extLst>
+          </p:cNvPr>
+          <p:cNvSpPr txBox="1"/>
+          <p:nvPr/>
+        </p:nvSpPr>
+        <p:spPr>
+          <a:xfrm>
+            <a:off x="10805883" y="5644138"/>
+            <a:ext cx="813043" cy="261610"/>
+          </a:xfrm>
+          <a:prstGeom prst="rect">
+            <a:avLst/>
+          </a:prstGeom>
+          <a:noFill/>
+        </p:spPr>
+        <p:txBody>
+          <a:bodyPr wrap="none" rtlCol="0">
+            <a:spAutoFit/>
           </a:bodyPr>
           <a:lstStyle/>
           <a:p>
-            <a:pPr marL="0" indent="0">
-              <a:buNone/>
-            </a:pPr>
             <a:r>
-              <a:rPr lang="en-US" b="1" dirty="0"/>
-              <a:t>Fall Detection</a:t>
+              <a:rPr lang="en-US" sz="1100" dirty="0"/>
+              <a:t>Completed</a:t>
             </a:r>
           </a:p>
+        </p:txBody>
+      </p:sp>
+      <p:sp>
+        <p:nvSpPr>
+          <p:cNvPr id="13" name="TextBox 12">
+            <a:extLst>
+              <a:ext uri="{FF2B5EF4-FFF2-40B4-BE49-F238E27FC236}">
+                <a16:creationId xmlns:a16="http://schemas.microsoft.com/office/drawing/2014/main" id="{9E4E0EA4-642E-3149-8060-8BEF4CDDF6B8}"/>
+              </a:ext>
+            </a:extLst>
+          </p:cNvPr>
+          <p:cNvSpPr txBox="1"/>
+          <p:nvPr/>
+        </p:nvSpPr>
+        <p:spPr>
+          <a:xfrm>
+            <a:off x="10805883" y="5351641"/>
+            <a:ext cx="736099" cy="261610"/>
+          </a:xfrm>
+          <a:prstGeom prst="rect">
+            <a:avLst/>
+          </a:prstGeom>
+          <a:noFill/>
+        </p:spPr>
+        <p:txBody>
+          <a:bodyPr wrap="none" rtlCol="0">
+            <a:spAutoFit/>
+          </a:bodyPr>
+          <a:lstStyle/>
           <a:p>
             <a:r>
-              <a:rPr lang="en-US" dirty="0"/>
-              <a:t>Improve the results of research</a:t>
+              <a:rPr lang="en-US" sz="1100" dirty="0"/>
+              <a:t>Initialized</a:t>
             </a:r>
           </a:p>
-          <a:p>
-            <a:r>
-              <a:rPr lang="en-US" dirty="0"/>
-              <a:t>Use different Machine Learning algorithms</a:t>
-            </a:r>
-          </a:p>
-          <a:p>
-            <a:pPr marL="0" indent="0">
-              <a:buNone/>
-            </a:pPr>
-            <a:r>
-              <a:rPr lang="en-US" b="1" dirty="0"/>
-              <a:t>Fall Prediction</a:t>
-            </a:r>
-          </a:p>
-          <a:p>
-            <a:r>
-              <a:rPr lang="en-US" dirty="0"/>
-              <a:t>Identify a fall before it happens</a:t>
-            </a:r>
-          </a:p>
-          <a:p>
-            <a:r>
-              <a:rPr lang="en-US" dirty="0"/>
-              <a:t>Use data from other sensors</a:t>
-            </a:r>
-          </a:p>
-          <a:p>
-            <a:pPr marL="0" indent="0">
-              <a:buNone/>
-            </a:pPr>
-            <a:r>
-              <a:rPr lang="en-US" b="1" dirty="0"/>
-              <a:t>Collect and Analyze sensor data in real time</a:t>
-            </a:r>
-          </a:p>
-          <a:p>
-            <a:r>
-              <a:rPr lang="en-US" dirty="0"/>
-              <a:t>Streaming techniques</a:t>
-            </a:r>
-          </a:p>
-          <a:p>
-            <a:endParaRPr lang="en-US" dirty="0"/>
-          </a:p>
-          <a:p>
-            <a:pPr marL="0" indent="0">
-              <a:buNone/>
-            </a:pPr>
-            <a:endParaRPr lang="en-US" dirty="0"/>
+        </p:txBody>
+      </p:sp>
+      <p:sp>
+        <p:nvSpPr>
+          <p:cNvPr id="14" name="Oval 13">
+            <a:extLst>
+              <a:ext uri="{FF2B5EF4-FFF2-40B4-BE49-F238E27FC236}">
+                <a16:creationId xmlns:a16="http://schemas.microsoft.com/office/drawing/2014/main" id="{C1F54B71-E539-2C46-9224-12BC22BF3E4C}"/>
+              </a:ext>
+            </a:extLst>
+          </p:cNvPr>
+          <p:cNvSpPr/>
+          <p:nvPr/>
+        </p:nvSpPr>
+        <p:spPr>
+          <a:xfrm>
+            <a:off x="325643" y="3183466"/>
+            <a:ext cx="125506" cy="123016"/>
+          </a:xfrm>
+          <a:prstGeom prst="ellipse">
+            <a:avLst/>
+          </a:prstGeom>
+          <a:solidFill>
+            <a:srgbClr val="00B050"/>
+          </a:solidFill>
+          <a:ln>
+            <a:solidFill>
+              <a:schemeClr val="tx1">
+                <a:lumMod val="75000"/>
+                <a:lumOff val="25000"/>
+              </a:schemeClr>
+            </a:solidFill>
+          </a:ln>
+        </p:spPr>
+        <p:style>
+          <a:lnRef idx="2">
+            <a:schemeClr val="accent1">
+              <a:shade val="50000"/>
+            </a:schemeClr>
+          </a:lnRef>
+          <a:fillRef idx="1">
+            <a:schemeClr val="accent1"/>
+          </a:fillRef>
+          <a:effectRef idx="0">
+            <a:schemeClr val="accent1"/>
+          </a:effectRef>
+          <a:fontRef idx="minor">
+            <a:schemeClr val="lt1"/>
+          </a:fontRef>
+        </p:style>
+        <p:txBody>
+          <a:bodyPr rtlCol="0" anchor="ctr"/>
+          <a:lstStyle/>
+          <a:p>
+            <a:pPr algn="ctr"/>
+            <a:endParaRPr lang="en-US"/>
+          </a:p>
+        </p:txBody>
+      </p:sp>
+      <p:sp>
+        <p:nvSpPr>
+          <p:cNvPr id="16" name="Oval 15">
+            <a:extLst>
+              <a:ext uri="{FF2B5EF4-FFF2-40B4-BE49-F238E27FC236}">
+                <a16:creationId xmlns:a16="http://schemas.microsoft.com/office/drawing/2014/main" id="{C8EECF41-0567-DD43-8A0F-B4496DC3F49C}"/>
+              </a:ext>
+            </a:extLst>
+          </p:cNvPr>
+          <p:cNvSpPr/>
+          <p:nvPr/>
+        </p:nvSpPr>
+        <p:spPr>
+          <a:xfrm>
+            <a:off x="2329553" y="3196586"/>
+            <a:ext cx="125506" cy="123016"/>
+          </a:xfrm>
+          <a:prstGeom prst="ellipse">
+            <a:avLst/>
+          </a:prstGeom>
+          <a:solidFill>
+            <a:srgbClr val="FFFF00"/>
+          </a:solidFill>
+          <a:ln>
+            <a:solidFill>
+              <a:schemeClr val="tx1">
+                <a:lumMod val="75000"/>
+                <a:lumOff val="25000"/>
+              </a:schemeClr>
+            </a:solidFill>
+          </a:ln>
+        </p:spPr>
+        <p:style>
+          <a:lnRef idx="2">
+            <a:schemeClr val="accent1">
+              <a:shade val="50000"/>
+            </a:schemeClr>
+          </a:lnRef>
+          <a:fillRef idx="1">
+            <a:schemeClr val="accent1"/>
+          </a:fillRef>
+          <a:effectRef idx="0">
+            <a:schemeClr val="accent1"/>
+          </a:effectRef>
+          <a:fontRef idx="minor">
+            <a:schemeClr val="lt1"/>
+          </a:fontRef>
+        </p:style>
+        <p:txBody>
+          <a:bodyPr rtlCol="0" anchor="ctr"/>
+          <a:lstStyle/>
+          <a:p>
+            <a:pPr algn="ctr"/>
+            <a:endParaRPr lang="en-US"/>
+          </a:p>
+        </p:txBody>
+      </p:sp>
+      <p:sp>
+        <p:nvSpPr>
+          <p:cNvPr id="17" name="Oval 16">
+            <a:extLst>
+              <a:ext uri="{FF2B5EF4-FFF2-40B4-BE49-F238E27FC236}">
+                <a16:creationId xmlns:a16="http://schemas.microsoft.com/office/drawing/2014/main" id="{C8D62BFA-58CC-0E42-B58D-E0BA208543EB}"/>
+              </a:ext>
+            </a:extLst>
+          </p:cNvPr>
+          <p:cNvSpPr/>
+          <p:nvPr/>
+        </p:nvSpPr>
+        <p:spPr>
+          <a:xfrm>
+            <a:off x="8331626" y="3311648"/>
+            <a:ext cx="125506" cy="123016"/>
+          </a:xfrm>
+          <a:prstGeom prst="ellipse">
+            <a:avLst/>
+          </a:prstGeom>
+          <a:solidFill>
+            <a:srgbClr val="FFFF00"/>
+          </a:solidFill>
+          <a:ln>
+            <a:solidFill>
+              <a:schemeClr val="tx1">
+                <a:lumMod val="75000"/>
+                <a:lumOff val="25000"/>
+              </a:schemeClr>
+            </a:solidFill>
+          </a:ln>
+        </p:spPr>
+        <p:style>
+          <a:lnRef idx="2">
+            <a:schemeClr val="accent1">
+              <a:shade val="50000"/>
+            </a:schemeClr>
+          </a:lnRef>
+          <a:fillRef idx="1">
+            <a:schemeClr val="accent1"/>
+          </a:fillRef>
+          <a:effectRef idx="0">
+            <a:schemeClr val="accent1"/>
+          </a:effectRef>
+          <a:fontRef idx="minor">
+            <a:schemeClr val="lt1"/>
+          </a:fontRef>
+        </p:style>
+        <p:txBody>
+          <a:bodyPr rtlCol="0" anchor="ctr"/>
+          <a:lstStyle/>
+          <a:p>
+            <a:pPr algn="ctr"/>
+            <a:endParaRPr lang="en-US"/>
+          </a:p>
+        </p:txBody>
+      </p:sp>
+      <p:sp>
+        <p:nvSpPr>
+          <p:cNvPr id="18" name="Oval 17">
+            <a:extLst>
+              <a:ext uri="{FF2B5EF4-FFF2-40B4-BE49-F238E27FC236}">
+                <a16:creationId xmlns:a16="http://schemas.microsoft.com/office/drawing/2014/main" id="{74A38C3C-156F-3F40-8D9D-8340567366C1}"/>
+              </a:ext>
+            </a:extLst>
+          </p:cNvPr>
+          <p:cNvSpPr/>
+          <p:nvPr/>
+        </p:nvSpPr>
+        <p:spPr>
+          <a:xfrm>
+            <a:off x="10323532" y="3600355"/>
+            <a:ext cx="125506" cy="123016"/>
+          </a:xfrm>
+          <a:prstGeom prst="ellipse">
+            <a:avLst/>
+          </a:prstGeom>
+          <a:solidFill>
+            <a:srgbClr val="FFFF00"/>
+          </a:solidFill>
+          <a:ln>
+            <a:solidFill>
+              <a:schemeClr val="tx1">
+                <a:lumMod val="75000"/>
+                <a:lumOff val="25000"/>
+              </a:schemeClr>
+            </a:solidFill>
+          </a:ln>
+        </p:spPr>
+        <p:style>
+          <a:lnRef idx="2">
+            <a:schemeClr val="accent1">
+              <a:shade val="50000"/>
+            </a:schemeClr>
+          </a:lnRef>
+          <a:fillRef idx="1">
+            <a:schemeClr val="accent1"/>
+          </a:fillRef>
+          <a:effectRef idx="0">
+            <a:schemeClr val="accent1"/>
+          </a:effectRef>
+          <a:fontRef idx="minor">
+            <a:schemeClr val="lt1"/>
+          </a:fontRef>
+        </p:style>
+        <p:txBody>
+          <a:bodyPr rtlCol="0" anchor="ctr"/>
+          <a:lstStyle/>
+          <a:p>
+            <a:pPr algn="ctr"/>
+            <a:endParaRPr lang="en-US"/>
+          </a:p>
+        </p:txBody>
+      </p:sp>
+      <p:sp>
+        <p:nvSpPr>
+          <p:cNvPr id="20" name="Oval 19">
+            <a:extLst>
+              <a:ext uri="{FF2B5EF4-FFF2-40B4-BE49-F238E27FC236}">
+                <a16:creationId xmlns:a16="http://schemas.microsoft.com/office/drawing/2014/main" id="{F1B65044-CF49-1F48-9E3F-F7C49118F191}"/>
+              </a:ext>
+            </a:extLst>
+          </p:cNvPr>
+          <p:cNvSpPr/>
+          <p:nvPr/>
+        </p:nvSpPr>
+        <p:spPr>
+          <a:xfrm>
+            <a:off x="10323532" y="3183466"/>
+            <a:ext cx="125506" cy="123016"/>
+          </a:xfrm>
+          <a:prstGeom prst="ellipse">
+            <a:avLst/>
+          </a:prstGeom>
+          <a:solidFill>
+            <a:srgbClr val="FFFF00"/>
+          </a:solidFill>
+          <a:ln>
+            <a:solidFill>
+              <a:schemeClr val="tx1">
+                <a:lumMod val="75000"/>
+                <a:lumOff val="25000"/>
+              </a:schemeClr>
+            </a:solidFill>
+          </a:ln>
+        </p:spPr>
+        <p:style>
+          <a:lnRef idx="2">
+            <a:schemeClr val="accent1">
+              <a:shade val="50000"/>
+            </a:schemeClr>
+          </a:lnRef>
+          <a:fillRef idx="1">
+            <a:schemeClr val="accent1"/>
+          </a:fillRef>
+          <a:effectRef idx="0">
+            <a:schemeClr val="accent1"/>
+          </a:effectRef>
+          <a:fontRef idx="minor">
+            <a:schemeClr val="lt1"/>
+          </a:fontRef>
+        </p:style>
+        <p:txBody>
+          <a:bodyPr rtlCol="0" anchor="ctr"/>
+          <a:lstStyle/>
+          <a:p>
+            <a:pPr algn="ctr"/>
+            <a:endParaRPr lang="en-US"/>
+          </a:p>
+        </p:txBody>
+      </p:sp>
+      <p:sp>
+        <p:nvSpPr>
+          <p:cNvPr id="21" name="Oval 20">
+            <a:extLst>
+              <a:ext uri="{FF2B5EF4-FFF2-40B4-BE49-F238E27FC236}">
+                <a16:creationId xmlns:a16="http://schemas.microsoft.com/office/drawing/2014/main" id="{56FB9A9B-8D82-E640-BABD-3F276EC0BD80}"/>
+              </a:ext>
+            </a:extLst>
+          </p:cNvPr>
+          <p:cNvSpPr/>
+          <p:nvPr/>
+        </p:nvSpPr>
+        <p:spPr>
+          <a:xfrm>
+            <a:off x="8331626" y="2895599"/>
+            <a:ext cx="125506" cy="123016"/>
+          </a:xfrm>
+          <a:prstGeom prst="ellipse">
+            <a:avLst/>
+          </a:prstGeom>
+          <a:solidFill>
+            <a:srgbClr val="FFFF00"/>
+          </a:solidFill>
+          <a:ln>
+            <a:solidFill>
+              <a:schemeClr val="tx1">
+                <a:lumMod val="75000"/>
+                <a:lumOff val="25000"/>
+              </a:schemeClr>
+            </a:solidFill>
+          </a:ln>
+        </p:spPr>
+        <p:style>
+          <a:lnRef idx="2">
+            <a:schemeClr val="accent1">
+              <a:shade val="50000"/>
+            </a:schemeClr>
+          </a:lnRef>
+          <a:fillRef idx="1">
+            <a:schemeClr val="accent1"/>
+          </a:fillRef>
+          <a:effectRef idx="0">
+            <a:schemeClr val="accent1"/>
+          </a:effectRef>
+          <a:fontRef idx="minor">
+            <a:schemeClr val="lt1"/>
+          </a:fontRef>
+        </p:style>
+        <p:txBody>
+          <a:bodyPr rtlCol="0" anchor="ctr"/>
+          <a:lstStyle/>
+          <a:p>
+            <a:pPr algn="ctr"/>
+            <a:endParaRPr lang="en-US"/>
+          </a:p>
+        </p:txBody>
+      </p:sp>
+      <p:sp>
+        <p:nvSpPr>
+          <p:cNvPr id="23" name="Oval 22">
+            <a:extLst>
+              <a:ext uri="{FF2B5EF4-FFF2-40B4-BE49-F238E27FC236}">
+                <a16:creationId xmlns:a16="http://schemas.microsoft.com/office/drawing/2014/main" id="{D7FB06B9-32F1-9343-9D80-4745550D3E11}"/>
+              </a:ext>
+            </a:extLst>
+          </p:cNvPr>
+          <p:cNvSpPr/>
+          <p:nvPr/>
+        </p:nvSpPr>
+        <p:spPr>
+          <a:xfrm>
+            <a:off x="6333492" y="3196586"/>
+            <a:ext cx="125506" cy="123016"/>
+          </a:xfrm>
+          <a:prstGeom prst="ellipse">
+            <a:avLst/>
+          </a:prstGeom>
+          <a:solidFill>
+            <a:srgbClr val="FFFF00"/>
+          </a:solidFill>
+          <a:ln>
+            <a:solidFill>
+              <a:schemeClr val="tx1">
+                <a:lumMod val="75000"/>
+                <a:lumOff val="25000"/>
+              </a:schemeClr>
+            </a:solidFill>
+          </a:ln>
+        </p:spPr>
+        <p:style>
+          <a:lnRef idx="2">
+            <a:schemeClr val="accent1">
+              <a:shade val="50000"/>
+            </a:schemeClr>
+          </a:lnRef>
+          <a:fillRef idx="1">
+            <a:schemeClr val="accent1"/>
+          </a:fillRef>
+          <a:effectRef idx="0">
+            <a:schemeClr val="accent1"/>
+          </a:effectRef>
+          <a:fontRef idx="minor">
+            <a:schemeClr val="lt1"/>
+          </a:fontRef>
+        </p:style>
+        <p:txBody>
+          <a:bodyPr rtlCol="0" anchor="ctr"/>
+          <a:lstStyle/>
+          <a:p>
+            <a:pPr algn="ctr"/>
+            <a:endParaRPr lang="en-US"/>
+          </a:p>
+        </p:txBody>
+      </p:sp>
+      <p:sp>
+        <p:nvSpPr>
+          <p:cNvPr id="24" name="Oval 23">
+            <a:extLst>
+              <a:ext uri="{FF2B5EF4-FFF2-40B4-BE49-F238E27FC236}">
+                <a16:creationId xmlns:a16="http://schemas.microsoft.com/office/drawing/2014/main" id="{40F98CA1-0058-A04F-B864-884A0401B566}"/>
+              </a:ext>
+            </a:extLst>
+          </p:cNvPr>
+          <p:cNvSpPr/>
+          <p:nvPr/>
+        </p:nvSpPr>
+        <p:spPr>
+          <a:xfrm>
+            <a:off x="4330377" y="2895599"/>
+            <a:ext cx="125506" cy="123016"/>
+          </a:xfrm>
+          <a:prstGeom prst="ellipse">
+            <a:avLst/>
+          </a:prstGeom>
+          <a:solidFill>
+            <a:srgbClr val="00B050"/>
+          </a:solidFill>
+          <a:ln>
+            <a:solidFill>
+              <a:schemeClr val="tx1">
+                <a:lumMod val="75000"/>
+                <a:lumOff val="25000"/>
+              </a:schemeClr>
+            </a:solidFill>
+          </a:ln>
+        </p:spPr>
+        <p:style>
+          <a:lnRef idx="2">
+            <a:schemeClr val="accent1">
+              <a:shade val="50000"/>
+            </a:schemeClr>
+          </a:lnRef>
+          <a:fillRef idx="1">
+            <a:schemeClr val="accent1"/>
+          </a:fillRef>
+          <a:effectRef idx="0">
+            <a:schemeClr val="accent1"/>
+          </a:effectRef>
+          <a:fontRef idx="minor">
+            <a:schemeClr val="lt1"/>
+          </a:fontRef>
+        </p:style>
+        <p:txBody>
+          <a:bodyPr rtlCol="0" anchor="ctr"/>
+          <a:lstStyle/>
+          <a:p>
+            <a:pPr algn="ctr"/>
+            <a:endParaRPr lang="en-US"/>
+          </a:p>
+        </p:txBody>
+      </p:sp>
+      <p:sp>
+        <p:nvSpPr>
+          <p:cNvPr id="25" name="Oval 24">
+            <a:extLst>
+              <a:ext uri="{FF2B5EF4-FFF2-40B4-BE49-F238E27FC236}">
+                <a16:creationId xmlns:a16="http://schemas.microsoft.com/office/drawing/2014/main" id="{3DF04128-BF61-5C4E-B3A4-C17CD9606CB5}"/>
+              </a:ext>
+            </a:extLst>
+          </p:cNvPr>
+          <p:cNvSpPr/>
+          <p:nvPr/>
+        </p:nvSpPr>
+        <p:spPr>
+          <a:xfrm>
+            <a:off x="4330377" y="3428999"/>
+            <a:ext cx="125506" cy="123016"/>
+          </a:xfrm>
+          <a:prstGeom prst="ellipse">
+            <a:avLst/>
+          </a:prstGeom>
+          <a:solidFill>
+            <a:srgbClr val="00B050"/>
+          </a:solidFill>
+          <a:ln>
+            <a:solidFill>
+              <a:schemeClr val="tx1">
+                <a:lumMod val="75000"/>
+                <a:lumOff val="25000"/>
+              </a:schemeClr>
+            </a:solidFill>
+          </a:ln>
+        </p:spPr>
+        <p:style>
+          <a:lnRef idx="2">
+            <a:schemeClr val="accent1">
+              <a:shade val="50000"/>
+            </a:schemeClr>
+          </a:lnRef>
+          <a:fillRef idx="1">
+            <a:schemeClr val="accent1"/>
+          </a:fillRef>
+          <a:effectRef idx="0">
+            <a:schemeClr val="accent1"/>
+          </a:effectRef>
+          <a:fontRef idx="minor">
+            <a:schemeClr val="lt1"/>
+          </a:fontRef>
+        </p:style>
+        <p:txBody>
+          <a:bodyPr rtlCol="0" anchor="ctr"/>
+          <a:lstStyle/>
+          <a:p>
+            <a:pPr algn="ctr"/>
+            <a:endParaRPr lang="en-US"/>
+          </a:p>
+        </p:txBody>
+      </p:sp>
+      <p:sp>
+        <p:nvSpPr>
+          <p:cNvPr id="26" name="Oval 25">
+            <a:extLst>
+              <a:ext uri="{FF2B5EF4-FFF2-40B4-BE49-F238E27FC236}">
+                <a16:creationId xmlns:a16="http://schemas.microsoft.com/office/drawing/2014/main" id="{898AA638-F979-3E4C-A15E-784075A41238}"/>
+              </a:ext>
+            </a:extLst>
+          </p:cNvPr>
+          <p:cNvSpPr/>
+          <p:nvPr/>
+        </p:nvSpPr>
+        <p:spPr>
+          <a:xfrm>
+            <a:off x="2329553" y="3453961"/>
+            <a:ext cx="125506" cy="123016"/>
+          </a:xfrm>
+          <a:prstGeom prst="ellipse">
+            <a:avLst/>
+          </a:prstGeom>
+          <a:solidFill>
+            <a:srgbClr val="00B050"/>
+          </a:solidFill>
+          <a:ln>
+            <a:solidFill>
+              <a:schemeClr val="tx1">
+                <a:lumMod val="75000"/>
+                <a:lumOff val="25000"/>
+              </a:schemeClr>
+            </a:solidFill>
+          </a:ln>
+        </p:spPr>
+        <p:style>
+          <a:lnRef idx="2">
+            <a:schemeClr val="accent1">
+              <a:shade val="50000"/>
+            </a:schemeClr>
+          </a:lnRef>
+          <a:fillRef idx="1">
+            <a:schemeClr val="accent1"/>
+          </a:fillRef>
+          <a:effectRef idx="0">
+            <a:schemeClr val="accent1"/>
+          </a:effectRef>
+          <a:fontRef idx="minor">
+            <a:schemeClr val="lt1"/>
+          </a:fontRef>
+        </p:style>
+        <p:txBody>
+          <a:bodyPr rtlCol="0" anchor="ctr"/>
+          <a:lstStyle/>
+          <a:p>
+            <a:pPr algn="ctr"/>
+            <a:endParaRPr lang="en-US"/>
           </a:p>
         </p:txBody>
       </p:sp>
     </p:spTree>
     <p:extLst>
       <p:ext uri="{BB962C8B-B14F-4D97-AF65-F5344CB8AC3E}">
-        <p14:creationId xmlns:p14="http://schemas.microsoft.com/office/powerpoint/2010/main" val="2275771505"/>
+        <p14:creationId xmlns:p14="http://schemas.microsoft.com/office/powerpoint/2010/main" val="3725526193"/>
       </p:ext>
     </p:extLst>
   </p:cSld>
@@ -4475,104 +10063,14 @@
 <file path=ppt/slides/slide6.xml><?xml version="1.0" encoding="utf-8"?>
 <p:sld xmlns:a="http://schemas.openxmlformats.org/drawingml/2006/main" xmlns:r="http://schemas.openxmlformats.org/officeDocument/2006/relationships" xmlns:p="http://schemas.openxmlformats.org/presentationml/2006/main">
   <p:cSld>
-    <p:spTree>
-      <p:nvGrpSpPr>
-        <p:cNvPr id="1" name=""/>
-        <p:cNvGrpSpPr/>
-        <p:nvPr/>
-      </p:nvGrpSpPr>
-      <p:grpSpPr>
-        <a:xfrm>
-          <a:off x="0" y="0"/>
-          <a:ext cx="0" cy="0"/>
-          <a:chOff x="0" y="0"/>
-          <a:chExt cx="0" cy="0"/>
-        </a:xfrm>
-      </p:grpSpPr>
-      <p:sp>
-        <p:nvSpPr>
-          <p:cNvPr id="2" name="Title 1"/>
-          <p:cNvSpPr>
-            <a:spLocks noGrp="1"/>
-          </p:cNvSpPr>
-          <p:nvPr>
-            <p:ph type="title"/>
-          </p:nvPr>
-        </p:nvSpPr>
-        <p:spPr/>
-        <p:txBody>
-          <a:bodyPr/>
-          <a:lstStyle/>
-          <a:p>
-            <a:r>
-              <a:rPr lang="en-US" b="1" dirty="0">
-                <a:solidFill>
-                  <a:srgbClr val="004D97"/>
-                </a:solidFill>
-              </a:rPr>
-              <a:t>Current Situation</a:t>
-            </a:r>
-          </a:p>
-        </p:txBody>
-      </p:sp>
-      <p:sp>
-        <p:nvSpPr>
-          <p:cNvPr id="3" name="Content Placeholder 2"/>
-          <p:cNvSpPr>
-            <a:spLocks noGrp="1"/>
-          </p:cNvSpPr>
-          <p:nvPr>
-            <p:ph idx="1"/>
-          </p:nvPr>
-        </p:nvSpPr>
-        <p:spPr/>
-        <p:txBody>
-          <a:bodyPr>
-            <a:normAutofit/>
-          </a:bodyPr>
-          <a:lstStyle/>
-          <a:p>
-            <a:r>
-              <a:rPr lang="en-US" dirty="0"/>
-              <a:t>Exploratory Data Analysis</a:t>
-            </a:r>
-          </a:p>
-          <a:p>
-            <a:r>
-              <a:rPr lang="en-US" dirty="0"/>
-              <a:t>Preprocessing</a:t>
-            </a:r>
-          </a:p>
-          <a:p>
-            <a:r>
-              <a:rPr lang="en-US" dirty="0"/>
-              <a:t>Model</a:t>
-            </a:r>
-          </a:p>
-          <a:p>
-            <a:r>
-              <a:rPr lang="en-US" dirty="0"/>
-              <a:t>Streaming</a:t>
-            </a:r>
-          </a:p>
-        </p:txBody>
-      </p:sp>
-    </p:spTree>
-    <p:extLst>
-      <p:ext uri="{BB962C8B-B14F-4D97-AF65-F5344CB8AC3E}">
-        <p14:creationId xmlns:p14="http://schemas.microsoft.com/office/powerpoint/2010/main" val="65049257"/>
-      </p:ext>
-    </p:extLst>
-  </p:cSld>
-  <p:clrMapOvr>
-    <a:masterClrMapping/>
-  </p:clrMapOvr>
-</p:sld>
-</file>
-
-<file path=ppt/slides/slide7.xml><?xml version="1.0" encoding="utf-8"?>
-<p:sld xmlns:a="http://schemas.openxmlformats.org/drawingml/2006/main" xmlns:r="http://schemas.openxmlformats.org/officeDocument/2006/relationships" xmlns:p="http://schemas.openxmlformats.org/presentationml/2006/main">
-  <p:cSld>
+    <p:bg>
+      <p:bgPr>
+        <a:solidFill>
+          <a:srgbClr val="FDFDFD"/>
+        </a:solidFill>
+        <a:effectLst/>
+      </p:bgPr>
+    </p:bg>
     <p:spTree>
       <p:nvGrpSpPr>
         <p:cNvPr id="1" name=""/>
@@ -4710,7 +10208,7 @@
         <p:spPr>
           <a:xfrm>
             <a:off x="618904" y="968912"/>
-            <a:ext cx="9144000" cy="2387600"/>
+            <a:ext cx="8161029" cy="2387600"/>
           </a:xfrm>
           <a:prstGeom prst="rect">
             <a:avLst/>

--- a/docs/FallDetection.pptx
+++ b/docs/FallDetection.pptx
@@ -8652,32 +8652,27 @@
           <a:p>
             <a:r>
               <a:rPr lang="en-US" dirty="0"/>
-              <a:t>25 % will experience a more serious injury such as a fracture</a:t>
+              <a:t>25% will experience a more serious injury such as a fracture</a:t>
             </a:r>
           </a:p>
           <a:p>
             <a:r>
               <a:rPr lang="en-US" dirty="0"/>
-              <a:t>A study shows that:</a:t>
+              <a:t>Less then 50%  of elder patients who fell tell their doctor they have had a fall</a:t>
             </a:r>
           </a:p>
           <a:p>
-            <a:pPr lvl="1"/>
             <a:r>
-              <a:rPr lang="en-US" sz="2800" dirty="0"/>
-              <a:t>70 % of older adults who had fallen were unable to get up unaided</a:t>
+              <a:rPr lang="en-CA" dirty="0"/>
+              <a:t>Each year, 2.8 million older people are treated in emergency departments for fall injuries</a:t>
             </a:r>
-          </a:p>
-          <a:p>
-            <a:pPr lvl="1"/>
-            <a:r>
-              <a:rPr lang="en-US" sz="2800" dirty="0"/>
-              <a:t>20 % of patients admitted to hospital as a result of a fall had been on the ground </a:t>
-            </a:r>
-            <a:r>
-              <a:rPr lang="en-US" sz="2800" u="sng" dirty="0"/>
-              <a:t>for an hour or more</a:t>
-            </a:r>
+            <a:endParaRPr lang="en-US" dirty="0"/>
+          </a:p>
+          <a:p>
+            <a:pPr marL="0" indent="0">
+              <a:buNone/>
+            </a:pPr>
+            <a:endParaRPr lang="en-US" sz="2800" u="sng" dirty="0"/>
           </a:p>
           <a:p>
             <a:endParaRPr lang="en-US" dirty="0"/>

--- a/docs/FallDetection.pptx
+++ b/docs/FallDetection.pptx
@@ -8689,6 +8689,284 @@
   <p:clrMapOvr>
     <a:masterClrMapping/>
   </p:clrMapOvr>
+  <p:timing>
+    <p:tnLst>
+      <p:par>
+        <p:cTn id="1" dur="indefinite" restart="never" nodeType="tmRoot">
+          <p:childTnLst>
+            <p:seq concurrent="1" nextAc="seek">
+              <p:cTn id="2" dur="indefinite" nodeType="mainSeq">
+                <p:childTnLst>
+                  <p:par>
+                    <p:cTn id="3" fill="hold">
+                      <p:stCondLst>
+                        <p:cond delay="indefinite"/>
+                      </p:stCondLst>
+                      <p:childTnLst>
+                        <p:par>
+                          <p:cTn id="4" fill="hold">
+                            <p:stCondLst>
+                              <p:cond delay="0"/>
+                            </p:stCondLst>
+                            <p:childTnLst>
+                              <p:par>
+                                <p:cTn id="5" presetID="1" presetClass="entr" presetSubtype="0" fill="hold" grpId="0" nodeType="clickEffect">
+                                  <p:stCondLst>
+                                    <p:cond delay="0"/>
+                                  </p:stCondLst>
+                                  <p:childTnLst>
+                                    <p:set>
+                                      <p:cBhvr>
+                                        <p:cTn id="6" dur="1" fill="hold">
+                                          <p:stCondLst>
+                                            <p:cond delay="0"/>
+                                          </p:stCondLst>
+                                        </p:cTn>
+                                        <p:tgtEl>
+                                          <p:spTgt spid="3">
+                                            <p:txEl>
+                                              <p:pRg st="0" end="0"/>
+                                            </p:txEl>
+                                          </p:spTgt>
+                                        </p:tgtEl>
+                                        <p:attrNameLst>
+                                          <p:attrName>style.visibility</p:attrName>
+                                        </p:attrNameLst>
+                                      </p:cBhvr>
+                                      <p:to>
+                                        <p:strVal val="visible"/>
+                                      </p:to>
+                                    </p:set>
+                                  </p:childTnLst>
+                                </p:cTn>
+                              </p:par>
+                            </p:childTnLst>
+                          </p:cTn>
+                        </p:par>
+                      </p:childTnLst>
+                    </p:cTn>
+                  </p:par>
+                  <p:par>
+                    <p:cTn id="7" fill="hold">
+                      <p:stCondLst>
+                        <p:cond delay="indefinite"/>
+                      </p:stCondLst>
+                      <p:childTnLst>
+                        <p:par>
+                          <p:cTn id="8" fill="hold">
+                            <p:stCondLst>
+                              <p:cond delay="0"/>
+                            </p:stCondLst>
+                            <p:childTnLst>
+                              <p:par>
+                                <p:cTn id="9" presetID="1" presetClass="entr" presetSubtype="0" fill="hold" grpId="0" nodeType="clickEffect">
+                                  <p:stCondLst>
+                                    <p:cond delay="0"/>
+                                  </p:stCondLst>
+                                  <p:childTnLst>
+                                    <p:set>
+                                      <p:cBhvr>
+                                        <p:cTn id="10" dur="1" fill="hold">
+                                          <p:stCondLst>
+                                            <p:cond delay="0"/>
+                                          </p:stCondLst>
+                                        </p:cTn>
+                                        <p:tgtEl>
+                                          <p:spTgt spid="3">
+                                            <p:txEl>
+                                              <p:pRg st="1" end="1"/>
+                                            </p:txEl>
+                                          </p:spTgt>
+                                        </p:tgtEl>
+                                        <p:attrNameLst>
+                                          <p:attrName>style.visibility</p:attrName>
+                                        </p:attrNameLst>
+                                      </p:cBhvr>
+                                      <p:to>
+                                        <p:strVal val="visible"/>
+                                      </p:to>
+                                    </p:set>
+                                  </p:childTnLst>
+                                </p:cTn>
+                              </p:par>
+                            </p:childTnLst>
+                          </p:cTn>
+                        </p:par>
+                      </p:childTnLst>
+                    </p:cTn>
+                  </p:par>
+                  <p:par>
+                    <p:cTn id="11" fill="hold">
+                      <p:stCondLst>
+                        <p:cond delay="indefinite"/>
+                      </p:stCondLst>
+                      <p:childTnLst>
+                        <p:par>
+                          <p:cTn id="12" fill="hold">
+                            <p:stCondLst>
+                              <p:cond delay="0"/>
+                            </p:stCondLst>
+                            <p:childTnLst>
+                              <p:par>
+                                <p:cTn id="13" presetID="1" presetClass="entr" presetSubtype="0" fill="hold" grpId="0" nodeType="clickEffect">
+                                  <p:stCondLst>
+                                    <p:cond delay="0"/>
+                                  </p:stCondLst>
+                                  <p:childTnLst>
+                                    <p:set>
+                                      <p:cBhvr>
+                                        <p:cTn id="14" dur="1" fill="hold">
+                                          <p:stCondLst>
+                                            <p:cond delay="0"/>
+                                          </p:stCondLst>
+                                        </p:cTn>
+                                        <p:tgtEl>
+                                          <p:spTgt spid="3">
+                                            <p:txEl>
+                                              <p:pRg st="2" end="2"/>
+                                            </p:txEl>
+                                          </p:spTgt>
+                                        </p:tgtEl>
+                                        <p:attrNameLst>
+                                          <p:attrName>style.visibility</p:attrName>
+                                        </p:attrNameLst>
+                                      </p:cBhvr>
+                                      <p:to>
+                                        <p:strVal val="visible"/>
+                                      </p:to>
+                                    </p:set>
+                                  </p:childTnLst>
+                                </p:cTn>
+                              </p:par>
+                            </p:childTnLst>
+                          </p:cTn>
+                        </p:par>
+                      </p:childTnLst>
+                    </p:cTn>
+                  </p:par>
+                  <p:par>
+                    <p:cTn id="15" fill="hold">
+                      <p:stCondLst>
+                        <p:cond delay="indefinite"/>
+                      </p:stCondLst>
+                      <p:childTnLst>
+                        <p:par>
+                          <p:cTn id="16" fill="hold">
+                            <p:stCondLst>
+                              <p:cond delay="0"/>
+                            </p:stCondLst>
+                            <p:childTnLst>
+                              <p:par>
+                                <p:cTn id="17" presetID="1" presetClass="entr" presetSubtype="0" fill="hold" grpId="0" nodeType="clickEffect">
+                                  <p:stCondLst>
+                                    <p:cond delay="0"/>
+                                  </p:stCondLst>
+                                  <p:childTnLst>
+                                    <p:set>
+                                      <p:cBhvr>
+                                        <p:cTn id="18" dur="1" fill="hold">
+                                          <p:stCondLst>
+                                            <p:cond delay="0"/>
+                                          </p:stCondLst>
+                                        </p:cTn>
+                                        <p:tgtEl>
+                                          <p:spTgt spid="3">
+                                            <p:txEl>
+                                              <p:pRg st="3" end="3"/>
+                                            </p:txEl>
+                                          </p:spTgt>
+                                        </p:tgtEl>
+                                        <p:attrNameLst>
+                                          <p:attrName>style.visibility</p:attrName>
+                                        </p:attrNameLst>
+                                      </p:cBhvr>
+                                      <p:to>
+                                        <p:strVal val="visible"/>
+                                      </p:to>
+                                    </p:set>
+                                  </p:childTnLst>
+                                </p:cTn>
+                              </p:par>
+                            </p:childTnLst>
+                          </p:cTn>
+                        </p:par>
+                      </p:childTnLst>
+                    </p:cTn>
+                  </p:par>
+                  <p:par>
+                    <p:cTn id="19" fill="hold">
+                      <p:stCondLst>
+                        <p:cond delay="indefinite"/>
+                      </p:stCondLst>
+                      <p:childTnLst>
+                        <p:par>
+                          <p:cTn id="20" fill="hold">
+                            <p:stCondLst>
+                              <p:cond delay="0"/>
+                            </p:stCondLst>
+                            <p:childTnLst>
+                              <p:par>
+                                <p:cTn id="21" presetID="1" presetClass="entr" presetSubtype="0" fill="hold" grpId="0" nodeType="clickEffect">
+                                  <p:stCondLst>
+                                    <p:cond delay="0"/>
+                                  </p:stCondLst>
+                                  <p:childTnLst>
+                                    <p:set>
+                                      <p:cBhvr>
+                                        <p:cTn id="22" dur="1" fill="hold">
+                                          <p:stCondLst>
+                                            <p:cond delay="0"/>
+                                          </p:stCondLst>
+                                        </p:cTn>
+                                        <p:tgtEl>
+                                          <p:spTgt spid="3">
+                                            <p:txEl>
+                                              <p:pRg st="4" end="4"/>
+                                            </p:txEl>
+                                          </p:spTgt>
+                                        </p:tgtEl>
+                                        <p:attrNameLst>
+                                          <p:attrName>style.visibility</p:attrName>
+                                        </p:attrNameLst>
+                                      </p:cBhvr>
+                                      <p:to>
+                                        <p:strVal val="visible"/>
+                                      </p:to>
+                                    </p:set>
+                                  </p:childTnLst>
+                                </p:cTn>
+                              </p:par>
+                            </p:childTnLst>
+                          </p:cTn>
+                        </p:par>
+                      </p:childTnLst>
+                    </p:cTn>
+                  </p:par>
+                </p:childTnLst>
+              </p:cTn>
+              <p:prevCondLst>
+                <p:cond evt="onPrev" delay="0">
+                  <p:tgtEl>
+                    <p:sldTgt/>
+                  </p:tgtEl>
+                </p:cond>
+              </p:prevCondLst>
+              <p:nextCondLst>
+                <p:cond evt="onNext" delay="0">
+                  <p:tgtEl>
+                    <p:sldTgt/>
+                  </p:tgtEl>
+                </p:cond>
+              </p:nextCondLst>
+            </p:seq>
+          </p:childTnLst>
+        </p:cTn>
+      </p:par>
+    </p:tnLst>
+    <p:bldLst>
+      <p:bldP spid="3" grpId="0" build="p"/>
+    </p:bldLst>
+  </p:timing>
 </p:sld>
 </file>
 
@@ -8821,6 +9099,297 @@
   <p:clrMapOvr>
     <a:masterClrMapping/>
   </p:clrMapOvr>
+  <p:timing>
+    <p:tnLst>
+      <p:par>
+        <p:cTn id="1" dur="indefinite" restart="never" nodeType="tmRoot">
+          <p:childTnLst>
+            <p:seq concurrent="1" nextAc="seek">
+              <p:cTn id="2" dur="indefinite" nodeType="mainSeq">
+                <p:childTnLst>
+                  <p:par>
+                    <p:cTn id="3" fill="hold">
+                      <p:stCondLst>
+                        <p:cond delay="indefinite"/>
+                      </p:stCondLst>
+                      <p:childTnLst>
+                        <p:par>
+                          <p:cTn id="4" fill="hold">
+                            <p:stCondLst>
+                              <p:cond delay="0"/>
+                            </p:stCondLst>
+                            <p:childTnLst>
+                              <p:par>
+                                <p:cTn id="5" presetID="1" presetClass="entr" presetSubtype="0" fill="hold" grpId="0" nodeType="clickEffect">
+                                  <p:stCondLst>
+                                    <p:cond delay="0"/>
+                                  </p:stCondLst>
+                                  <p:childTnLst>
+                                    <p:set>
+                                      <p:cBhvr>
+                                        <p:cTn id="6" dur="1" fill="hold">
+                                          <p:stCondLst>
+                                            <p:cond delay="0"/>
+                                          </p:stCondLst>
+                                        </p:cTn>
+                                        <p:tgtEl>
+                                          <p:spTgt spid="3">
+                                            <p:txEl>
+                                              <p:pRg st="0" end="0"/>
+                                            </p:txEl>
+                                          </p:spTgt>
+                                        </p:tgtEl>
+                                        <p:attrNameLst>
+                                          <p:attrName>style.visibility</p:attrName>
+                                        </p:attrNameLst>
+                                      </p:cBhvr>
+                                      <p:to>
+                                        <p:strVal val="visible"/>
+                                      </p:to>
+                                    </p:set>
+                                  </p:childTnLst>
+                                </p:cTn>
+                              </p:par>
+                            </p:childTnLst>
+                          </p:cTn>
+                        </p:par>
+                      </p:childTnLst>
+                    </p:cTn>
+                  </p:par>
+                  <p:par>
+                    <p:cTn id="7" fill="hold">
+                      <p:stCondLst>
+                        <p:cond delay="indefinite"/>
+                      </p:stCondLst>
+                      <p:childTnLst>
+                        <p:par>
+                          <p:cTn id="8" fill="hold">
+                            <p:stCondLst>
+                              <p:cond delay="0"/>
+                            </p:stCondLst>
+                            <p:childTnLst>
+                              <p:par>
+                                <p:cTn id="9" presetID="1" presetClass="entr" presetSubtype="0" fill="hold" grpId="0" nodeType="clickEffect">
+                                  <p:stCondLst>
+                                    <p:cond delay="0"/>
+                                  </p:stCondLst>
+                                  <p:childTnLst>
+                                    <p:set>
+                                      <p:cBhvr>
+                                        <p:cTn id="10" dur="1" fill="hold">
+                                          <p:stCondLst>
+                                            <p:cond delay="0"/>
+                                          </p:stCondLst>
+                                        </p:cTn>
+                                        <p:tgtEl>
+                                          <p:spTgt spid="3">
+                                            <p:txEl>
+                                              <p:pRg st="1" end="1"/>
+                                            </p:txEl>
+                                          </p:spTgt>
+                                        </p:tgtEl>
+                                        <p:attrNameLst>
+                                          <p:attrName>style.visibility</p:attrName>
+                                        </p:attrNameLst>
+                                      </p:cBhvr>
+                                      <p:to>
+                                        <p:strVal val="visible"/>
+                                      </p:to>
+                                    </p:set>
+                                  </p:childTnLst>
+                                </p:cTn>
+                              </p:par>
+                            </p:childTnLst>
+                          </p:cTn>
+                        </p:par>
+                      </p:childTnLst>
+                    </p:cTn>
+                  </p:par>
+                  <p:par>
+                    <p:cTn id="11" fill="hold">
+                      <p:stCondLst>
+                        <p:cond delay="indefinite"/>
+                      </p:stCondLst>
+                      <p:childTnLst>
+                        <p:par>
+                          <p:cTn id="12" fill="hold">
+                            <p:stCondLst>
+                              <p:cond delay="0"/>
+                            </p:stCondLst>
+                            <p:childTnLst>
+                              <p:par>
+                                <p:cTn id="13" presetID="1" presetClass="entr" presetSubtype="0" fill="hold" grpId="0" nodeType="clickEffect">
+                                  <p:stCondLst>
+                                    <p:cond delay="0"/>
+                                  </p:stCondLst>
+                                  <p:childTnLst>
+                                    <p:set>
+                                      <p:cBhvr>
+                                        <p:cTn id="14" dur="1" fill="hold">
+                                          <p:stCondLst>
+                                            <p:cond delay="0"/>
+                                          </p:stCondLst>
+                                        </p:cTn>
+                                        <p:tgtEl>
+                                          <p:spTgt spid="3">
+                                            <p:txEl>
+                                              <p:pRg st="2" end="2"/>
+                                            </p:txEl>
+                                          </p:spTgt>
+                                        </p:tgtEl>
+                                        <p:attrNameLst>
+                                          <p:attrName>style.visibility</p:attrName>
+                                        </p:attrNameLst>
+                                      </p:cBhvr>
+                                      <p:to>
+                                        <p:strVal val="visible"/>
+                                      </p:to>
+                                    </p:set>
+                                  </p:childTnLst>
+                                </p:cTn>
+                              </p:par>
+                            </p:childTnLst>
+                          </p:cTn>
+                        </p:par>
+                      </p:childTnLst>
+                    </p:cTn>
+                  </p:par>
+                  <p:par>
+                    <p:cTn id="15" fill="hold">
+                      <p:stCondLst>
+                        <p:cond delay="indefinite"/>
+                      </p:stCondLst>
+                      <p:childTnLst>
+                        <p:par>
+                          <p:cTn id="16" fill="hold">
+                            <p:stCondLst>
+                              <p:cond delay="0"/>
+                            </p:stCondLst>
+                            <p:childTnLst>
+                              <p:par>
+                                <p:cTn id="17" presetID="1" presetClass="entr" presetSubtype="0" fill="hold" grpId="0" nodeType="clickEffect">
+                                  <p:stCondLst>
+                                    <p:cond delay="0"/>
+                                  </p:stCondLst>
+                                  <p:childTnLst>
+                                    <p:set>
+                                      <p:cBhvr>
+                                        <p:cTn id="18" dur="1" fill="hold">
+                                          <p:stCondLst>
+                                            <p:cond delay="0"/>
+                                          </p:stCondLst>
+                                        </p:cTn>
+                                        <p:tgtEl>
+                                          <p:spTgt spid="3">
+                                            <p:txEl>
+                                              <p:pRg st="3" end="3"/>
+                                            </p:txEl>
+                                          </p:spTgt>
+                                        </p:tgtEl>
+                                        <p:attrNameLst>
+                                          <p:attrName>style.visibility</p:attrName>
+                                        </p:attrNameLst>
+                                      </p:cBhvr>
+                                      <p:to>
+                                        <p:strVal val="visible"/>
+                                      </p:to>
+                                    </p:set>
+                                  </p:childTnLst>
+                                </p:cTn>
+                              </p:par>
+                              <p:par>
+                                <p:cTn id="19" presetID="1" presetClass="entr" presetSubtype="0" fill="hold" grpId="0" nodeType="withEffect">
+                                  <p:stCondLst>
+                                    <p:cond delay="0"/>
+                                  </p:stCondLst>
+                                  <p:childTnLst>
+                                    <p:set>
+                                      <p:cBhvr>
+                                        <p:cTn id="20" dur="1" fill="hold">
+                                          <p:stCondLst>
+                                            <p:cond delay="0"/>
+                                          </p:stCondLst>
+                                        </p:cTn>
+                                        <p:tgtEl>
+                                          <p:spTgt spid="3">
+                                            <p:txEl>
+                                              <p:pRg st="4" end="4"/>
+                                            </p:txEl>
+                                          </p:spTgt>
+                                        </p:tgtEl>
+                                        <p:attrNameLst>
+                                          <p:attrName>style.visibility</p:attrName>
+                                        </p:attrNameLst>
+                                      </p:cBhvr>
+                                      <p:to>
+                                        <p:strVal val="visible"/>
+                                      </p:to>
+                                    </p:set>
+                                  </p:childTnLst>
+                                </p:cTn>
+                              </p:par>
+                              <p:par>
+                                <p:cTn id="21" presetID="1" presetClass="entr" presetSubtype="0" fill="hold" grpId="0" nodeType="withEffect">
+                                  <p:stCondLst>
+                                    <p:cond delay="0"/>
+                                  </p:stCondLst>
+                                  <p:childTnLst>
+                                    <p:set>
+                                      <p:cBhvr>
+                                        <p:cTn id="22" dur="1" fill="hold">
+                                          <p:stCondLst>
+                                            <p:cond delay="0"/>
+                                          </p:stCondLst>
+                                        </p:cTn>
+                                        <p:tgtEl>
+                                          <p:spTgt spid="3">
+                                            <p:txEl>
+                                              <p:pRg st="5" end="5"/>
+                                            </p:txEl>
+                                          </p:spTgt>
+                                        </p:tgtEl>
+                                        <p:attrNameLst>
+                                          <p:attrName>style.visibility</p:attrName>
+                                        </p:attrNameLst>
+                                      </p:cBhvr>
+                                      <p:to>
+                                        <p:strVal val="visible"/>
+                                      </p:to>
+                                    </p:set>
+                                  </p:childTnLst>
+                                </p:cTn>
+                              </p:par>
+                            </p:childTnLst>
+                          </p:cTn>
+                        </p:par>
+                      </p:childTnLst>
+                    </p:cTn>
+                  </p:par>
+                </p:childTnLst>
+              </p:cTn>
+              <p:prevCondLst>
+                <p:cond evt="onPrev" delay="0">
+                  <p:tgtEl>
+                    <p:sldTgt/>
+                  </p:tgtEl>
+                </p:cond>
+              </p:prevCondLst>
+              <p:nextCondLst>
+                <p:cond evt="onNext" delay="0">
+                  <p:tgtEl>
+                    <p:sldTgt/>
+                  </p:tgtEl>
+                </p:cond>
+              </p:nextCondLst>
+            </p:seq>
+          </p:childTnLst>
+        </p:cTn>
+      </p:par>
+    </p:tnLst>
+    <p:bldLst>
+      <p:bldP spid="3" grpId="0" build="p"/>
+    </p:bldLst>
+  </p:timing>
 </p:sld>
 </file>
 
@@ -9206,6 +9775,130 @@
   <p:clrMapOvr>
     <a:masterClrMapping/>
   </p:clrMapOvr>
+  <p:timing>
+    <p:tnLst>
+      <p:par>
+        <p:cTn id="1" dur="indefinite" restart="never" nodeType="tmRoot">
+          <p:childTnLst>
+            <p:seq concurrent="1" nextAc="seek">
+              <p:cTn id="2" dur="indefinite" nodeType="mainSeq">
+                <p:childTnLst>
+                  <p:par>
+                    <p:cTn id="3" fill="hold">
+                      <p:stCondLst>
+                        <p:cond delay="indefinite"/>
+                      </p:stCondLst>
+                      <p:childTnLst>
+                        <p:par>
+                          <p:cTn id="4" fill="hold">
+                            <p:stCondLst>
+                              <p:cond delay="0"/>
+                            </p:stCondLst>
+                            <p:childTnLst>
+                              <p:par>
+                                <p:cTn id="5" presetID="2" presetClass="entr" presetSubtype="2" fill="hold" grpId="0" nodeType="clickEffect">
+                                  <p:stCondLst>
+                                    <p:cond delay="0"/>
+                                  </p:stCondLst>
+                                  <p:childTnLst>
+                                    <p:set>
+                                      <p:cBhvr>
+                                        <p:cTn id="6" dur="1" fill="hold">
+                                          <p:stCondLst>
+                                            <p:cond delay="0"/>
+                                          </p:stCondLst>
+                                        </p:cTn>
+                                        <p:tgtEl>
+                                          <p:spTgt spid="4"/>
+                                        </p:tgtEl>
+                                        <p:attrNameLst>
+                                          <p:attrName>style.visibility</p:attrName>
+                                        </p:attrNameLst>
+                                      </p:cBhvr>
+                                      <p:to>
+                                        <p:strVal val="visible"/>
+                                      </p:to>
+                                    </p:set>
+                                    <p:anim calcmode="lin" valueType="num">
+                                      <p:cBhvr additive="base">
+                                        <p:cTn id="7" dur="500" fill="hold"/>
+                                        <p:tgtEl>
+                                          <p:spTgt spid="4"/>
+                                        </p:tgtEl>
+                                        <p:attrNameLst>
+                                          <p:attrName>ppt_x</p:attrName>
+                                        </p:attrNameLst>
+                                      </p:cBhvr>
+                                      <p:tavLst>
+                                        <p:tav tm="0">
+                                          <p:val>
+                                            <p:strVal val="1+#ppt_w/2"/>
+                                          </p:val>
+                                        </p:tav>
+                                        <p:tav tm="100000">
+                                          <p:val>
+                                            <p:strVal val="#ppt_x"/>
+                                          </p:val>
+                                        </p:tav>
+                                      </p:tavLst>
+                                    </p:anim>
+                                    <p:anim calcmode="lin" valueType="num">
+                                      <p:cBhvr additive="base">
+                                        <p:cTn id="8" dur="500" fill="hold"/>
+                                        <p:tgtEl>
+                                          <p:spTgt spid="4"/>
+                                        </p:tgtEl>
+                                        <p:attrNameLst>
+                                          <p:attrName>ppt_y</p:attrName>
+                                        </p:attrNameLst>
+                                      </p:cBhvr>
+                                      <p:tavLst>
+                                        <p:tav tm="0">
+                                          <p:val>
+                                            <p:strVal val="#ppt_y"/>
+                                          </p:val>
+                                        </p:tav>
+                                        <p:tav tm="100000">
+                                          <p:val>
+                                            <p:strVal val="#ppt_y"/>
+                                          </p:val>
+                                        </p:tav>
+                                      </p:tavLst>
+                                    </p:anim>
+                                  </p:childTnLst>
+                                </p:cTn>
+                              </p:par>
+                            </p:childTnLst>
+                          </p:cTn>
+                        </p:par>
+                      </p:childTnLst>
+                    </p:cTn>
+                  </p:par>
+                </p:childTnLst>
+              </p:cTn>
+              <p:prevCondLst>
+                <p:cond evt="onPrev" delay="0">
+                  <p:tgtEl>
+                    <p:sldTgt/>
+                  </p:tgtEl>
+                </p:cond>
+              </p:prevCondLst>
+              <p:nextCondLst>
+                <p:cond evt="onNext" delay="0">
+                  <p:tgtEl>
+                    <p:sldTgt/>
+                  </p:tgtEl>
+                </p:cond>
+              </p:nextCondLst>
+            </p:seq>
+          </p:childTnLst>
+        </p:cTn>
+      </p:par>
+    </p:tnLst>
+    <p:bldLst>
+      <p:bldP spid="4" grpId="0" animBg="1"/>
+    </p:bldLst>
+  </p:timing>
 </p:sld>
 </file>
 

--- a/docs/FallDetection.pptx
+++ b/docs/FallDetection.pptx
@@ -9,7 +9,7 @@
   </p:notesMasterIdLst>
   <p:sldIdLst>
     <p:sldId id="256" r:id="rId2"/>
-    <p:sldId id="258" r:id="rId3"/>
+    <p:sldId id="267" r:id="rId3"/>
     <p:sldId id="265" r:id="rId4"/>
     <p:sldId id="260" r:id="rId5"/>
     <p:sldId id="266" r:id="rId6"/>
@@ -5212,7 +5212,7 @@
     </p:spTree>
     <p:extLst>
       <p:ext uri="{BB962C8B-B14F-4D97-AF65-F5344CB8AC3E}">
-        <p14:creationId xmlns:p14="http://schemas.microsoft.com/office/powerpoint/2010/main" val="3500620927"/>
+        <p14:creationId xmlns:p14="http://schemas.microsoft.com/office/powerpoint/2010/main" val="3141873868"/>
       </p:ext>
     </p:extLst>
   </p:cSld>
@@ -8631,22 +8631,28 @@
             <p:ph idx="1"/>
           </p:nvPr>
         </p:nvSpPr>
-        <p:spPr/>
+        <p:spPr>
+          <a:xfrm>
+            <a:off x="838200" y="1825625"/>
+            <a:ext cx="10515600" cy="4351338"/>
+          </a:xfrm>
+        </p:spPr>
         <p:txBody>
           <a:bodyPr>
             <a:normAutofit/>
           </a:bodyPr>
           <a:lstStyle/>
           <a:p>
+            <a:pPr fontAlgn="base"/>
+            <a:r>
+              <a:rPr lang="en-CA" dirty="0"/>
+              <a:t>Falls are the second leading cause of accidental or unintentional injury deaths worldwide (behind only of road traffic injuries)</a:t>
+            </a:r>
+          </a:p>
+          <a:p>
             <a:r>
               <a:rPr lang="en-US" dirty="0"/>
-              <a:t>Falls are the leading cause of injury-related morbidity and mortality among older adults</a:t>
-            </a:r>
-          </a:p>
-          <a:p>
-            <a:r>
-              <a:rPr lang="en-US" dirty="0"/>
-              <a:t>Almost 50% of older adults who fall experience a minor injury</a:t>
+              <a:t>Almost 50% who fall experience a minor injury</a:t>
             </a:r>
           </a:p>
           <a:p>
@@ -8658,13 +8664,13 @@
           <a:p>
             <a:r>
               <a:rPr lang="en-US" dirty="0"/>
-              <a:t>Less then 50%  of elder patients who fell tell their doctor they have had a fall</a:t>
+              <a:t>Less then 50% who fell tell their doctor they have had a fall</a:t>
             </a:r>
           </a:p>
           <a:p>
             <a:r>
               <a:rPr lang="en-CA" dirty="0"/>
-              <a:t>Each year, 2.8 million older people are treated in emergency departments for fall injuries</a:t>
+              <a:t>Each year, 2.8 million are treated in emergency departments for fall injuries</a:t>
             </a:r>
             <a:endParaRPr lang="en-US" dirty="0"/>
           </a:p>
@@ -8682,7 +8688,7 @@
     </p:spTree>
     <p:extLst>
       <p:ext uri="{BB962C8B-B14F-4D97-AF65-F5344CB8AC3E}">
-        <p14:creationId xmlns:p14="http://schemas.microsoft.com/office/powerpoint/2010/main" val="1530183166"/>
+        <p14:creationId xmlns:p14="http://schemas.microsoft.com/office/powerpoint/2010/main" val="907925164"/>
       </p:ext>
     </p:extLst>
   </p:cSld>
@@ -8964,7 +8970,7 @@
       </p:par>
     </p:tnLst>
     <p:bldLst>
-      <p:bldP spid="3" grpId="0" build="p"/>
+      <p:bldP spid="3" grpId="0" uiExpand="1" build="p"/>
     </p:bldLst>
   </p:timing>
 </p:sld>
@@ -10818,64 +10824,32 @@
               </a:rPr>
             </a:br>
             <a:r>
-              <a:rPr lang="en-US" sz="3200" b="1" dirty="0">
-                <a:solidFill>
-                  <a:srgbClr val="004D97"/>
-                </a:solidFill>
-              </a:rPr>
+              <a:rPr lang="en-US" sz="3200" b="1" dirty="0"/>
               <a:t>Gustavo Felhberg</a:t>
             </a:r>
             <a:br>
-              <a:rPr lang="en-US" sz="3200" b="1" dirty="0">
-                <a:solidFill>
-                  <a:srgbClr val="004D97"/>
-                </a:solidFill>
-              </a:rPr>
+              <a:rPr lang="en-US" sz="3200" b="1" dirty="0"/>
             </a:br>
             <a:r>
-              <a:rPr lang="en-US" sz="3200" b="1" dirty="0">
-                <a:solidFill>
-                  <a:srgbClr val="004D97"/>
-                </a:solidFill>
-              </a:rPr>
+              <a:rPr lang="en-US" sz="3200" b="1" dirty="0"/>
               <a:t>Jorge </a:t>
             </a:r>
             <a:r>
-              <a:rPr lang="en-US" sz="3200" b="1" dirty="0" err="1">
-                <a:solidFill>
-                  <a:srgbClr val="004D97"/>
-                </a:solidFill>
-              </a:rPr>
+              <a:rPr lang="en-US" sz="3200" b="1" dirty="0" err="1"/>
               <a:t>Marcano</a:t>
             </a:r>
             <a:br>
-              <a:rPr lang="en-US" sz="3200" b="1" dirty="0">
-                <a:solidFill>
-                  <a:srgbClr val="004D97"/>
-                </a:solidFill>
-              </a:rPr>
+              <a:rPr lang="en-US" sz="3200" b="1" dirty="0"/>
             </a:br>
             <a:r>
-              <a:rPr lang="en-US" sz="3200" b="1" dirty="0">
-                <a:solidFill>
-                  <a:srgbClr val="004D97"/>
-                </a:solidFill>
-              </a:rPr>
+              <a:rPr lang="en-US" sz="3200" b="1" dirty="0"/>
               <a:t>Muhammad </a:t>
             </a:r>
             <a:r>
-              <a:rPr lang="en-US" sz="3200" b="1" dirty="0" err="1">
-                <a:solidFill>
-                  <a:srgbClr val="004D97"/>
-                </a:solidFill>
-              </a:rPr>
+              <a:rPr lang="en-US" sz="3200" b="1" dirty="0" err="1"/>
               <a:t>Muhaimin</a:t>
             </a:r>
-            <a:endParaRPr lang="en-US" sz="3100" b="1" dirty="0">
-              <a:solidFill>
-                <a:srgbClr val="004D97"/>
-              </a:solidFill>
-            </a:endParaRPr>
+            <a:endParaRPr lang="en-US" sz="3100" b="1" dirty="0"/>
           </a:p>
         </p:txBody>
       </p:sp>

--- a/docs/FallDetection.pptx
+++ b/docs/FallDetection.pptx
@@ -8652,7 +8652,15 @@
           <a:p>
             <a:r>
               <a:rPr lang="en-US" dirty="0"/>
-              <a:t>Almost 50% who fall experience a minor injury</a:t>
+              <a:t>Almost 50% of </a:t>
+            </a:r>
+            <a:r>
+              <a:rPr lang="en-US"/>
+              <a:t>older adults who </a:t>
+            </a:r>
+            <a:r>
+              <a:rPr lang="en-US" dirty="0"/>
+              <a:t>fall experience a minor injury</a:t>
             </a:r>
           </a:p>
           <a:p>

--- a/docs/FallDetection.pptx
+++ b/docs/FallDetection.pptx
@@ -5,7 +5,7 @@
     <p:sldMasterId id="2147483648" r:id="rId1"/>
   </p:sldMasterIdLst>
   <p:notesMasterIdLst>
-    <p:notesMasterId r:id="rId8"/>
+    <p:notesMasterId r:id="rId9"/>
   </p:notesMasterIdLst>
   <p:sldIdLst>
     <p:sldId id="256" r:id="rId2"/>
@@ -13,7 +13,8 @@
     <p:sldId id="265" r:id="rId4"/>
     <p:sldId id="260" r:id="rId5"/>
     <p:sldId id="266" r:id="rId6"/>
-    <p:sldId id="261" r:id="rId7"/>
+    <p:sldId id="269" r:id="rId7"/>
+    <p:sldId id="261" r:id="rId8"/>
   </p:sldIdLst>
   <p:sldSz cx="12192000" cy="6858000"/>
   <p:notesSz cx="6858000" cy="9144000"/>
@@ -1338,20 +1339,9 @@
         <a:p>
           <a:r>
             <a:rPr lang="en-US" sz="1600" dirty="0"/>
-            <a:t>Fall Prediction </a:t>
+            <a:t>Fall Prediction</a:t>
           </a:r>
-          <a:r>
-            <a:rPr lang="en-US" sz="1200" dirty="0"/>
-            <a:t>(60% accuracy </a:t>
-          </a:r>
-          <a:r>
-            <a:rPr lang="en-US" sz="1200" dirty="0" err="1"/>
-            <a:t>atm</a:t>
-          </a:r>
-          <a:r>
-            <a:rPr lang="en-US" sz="1200" dirty="0"/>
-            <a:t>)</a:t>
-          </a:r>
+          <a:endParaRPr lang="en-US" sz="1200" dirty="0"/>
         </a:p>
       </dgm:t>
     </dgm:pt>
@@ -1367,42 +1357,6 @@
       </dgm:t>
     </dgm:pt>
     <dgm:pt modelId="{2E644A2E-24E1-DB4D-AFE8-F1341858E7CF}" type="sibTrans" cxnId="{5F0FF218-5893-5E4B-9DF3-85605988F375}">
-      <dgm:prSet/>
-      <dgm:spPr/>
-      <dgm:t>
-        <a:bodyPr/>
-        <a:lstStyle/>
-        <a:p>
-          <a:endParaRPr lang="en-US"/>
-        </a:p>
-      </dgm:t>
-    </dgm:pt>
-    <dgm:pt modelId="{67376583-BBC6-894B-9D93-94AD14F2B924}">
-      <dgm:prSet/>
-      <dgm:spPr/>
-      <dgm:t>
-        <a:bodyPr/>
-        <a:lstStyle/>
-        <a:p>
-          <a:r>
-            <a:rPr lang="en-US" sz="1600" dirty="0"/>
-            <a:t>Real time data</a:t>
-          </a:r>
-        </a:p>
-      </dgm:t>
-    </dgm:pt>
-    <dgm:pt modelId="{9CC2F362-5221-9448-A2AA-4F7D2F8B3A66}" type="parTrans" cxnId="{B5CF009E-16E6-4B4E-A1B7-AB310749A19A}">
-      <dgm:prSet/>
-      <dgm:spPr/>
-      <dgm:t>
-        <a:bodyPr/>
-        <a:lstStyle/>
-        <a:p>
-          <a:endParaRPr lang="en-US"/>
-        </a:p>
-      </dgm:t>
-    </dgm:pt>
-    <dgm:pt modelId="{708D1DBD-D48B-BB47-8CCC-005C24154BF0}" type="sibTrans" cxnId="{B5CF009E-16E6-4B4E-A1B7-AB310749A19A}">
       <dgm:prSet/>
       <dgm:spPr/>
       <dgm:t>
@@ -1508,6 +1462,43 @@
       </dgm:t>
     </dgm:pt>
     <dgm:pt modelId="{9043EEF5-0D5C-1449-A0E3-1029D805A759}" type="sibTrans" cxnId="{03B95D9E-7AA8-BE4B-BBE1-03463CD401C4}">
+      <dgm:prSet/>
+      <dgm:spPr/>
+      <dgm:t>
+        <a:bodyPr/>
+        <a:lstStyle/>
+        <a:p>
+          <a:endParaRPr lang="en-US"/>
+        </a:p>
+      </dgm:t>
+    </dgm:pt>
+    <dgm:pt modelId="{84FF01F9-2949-F843-8C54-AC00A5244708}">
+      <dgm:prSet custT="1"/>
+      <dgm:spPr/>
+      <dgm:t>
+        <a:bodyPr/>
+        <a:lstStyle/>
+        <a:p>
+          <a:r>
+            <a:rPr lang="en-US" sz="1600" dirty="0"/>
+            <a:t>Real time data</a:t>
+          </a:r>
+          <a:endParaRPr lang="en-US" sz="1200" dirty="0"/>
+        </a:p>
+      </dgm:t>
+    </dgm:pt>
+    <dgm:pt modelId="{59DE3910-8FC5-D249-9054-C205B507B721}" type="parTrans" cxnId="{2BB6986A-76C0-B54F-8F48-2E854A1A94D4}">
+      <dgm:prSet/>
+      <dgm:spPr/>
+      <dgm:t>
+        <a:bodyPr/>
+        <a:lstStyle/>
+        <a:p>
+          <a:endParaRPr lang="en-US"/>
+        </a:p>
+      </dgm:t>
+    </dgm:pt>
+    <dgm:pt modelId="{7D11DA30-2F53-B144-9B1E-7786A5FB56E2}" type="sibTrans" cxnId="{2BB6986A-76C0-B54F-8F48-2E854A1A94D4}">
       <dgm:prSet/>
       <dgm:spPr/>
       <dgm:t>
@@ -1806,15 +1797,14 @@
     <dgm:cxn modelId="{B812435D-17BD-3749-857A-2E0F0A80477B}" srcId="{0B62EB6C-54FF-374D-AB7F-7BEB330B1BE9}" destId="{909A40AF-CCEB-B948-9301-D292640A04EB}" srcOrd="3" destOrd="0" parTransId="{F7DA669F-42CB-0C4B-9F77-4950E1F72BA6}" sibTransId="{0E4E6E7C-1A84-D04C-B824-8638EC10F995}"/>
     <dgm:cxn modelId="{69EDC864-39B9-5D47-A9F9-A89C40DD47D3}" type="presOf" srcId="{41E72236-A962-FA4A-B895-65B14FAE023D}" destId="{E7E3E7EC-E923-0C4F-998A-898D18B5ABB2}" srcOrd="0" destOrd="0" presId="urn:microsoft.com/office/officeart/2005/8/layout/hProcess4"/>
     <dgm:cxn modelId="{12B96D6A-4245-B44C-972E-FC4DA9083670}" srcId="{0B62EB6C-54FF-374D-AB7F-7BEB330B1BE9}" destId="{FE1AB45A-3162-9447-BB07-197724914D94}" srcOrd="4" destOrd="0" parTransId="{B5B6D969-361C-A943-A375-98DE0D5FCF08}" sibTransId="{4DF2DDCD-84D6-CF41-B78A-A4B8CF76947E}"/>
+    <dgm:cxn modelId="{2BB6986A-76C0-B54F-8F48-2E854A1A94D4}" srcId="{ADE002A1-B52E-D54C-9867-263666CD5CCE}" destId="{84FF01F9-2949-F843-8C54-AC00A5244708}" srcOrd="1" destOrd="0" parTransId="{59DE3910-8FC5-D249-9054-C205B507B721}" sibTransId="{7D11DA30-2F53-B144-9B1E-7786A5FB56E2}"/>
     <dgm:cxn modelId="{C16FA86D-F704-294C-BCF0-C98D907C5664}" type="presOf" srcId="{0B62EB6C-54FF-374D-AB7F-7BEB330B1BE9}" destId="{3EEC1302-D41B-C643-BC9D-B0546ACD1CC4}" srcOrd="0" destOrd="0" presId="urn:microsoft.com/office/officeart/2005/8/layout/hProcess4"/>
     <dgm:cxn modelId="{F5FF777B-47D6-E849-A225-795BB54F7DB4}" srcId="{0B62EB6C-54FF-374D-AB7F-7BEB330B1BE9}" destId="{3E6AF46F-5627-5C46-A116-A0D0C714EC0A}" srcOrd="1" destOrd="0" parTransId="{4ED40431-D84F-FC4C-A23E-B32E94D4A916}" sibTransId="{09C790D7-A826-E14F-8C65-4FB978F33989}"/>
     <dgm:cxn modelId="{0330927C-B985-CE42-9F21-6116F20CE0EB}" type="presOf" srcId="{CED36AD2-A972-2847-AD1C-711EC23FE5F6}" destId="{E325F677-D19E-7043-981B-CF27F5616F3B}" srcOrd="1" destOrd="1" presId="urn:microsoft.com/office/officeart/2005/8/layout/hProcess4"/>
     <dgm:cxn modelId="{AC689D7C-177E-9544-B1F4-E106ACA4E995}" type="presOf" srcId="{1EAD9032-326D-754A-B211-C2EA4BB2560E}" destId="{A6260D53-AF74-3A44-B703-032707E8EE22}" srcOrd="0" destOrd="0" presId="urn:microsoft.com/office/officeart/2005/8/layout/hProcess4"/>
     <dgm:cxn modelId="{997B6B83-3050-3B4C-94D1-A19584D5706B}" srcId="{0B62EB6C-54FF-374D-AB7F-7BEB330B1BE9}" destId="{73CB681A-61F0-1C4C-9284-57E717BA40E0}" srcOrd="2" destOrd="0" parTransId="{BDE1D690-0801-EB48-94A8-7438681C2CA3}" sibTransId="{A8542BEC-974F-4643-8F24-E09AEC3844B8}"/>
-    <dgm:cxn modelId="{1600FA8A-BE84-C742-A68E-55E489712854}" type="presOf" srcId="{67376583-BBC6-894B-9D93-94AD14F2B924}" destId="{46940DAC-464E-E44F-8B91-86DEDA51697D}" srcOrd="1" destOrd="1" presId="urn:microsoft.com/office/officeart/2005/8/layout/hProcess4"/>
-    <dgm:cxn modelId="{C22D6F92-179D-574B-9E2D-383BEFD8D508}" type="presOf" srcId="{67376583-BBC6-894B-9D93-94AD14F2B924}" destId="{15516A2A-B101-2D43-9CC1-A3E92405364B}" srcOrd="0" destOrd="1" presId="urn:microsoft.com/office/officeart/2005/8/layout/hProcess4"/>
+    <dgm:cxn modelId="{C953B788-B1B6-3C4D-936E-DE25E5104997}" type="presOf" srcId="{84FF01F9-2949-F843-8C54-AC00A5244708}" destId="{15516A2A-B101-2D43-9CC1-A3E92405364B}" srcOrd="0" destOrd="1" presId="urn:microsoft.com/office/officeart/2005/8/layout/hProcess4"/>
     <dgm:cxn modelId="{96ABE695-CF1D-E04B-A6A2-0EAA3124C382}" type="presOf" srcId="{0EC0FDFF-2E8A-164A-8EE2-0B68774A8A76}" destId="{C86A7B7C-85EA-7349-A9FF-919FCE695C89}" srcOrd="0" destOrd="0" presId="urn:microsoft.com/office/officeart/2005/8/layout/hProcess4"/>
-    <dgm:cxn modelId="{B5CF009E-16E6-4B4E-A1B7-AB310749A19A}" srcId="{ADE002A1-B52E-D54C-9867-263666CD5CCE}" destId="{67376583-BBC6-894B-9D93-94AD14F2B924}" srcOrd="1" destOrd="0" parTransId="{9CC2F362-5221-9448-A2AA-4F7D2F8B3A66}" sibTransId="{708D1DBD-D48B-BB47-8CCC-005C24154BF0}"/>
     <dgm:cxn modelId="{03B95D9E-7AA8-BE4B-BBE1-03463CD401C4}" srcId="{3E6AF46F-5627-5C46-A116-A0D0C714EC0A}" destId="{621AB073-F928-0245-BA69-753CC46D416B}" srcOrd="1" destOrd="0" parTransId="{F5A42AE3-C90D-814A-A7BE-54F81B00BC52}" sibTransId="{9043EEF5-0D5C-1449-A0E3-1029D805A759}"/>
     <dgm:cxn modelId="{0B7062A0-3510-0448-8FA4-15AE66B66380}" type="presOf" srcId="{09C790D7-A826-E14F-8C65-4FB978F33989}" destId="{DE59BD45-FAE2-FA4B-AE5C-FC0EA4B29E84}" srcOrd="0" destOrd="0" presId="urn:microsoft.com/office/officeart/2005/8/layout/hProcess4"/>
     <dgm:cxn modelId="{E55C9CA9-9BAF-EC47-B1BE-22A584CF8508}" type="presOf" srcId="{FE1AB45A-3162-9447-BB07-197724914D94}" destId="{0761771F-B511-2944-9F94-5314EFACB81B}" srcOrd="0" destOrd="0" presId="urn:microsoft.com/office/officeart/2005/8/layout/hProcess4"/>
@@ -1826,6 +1816,7 @@
     <dgm:cxn modelId="{16BAAFC0-2317-A54F-95A6-E27C93B85E58}" srcId="{0B62EB6C-54FF-374D-AB7F-7BEB330B1BE9}" destId="{ADE002A1-B52E-D54C-9867-263666CD5CCE}" srcOrd="5" destOrd="0" parTransId="{5670AEDD-2433-AD4D-83C0-E383C76EB305}" sibTransId="{DB69F3AD-A019-0243-AB74-FB10F766AAA1}"/>
     <dgm:cxn modelId="{A4A836C3-6A21-F745-8992-073277A75533}" type="presOf" srcId="{45DE91CC-10F8-5845-B7D6-8BF6E8E2DF5C}" destId="{E325F677-D19E-7043-981B-CF27F5616F3B}" srcOrd="1" destOrd="0" presId="urn:microsoft.com/office/officeart/2005/8/layout/hProcess4"/>
     <dgm:cxn modelId="{E8234AC5-361F-D84D-8491-55A71F8C744C}" srcId="{FE1AB45A-3162-9447-BB07-197724914D94}" destId="{96777CE4-E116-7C45-BB26-6E1BE683C09D}" srcOrd="0" destOrd="0" parTransId="{8C8F485C-0C22-1D4B-831F-2D54E7B8E1AC}" sibTransId="{D19313BB-D8E2-0542-A131-686B78EBC114}"/>
+    <dgm:cxn modelId="{3D79B3C5-7660-264A-A766-393A07F7EED6}" type="presOf" srcId="{84FF01F9-2949-F843-8C54-AC00A5244708}" destId="{46940DAC-464E-E44F-8B91-86DEDA51697D}" srcOrd="1" destOrd="1" presId="urn:microsoft.com/office/officeart/2005/8/layout/hProcess4"/>
     <dgm:cxn modelId="{5746A6C6-F495-8E41-B985-7107E7CEC3C3}" srcId="{3E6AF46F-5627-5C46-A116-A0D0C714EC0A}" destId="{999EE839-0A79-CF48-AC03-6393BCBE7FFD}" srcOrd="0" destOrd="0" parTransId="{85E8C787-A054-1D44-8732-EDEF0649603C}" sibTransId="{8352CFD5-F2A5-DB48-82F7-2D7447ADDC1E}"/>
     <dgm:cxn modelId="{E58DBAD1-D316-2C4B-932C-73C199DB38FD}" type="presOf" srcId="{621AB073-F928-0245-BA69-753CC46D416B}" destId="{4B70CEFF-385A-2F4B-99C2-34B30B74491D}" srcOrd="0" destOrd="1" presId="urn:microsoft.com/office/officeart/2005/8/layout/hProcess4"/>
     <dgm:cxn modelId="{7E4F65D5-F994-DF4A-979D-E3BD68970C6A}" type="presOf" srcId="{A8542BEC-974F-4643-8F24-E09AEC3844B8}" destId="{E399F14F-946B-3849-88DC-A693565F6A97}" srcOrd="0" destOrd="0" presId="urn:microsoft.com/office/officeart/2005/8/layout/hProcess4"/>
@@ -3088,20 +3079,9 @@
           </a:pPr>
           <a:r>
             <a:rPr lang="en-US" sz="1600" kern="1200" dirty="0"/>
-            <a:t>Fall Prediction </a:t>
+            <a:t>Fall Prediction</a:t>
           </a:r>
-          <a:r>
-            <a:rPr lang="en-US" sz="1200" kern="1200" dirty="0"/>
-            <a:t>(60% accuracy </a:t>
-          </a:r>
-          <a:r>
-            <a:rPr lang="en-US" sz="1200" kern="1200" dirty="0" err="1"/>
-            <a:t>atm</a:t>
-          </a:r>
-          <a:r>
-            <a:rPr lang="en-US" sz="1200" kern="1200" dirty="0"/>
-            <a:t>)</a:t>
-          </a:r>
+          <a:endParaRPr lang="en-US" sz="1200" kern="1200" dirty="0"/>
         </a:p>
         <a:p>
           <a:pPr marL="171450" lvl="1" indent="-171450" algn="l" defTabSz="711200">
@@ -3120,6 +3100,7 @@
             <a:rPr lang="en-US" sz="1600" kern="1200" dirty="0"/>
             <a:t>Real time data</a:t>
           </a:r>
+          <a:endParaRPr lang="en-US" sz="1200" kern="1200" dirty="0"/>
         </a:p>
       </dsp:txBody>
       <dsp:txXfrm>
@@ -8652,15 +8633,7 @@
           <a:p>
             <a:r>
               <a:rPr lang="en-US" dirty="0"/>
-              <a:t>Almost 50% of </a:t>
-            </a:r>
-            <a:r>
-              <a:rPr lang="en-US"/>
-              <a:t>older adults who </a:t>
-            </a:r>
-            <a:r>
-              <a:rPr lang="en-US" dirty="0"/>
-              <a:t>fall experience a minor injury</a:t>
+              <a:t>Almost 50% of older adults who fall experience a minor injury</a:t>
             </a:r>
           </a:p>
           <a:p>
@@ -9980,7 +9953,7 @@
           <p:nvPr>
             <p:extLst>
               <p:ext uri="{D42A27DB-BD31-4B8C-83A1-F6EECF244321}">
-                <p14:modId xmlns:p14="http://schemas.microsoft.com/office/powerpoint/2010/main" val="3724869689"/>
+                <p14:modId xmlns:p14="http://schemas.microsoft.com/office/powerpoint/2010/main" val="3581010067"/>
               </p:ext>
             </p:extLst>
           </p:nvPr>
@@ -10009,7 +9982,7 @@
         </p:nvSpPr>
         <p:spPr>
           <a:xfrm>
-            <a:off x="10680377" y="5713435"/>
+            <a:off x="10680377" y="5747227"/>
             <a:ext cx="125506" cy="123016"/>
           </a:xfrm>
           <a:prstGeom prst="ellipse">
@@ -10123,7 +10096,7 @@
         </p:nvSpPr>
         <p:spPr>
           <a:xfrm>
-            <a:off x="10805883" y="5644138"/>
+            <a:off x="10805883" y="5677930"/>
             <a:ext cx="813043" cy="261610"/>
           </a:xfrm>
           <a:prstGeom prst="rect">
@@ -10364,7 +10337,7 @@
         </p:nvSpPr>
         <p:spPr>
           <a:xfrm>
-            <a:off x="10323532" y="3600355"/>
+            <a:off x="10323532" y="3428999"/>
             <a:ext cx="125506" cy="123016"/>
           </a:xfrm>
           <a:prstGeom prst="ellipse">
@@ -10428,14 +10401,11 @@
             <a:avLst/>
           </a:prstGeom>
           <a:solidFill>
-            <a:srgbClr val="FFFF00"/>
+            <a:schemeClr val="bg1"/>
           </a:solidFill>
           <a:ln>
             <a:solidFill>
-              <a:schemeClr val="tx1">
-                <a:lumMod val="75000"/>
-                <a:lumOff val="25000"/>
-              </a:schemeClr>
+              <a:schemeClr val="bg1"/>
             </a:solidFill>
           </a:ln>
         </p:spPr>
@@ -10749,6 +10719,155 @@
           </a:p>
         </p:txBody>
       </p:sp>
+      <p:sp>
+        <p:nvSpPr>
+          <p:cNvPr id="27" name="Oval 26">
+            <a:extLst>
+              <a:ext uri="{FF2B5EF4-FFF2-40B4-BE49-F238E27FC236}">
+                <a16:creationId xmlns:a16="http://schemas.microsoft.com/office/drawing/2014/main" id="{27BD6AC6-24BD-8842-A1C0-D1F33FDE7D7C}"/>
+              </a:ext>
+            </a:extLst>
+          </p:cNvPr>
+          <p:cNvSpPr/>
+          <p:nvPr/>
+        </p:nvSpPr>
+        <p:spPr>
+          <a:xfrm>
+            <a:off x="10680377" y="5094649"/>
+            <a:ext cx="125506" cy="123016"/>
+          </a:xfrm>
+          <a:prstGeom prst="ellipse">
+            <a:avLst/>
+          </a:prstGeom>
+          <a:solidFill>
+            <a:schemeClr val="bg1"/>
+          </a:solidFill>
+          <a:ln>
+            <a:solidFill>
+              <a:schemeClr val="tx1">
+                <a:lumMod val="75000"/>
+                <a:lumOff val="25000"/>
+              </a:schemeClr>
+            </a:solidFill>
+          </a:ln>
+        </p:spPr>
+        <p:style>
+          <a:lnRef idx="2">
+            <a:schemeClr val="accent1">
+              <a:shade val="50000"/>
+            </a:schemeClr>
+          </a:lnRef>
+          <a:fillRef idx="1">
+            <a:schemeClr val="accent1"/>
+          </a:fillRef>
+          <a:effectRef idx="0">
+            <a:schemeClr val="accent1"/>
+          </a:effectRef>
+          <a:fontRef idx="minor">
+            <a:schemeClr val="lt1"/>
+          </a:fontRef>
+        </p:style>
+        <p:txBody>
+          <a:bodyPr rtlCol="0" anchor="ctr"/>
+          <a:lstStyle/>
+          <a:p>
+            <a:pPr algn="ctr"/>
+            <a:endParaRPr lang="en-US"/>
+          </a:p>
+        </p:txBody>
+      </p:sp>
+      <p:sp>
+        <p:nvSpPr>
+          <p:cNvPr id="28" name="TextBox 27">
+            <a:extLst>
+              <a:ext uri="{FF2B5EF4-FFF2-40B4-BE49-F238E27FC236}">
+                <a16:creationId xmlns:a16="http://schemas.microsoft.com/office/drawing/2014/main" id="{EF04DCC7-D6D1-2C4C-AD7D-0C876AC89AB1}"/>
+              </a:ext>
+            </a:extLst>
+          </p:cNvPr>
+          <p:cNvSpPr txBox="1"/>
+          <p:nvPr/>
+        </p:nvSpPr>
+        <p:spPr>
+          <a:xfrm>
+            <a:off x="10796346" y="5020734"/>
+            <a:ext cx="979755" cy="261610"/>
+          </a:xfrm>
+          <a:prstGeom prst="rect">
+            <a:avLst/>
+          </a:prstGeom>
+          <a:noFill/>
+        </p:spPr>
+        <p:txBody>
+          <a:bodyPr wrap="none" rtlCol="0">
+            <a:spAutoFit/>
+          </a:bodyPr>
+          <a:lstStyle/>
+          <a:p>
+            <a:r>
+              <a:rPr lang="en-US" sz="1100" dirty="0"/>
+              <a:t>Not Initialized</a:t>
+            </a:r>
+          </a:p>
+        </p:txBody>
+      </p:sp>
+      <p:sp>
+        <p:nvSpPr>
+          <p:cNvPr id="29" name="Oval 28">
+            <a:extLst>
+              <a:ext uri="{FF2B5EF4-FFF2-40B4-BE49-F238E27FC236}">
+                <a16:creationId xmlns:a16="http://schemas.microsoft.com/office/drawing/2014/main" id="{C922C576-5749-7042-8113-6953F4128BD4}"/>
+              </a:ext>
+            </a:extLst>
+          </p:cNvPr>
+          <p:cNvSpPr/>
+          <p:nvPr/>
+        </p:nvSpPr>
+        <p:spPr>
+          <a:xfrm>
+            <a:off x="10323532" y="3166283"/>
+            <a:ext cx="125506" cy="123016"/>
+          </a:xfrm>
+          <a:prstGeom prst="ellipse">
+            <a:avLst/>
+          </a:prstGeom>
+          <a:solidFill>
+            <a:schemeClr val="bg1"/>
+          </a:solidFill>
+          <a:ln>
+            <a:solidFill>
+              <a:schemeClr val="tx1">
+                <a:lumMod val="75000"/>
+                <a:lumOff val="25000"/>
+              </a:schemeClr>
+            </a:solidFill>
+          </a:ln>
+        </p:spPr>
+        <p:style>
+          <a:lnRef idx="2">
+            <a:schemeClr val="accent1">
+              <a:shade val="50000"/>
+            </a:schemeClr>
+          </a:lnRef>
+          <a:fillRef idx="1">
+            <a:schemeClr val="accent1"/>
+          </a:fillRef>
+          <a:effectRef idx="0">
+            <a:schemeClr val="accent1"/>
+          </a:effectRef>
+          <a:fontRef idx="minor">
+            <a:schemeClr val="lt1"/>
+          </a:fontRef>
+        </p:style>
+        <p:txBody>
+          <a:bodyPr rtlCol="0" anchor="ctr"/>
+          <a:lstStyle/>
+          <a:p>
+            <a:pPr algn="ctr"/>
+            <a:endParaRPr lang="en-US"/>
+          </a:p>
+        </p:txBody>
+      </p:sp>
     </p:spTree>
     <p:extLst>
       <p:ext uri="{BB962C8B-B14F-4D97-AF65-F5344CB8AC3E}">
@@ -10763,6 +10882,265 @@
 </file>
 
 <file path=ppt/slides/slide6.xml><?xml version="1.0" encoding="utf-8"?>
+<p:sld xmlns:a="http://schemas.openxmlformats.org/drawingml/2006/main" xmlns:r="http://schemas.openxmlformats.org/officeDocument/2006/relationships" xmlns:p="http://schemas.openxmlformats.org/presentationml/2006/main">
+  <p:cSld>
+    <p:bg>
+      <p:bgPr>
+        <a:solidFill>
+          <a:srgbClr val="FDFDFD"/>
+        </a:solidFill>
+        <a:effectLst/>
+      </p:bgPr>
+    </p:bg>
+    <p:spTree>
+      <p:nvGrpSpPr>
+        <p:cNvPr id="1" name=""/>
+        <p:cNvGrpSpPr/>
+        <p:nvPr/>
+      </p:nvGrpSpPr>
+      <p:grpSpPr>
+        <a:xfrm>
+          <a:off x="0" y="0"/>
+          <a:ext cx="0" cy="0"/>
+          <a:chOff x="0" y="0"/>
+          <a:chExt cx="0" cy="0"/>
+        </a:xfrm>
+      </p:grpSpPr>
+      <p:sp>
+        <p:nvSpPr>
+          <p:cNvPr id="2" name="Title 1"/>
+          <p:cNvSpPr>
+            <a:spLocks noGrp="1"/>
+          </p:cNvSpPr>
+          <p:nvPr>
+            <p:ph type="title"/>
+          </p:nvPr>
+        </p:nvSpPr>
+        <p:spPr/>
+        <p:txBody>
+          <a:bodyPr/>
+          <a:lstStyle/>
+          <a:p>
+            <a:r>
+              <a:rPr lang="en-US" b="1" dirty="0">
+                <a:solidFill>
+                  <a:srgbClr val="004D97"/>
+                </a:solidFill>
+              </a:rPr>
+              <a:t>Exploratory Data Analysis</a:t>
+            </a:r>
+          </a:p>
+        </p:txBody>
+      </p:sp>
+      <p:pic>
+        <p:nvPicPr>
+          <p:cNvPr id="7" name="Picture 6">
+            <a:extLst>
+              <a:ext uri="{FF2B5EF4-FFF2-40B4-BE49-F238E27FC236}">
+                <a16:creationId xmlns:a16="http://schemas.microsoft.com/office/drawing/2014/main" id="{2C20F294-EAFD-6343-891B-29EE9E73069D}"/>
+              </a:ext>
+            </a:extLst>
+          </p:cNvPr>
+          <p:cNvPicPr>
+            <a:picLocks noChangeAspect="1"/>
+          </p:cNvPicPr>
+          <p:nvPr/>
+        </p:nvPicPr>
+        <p:blipFill>
+          <a:blip r:embed="rId2"/>
+          <a:stretch>
+            <a:fillRect/>
+          </a:stretch>
+        </p:blipFill>
+        <p:spPr>
+          <a:xfrm>
+            <a:off x="3246400" y="5016748"/>
+            <a:ext cx="5562600" cy="1793316"/>
+          </a:xfrm>
+          <a:prstGeom prst="rect">
+            <a:avLst/>
+          </a:prstGeom>
+        </p:spPr>
+      </p:pic>
+      <p:pic>
+        <p:nvPicPr>
+          <p:cNvPr id="9" name="Picture 8">
+            <a:extLst>
+              <a:ext uri="{FF2B5EF4-FFF2-40B4-BE49-F238E27FC236}">
+                <a16:creationId xmlns:a16="http://schemas.microsoft.com/office/drawing/2014/main" id="{01B0AD13-2D04-B343-807A-5A568988CEAC}"/>
+              </a:ext>
+            </a:extLst>
+          </p:cNvPr>
+          <p:cNvPicPr>
+            <a:picLocks noChangeAspect="1"/>
+          </p:cNvPicPr>
+          <p:nvPr/>
+        </p:nvPicPr>
+        <p:blipFill>
+          <a:blip r:embed="rId3"/>
+          <a:stretch>
+            <a:fillRect/>
+          </a:stretch>
+        </p:blipFill>
+        <p:spPr>
+          <a:xfrm>
+            <a:off x="3246400" y="3239692"/>
+            <a:ext cx="5562600" cy="1777056"/>
+          </a:xfrm>
+          <a:prstGeom prst="rect">
+            <a:avLst/>
+          </a:prstGeom>
+        </p:spPr>
+      </p:pic>
+      <p:pic>
+        <p:nvPicPr>
+          <p:cNvPr id="11" name="Picture 10">
+            <a:extLst>
+              <a:ext uri="{FF2B5EF4-FFF2-40B4-BE49-F238E27FC236}">
+                <a16:creationId xmlns:a16="http://schemas.microsoft.com/office/drawing/2014/main" id="{FA4477F1-67B7-E341-9AD1-AC174FD9482B}"/>
+              </a:ext>
+            </a:extLst>
+          </p:cNvPr>
+          <p:cNvPicPr>
+            <a:picLocks noChangeAspect="1"/>
+          </p:cNvPicPr>
+          <p:nvPr/>
+        </p:nvPicPr>
+        <p:blipFill>
+          <a:blip r:embed="rId4"/>
+          <a:stretch>
+            <a:fillRect/>
+          </a:stretch>
+        </p:blipFill>
+        <p:spPr>
+          <a:xfrm>
+            <a:off x="3246400" y="1461146"/>
+            <a:ext cx="5562600" cy="1778546"/>
+          </a:xfrm>
+          <a:prstGeom prst="rect">
+            <a:avLst/>
+          </a:prstGeom>
+        </p:spPr>
+      </p:pic>
+      <p:sp>
+        <p:nvSpPr>
+          <p:cNvPr id="12" name="TextBox 11">
+            <a:extLst>
+              <a:ext uri="{FF2B5EF4-FFF2-40B4-BE49-F238E27FC236}">
+                <a16:creationId xmlns:a16="http://schemas.microsoft.com/office/drawing/2014/main" id="{547AE4CE-95FC-024C-BC67-CBBA1BADB26B}"/>
+              </a:ext>
+            </a:extLst>
+          </p:cNvPr>
+          <p:cNvSpPr txBox="1"/>
+          <p:nvPr/>
+        </p:nvSpPr>
+        <p:spPr>
+          <a:xfrm>
+            <a:off x="9033933" y="2165753"/>
+            <a:ext cx="590418" cy="369332"/>
+          </a:xfrm>
+          <a:prstGeom prst="rect">
+            <a:avLst/>
+          </a:prstGeom>
+          <a:noFill/>
+        </p:spPr>
+        <p:txBody>
+          <a:bodyPr wrap="none" rtlCol="0">
+            <a:spAutoFit/>
+          </a:bodyPr>
+          <a:lstStyle/>
+          <a:p>
+            <a:r>
+              <a:rPr lang="en-US" dirty="0"/>
+              <a:t>Falls</a:t>
+            </a:r>
+          </a:p>
+        </p:txBody>
+      </p:sp>
+      <p:sp>
+        <p:nvSpPr>
+          <p:cNvPr id="13" name="TextBox 12">
+            <a:extLst>
+              <a:ext uri="{FF2B5EF4-FFF2-40B4-BE49-F238E27FC236}">
+                <a16:creationId xmlns:a16="http://schemas.microsoft.com/office/drawing/2014/main" id="{04ECCB06-225D-7D40-AFC1-748360DC9BA2}"/>
+              </a:ext>
+            </a:extLst>
+          </p:cNvPr>
+          <p:cNvSpPr txBox="1"/>
+          <p:nvPr/>
+        </p:nvSpPr>
+        <p:spPr>
+          <a:xfrm>
+            <a:off x="9033933" y="3943554"/>
+            <a:ext cx="1098570" cy="369332"/>
+          </a:xfrm>
+          <a:prstGeom prst="rect">
+            <a:avLst/>
+          </a:prstGeom>
+          <a:noFill/>
+        </p:spPr>
+        <p:txBody>
+          <a:bodyPr wrap="none" rtlCol="0">
+            <a:spAutoFit/>
+          </a:bodyPr>
+          <a:lstStyle/>
+          <a:p>
+            <a:r>
+              <a:rPr lang="en-US" dirty="0"/>
+              <a:t>Near Falls</a:t>
+            </a:r>
+          </a:p>
+        </p:txBody>
+      </p:sp>
+      <p:sp>
+        <p:nvSpPr>
+          <p:cNvPr id="14" name="TextBox 13">
+            <a:extLst>
+              <a:ext uri="{FF2B5EF4-FFF2-40B4-BE49-F238E27FC236}">
+                <a16:creationId xmlns:a16="http://schemas.microsoft.com/office/drawing/2014/main" id="{119B468A-C698-5B4A-8E20-6BE34F723411}"/>
+              </a:ext>
+            </a:extLst>
+          </p:cNvPr>
+          <p:cNvSpPr txBox="1"/>
+          <p:nvPr/>
+        </p:nvSpPr>
+        <p:spPr>
+          <a:xfrm>
+            <a:off x="9033933" y="5728740"/>
+            <a:ext cx="2182649" cy="369332"/>
+          </a:xfrm>
+          <a:prstGeom prst="rect">
+            <a:avLst/>
+          </a:prstGeom>
+          <a:noFill/>
+        </p:spPr>
+        <p:txBody>
+          <a:bodyPr wrap="none" rtlCol="0">
+            <a:spAutoFit/>
+          </a:bodyPr>
+          <a:lstStyle/>
+          <a:p>
+            <a:r>
+              <a:rPr lang="en-US" dirty="0"/>
+              <a:t>Activities of Daily Life</a:t>
+            </a:r>
+          </a:p>
+        </p:txBody>
+      </p:sp>
+    </p:spTree>
+    <p:extLst>
+      <p:ext uri="{BB962C8B-B14F-4D97-AF65-F5344CB8AC3E}">
+        <p14:creationId xmlns:p14="http://schemas.microsoft.com/office/powerpoint/2010/main" val="1584089805"/>
+      </p:ext>
+    </p:extLst>
+  </p:cSld>
+  <p:clrMapOvr>
+    <a:masterClrMapping/>
+  </p:clrMapOvr>
+</p:sld>
+</file>
+
+<file path=ppt/slides/slide7.xml><?xml version="1.0" encoding="utf-8"?>
 <p:sld xmlns:a="http://schemas.openxmlformats.org/drawingml/2006/main" xmlns:r="http://schemas.openxmlformats.org/officeDocument/2006/relationships" xmlns:p="http://schemas.openxmlformats.org/presentationml/2006/main">
   <p:cSld>
     <p:bg>

--- a/docs/FallDetection.pptx
+++ b/docs/FallDetection.pptx
@@ -11127,6 +11127,36 @@
           </a:p>
         </p:txBody>
       </p:sp>
+      <p:pic>
+        <p:nvPicPr>
+          <p:cNvPr id="16" name="Picture 15">
+            <a:extLst>
+              <a:ext uri="{FF2B5EF4-FFF2-40B4-BE49-F238E27FC236}">
+                <a16:creationId xmlns:a16="http://schemas.microsoft.com/office/drawing/2014/main" id="{EE9817AD-D78D-8D4F-A61B-999C6B1EC1CA}"/>
+              </a:ext>
+            </a:extLst>
+          </p:cNvPr>
+          <p:cNvPicPr>
+            <a:picLocks noChangeAspect="1"/>
+          </p:cNvPicPr>
+          <p:nvPr/>
+        </p:nvPicPr>
+        <p:blipFill>
+          <a:blip r:embed="rId5"/>
+          <a:stretch>
+            <a:fillRect/>
+          </a:stretch>
+        </p:blipFill>
+        <p:spPr>
+          <a:xfrm>
+            <a:off x="2279421" y="6239933"/>
+            <a:ext cx="966979" cy="494604"/>
+          </a:xfrm>
+          <a:prstGeom prst="rect">
+            <a:avLst/>
+          </a:prstGeom>
+        </p:spPr>
+      </p:pic>
     </p:spTree>
     <p:extLst>
       <p:ext uri="{BB962C8B-B14F-4D97-AF65-F5344CB8AC3E}">
